--- a/Google Adsense.pptx
+++ b/Google Adsense.pptx
@@ -1,6 +1,6 @@
 
 <file path=ppt/presentation.xml><?xml version="1.0" encoding="utf-8"?>
-<p:presentation xmlns:a="http://schemas.openxmlformats.org/drawingml/2006/main" xmlns:r="http://schemas.openxmlformats.org/officeDocument/2006/relationships" xmlns:p="http://schemas.openxmlformats.org/presentationml/2006/main" saveSubsetFonts="1">
+<p:presentation xmlns:a="http://schemas.openxmlformats.org/drawingml/2006/main" xmlns:r="http://schemas.openxmlformats.org/officeDocument/2006/relationships" xmlns:p="http://schemas.openxmlformats.org/presentationml/2006/main" saveSubsetFonts="1" bookmarkIdSeed="4">
   <p:sldMasterIdLst>
     <p:sldMasterId id="2147483660" r:id="rId1"/>
   </p:sldMasterIdLst>
@@ -18,6 +18,12 @@
     <p:sldId id="266" r:id="rId12"/>
     <p:sldId id="267" r:id="rId13"/>
     <p:sldId id="268" r:id="rId14"/>
+    <p:sldId id="269" r:id="rId15"/>
+    <p:sldId id="270" r:id="rId16"/>
+    <p:sldId id="271" r:id="rId17"/>
+    <p:sldId id="272" r:id="rId18"/>
+    <p:sldId id="273" r:id="rId19"/>
+    <p:sldId id="274" r:id="rId20"/>
   </p:sldIdLst>
   <p:sldSz cx="12192000" cy="6858000"/>
   <p:notesSz cx="6858000" cy="9144000"/>
@@ -577,7 +583,7 @@
           <a:p>
             <a:fld id="{DFB1C46A-AD3B-4CE8-BC92-6F19EBF7E021}" type="datetimeFigureOut">
               <a:rPr lang="en-US" smtClean="0"/>
-              <a:t>4/16/2019</a:t>
+              <a:t>5/4/2019</a:t>
             </a:fld>
             <a:endParaRPr lang="en-US"/>
           </a:p>
@@ -908,7 +914,7 @@
           <a:p>
             <a:fld id="{DFB1C46A-AD3B-4CE8-BC92-6F19EBF7E021}" type="datetimeFigureOut">
               <a:rPr lang="en-US" smtClean="0"/>
-              <a:t>4/16/2019</a:t>
+              <a:t>5/4/2019</a:t>
             </a:fld>
             <a:endParaRPr lang="en-US"/>
           </a:p>
@@ -1104,7 +1110,7 @@
           <a:p>
             <a:fld id="{DFB1C46A-AD3B-4CE8-BC92-6F19EBF7E021}" type="datetimeFigureOut">
               <a:rPr lang="en-US" smtClean="0"/>
-              <a:t>4/16/2019</a:t>
+              <a:t>5/4/2019</a:t>
             </a:fld>
             <a:endParaRPr lang="en-US"/>
           </a:p>
@@ -1374,7 +1380,7 @@
           <a:p>
             <a:fld id="{DFB1C46A-AD3B-4CE8-BC92-6F19EBF7E021}" type="datetimeFigureOut">
               <a:rPr lang="en-US" smtClean="0"/>
-              <a:t>4/16/2019</a:t>
+              <a:t>5/4/2019</a:t>
             </a:fld>
             <a:endParaRPr lang="en-US"/>
           </a:p>
@@ -1802,7 +1808,7 @@
           <a:p>
             <a:fld id="{DFB1C46A-AD3B-4CE8-BC92-6F19EBF7E021}" type="datetimeFigureOut">
               <a:rPr lang="en-US" smtClean="0"/>
-              <a:t>4/16/2019</a:t>
+              <a:t>5/4/2019</a:t>
             </a:fld>
             <a:endParaRPr lang="en-US"/>
           </a:p>
@@ -2352,7 +2358,7 @@
           <a:p>
             <a:fld id="{DFB1C46A-AD3B-4CE8-BC92-6F19EBF7E021}" type="datetimeFigureOut">
               <a:rPr lang="en-US" smtClean="0"/>
-              <a:t>4/16/2019</a:t>
+              <a:t>5/4/2019</a:t>
             </a:fld>
             <a:endParaRPr lang="en-US"/>
           </a:p>
@@ -3139,7 +3145,7 @@
           <a:p>
             <a:fld id="{DFB1C46A-AD3B-4CE8-BC92-6F19EBF7E021}" type="datetimeFigureOut">
               <a:rPr lang="en-US" smtClean="0"/>
-              <a:t>4/16/2019</a:t>
+              <a:t>5/4/2019</a:t>
             </a:fld>
             <a:endParaRPr lang="en-US"/>
           </a:p>
@@ -3318,7 +3324,7 @@
           <a:p>
             <a:fld id="{DFB1C46A-AD3B-4CE8-BC92-6F19EBF7E021}" type="datetimeFigureOut">
               <a:rPr lang="en-US" smtClean="0"/>
-              <a:t>4/16/2019</a:t>
+              <a:t>5/4/2019</a:t>
             </a:fld>
             <a:endParaRPr lang="en-US"/>
           </a:p>
@@ -3502,7 +3508,7 @@
           <a:p>
             <a:fld id="{DFB1C46A-AD3B-4CE8-BC92-6F19EBF7E021}" type="datetimeFigureOut">
               <a:rPr lang="en-US" smtClean="0"/>
-              <a:t>4/16/2019</a:t>
+              <a:t>5/4/2019</a:t>
             </a:fld>
             <a:endParaRPr lang="en-US"/>
           </a:p>
@@ -3688,7 +3694,7 @@
           <a:p>
             <a:fld id="{DFB1C46A-AD3B-4CE8-BC92-6F19EBF7E021}" type="datetimeFigureOut">
               <a:rPr lang="en-US" smtClean="0"/>
-              <a:t>4/16/2019</a:t>
+              <a:t>5/4/2019</a:t>
             </a:fld>
             <a:endParaRPr lang="en-US"/>
           </a:p>
@@ -3875,7 +3881,7 @@
           <a:p>
             <a:fld id="{DFB1C46A-AD3B-4CE8-BC92-6F19EBF7E021}" type="datetimeFigureOut">
               <a:rPr lang="en-US" smtClean="0"/>
-              <a:t>4/16/2019</a:t>
+              <a:t>5/4/2019</a:t>
             </a:fld>
             <a:endParaRPr lang="en-US"/>
           </a:p>
@@ -4125,7 +4131,7 @@
           <a:p>
             <a:fld id="{DFB1C46A-AD3B-4CE8-BC92-6F19EBF7E021}" type="datetimeFigureOut">
               <a:rPr lang="en-US" smtClean="0"/>
-              <a:t>4/16/2019</a:t>
+              <a:t>5/4/2019</a:t>
             </a:fld>
             <a:endParaRPr lang="en-US"/>
           </a:p>
@@ -4362,7 +4368,7 @@
           <a:p>
             <a:fld id="{DFB1C46A-AD3B-4CE8-BC92-6F19EBF7E021}" type="datetimeFigureOut">
               <a:rPr lang="en-US" smtClean="0"/>
-              <a:t>4/16/2019</a:t>
+              <a:t>5/4/2019</a:t>
             </a:fld>
             <a:endParaRPr lang="en-US"/>
           </a:p>
@@ -4747,7 +4753,7 @@
           <a:p>
             <a:fld id="{DFB1C46A-AD3B-4CE8-BC92-6F19EBF7E021}" type="datetimeFigureOut">
               <a:rPr lang="en-US" smtClean="0"/>
-              <a:t>4/16/2019</a:t>
+              <a:t>5/4/2019</a:t>
             </a:fld>
             <a:endParaRPr lang="en-US"/>
           </a:p>
@@ -4865,7 +4871,7 @@
           <a:p>
             <a:fld id="{DFB1C46A-AD3B-4CE8-BC92-6F19EBF7E021}" type="datetimeFigureOut">
               <a:rPr lang="en-US" smtClean="0"/>
-              <a:t>4/16/2019</a:t>
+              <a:t>5/4/2019</a:t>
             </a:fld>
             <a:endParaRPr lang="en-US"/>
           </a:p>
@@ -4960,7 +4966,7 @@
           <a:p>
             <a:fld id="{DFB1C46A-AD3B-4CE8-BC92-6F19EBF7E021}" type="datetimeFigureOut">
               <a:rPr lang="en-US" smtClean="0"/>
-              <a:t>4/16/2019</a:t>
+              <a:t>5/4/2019</a:t>
             </a:fld>
             <a:endParaRPr lang="en-US"/>
           </a:p>
@@ -5213,7 +5219,7 @@
           <a:p>
             <a:fld id="{DFB1C46A-AD3B-4CE8-BC92-6F19EBF7E021}" type="datetimeFigureOut">
               <a:rPr lang="en-US" smtClean="0"/>
-              <a:t>4/16/2019</a:t>
+              <a:t>5/4/2019</a:t>
             </a:fld>
             <a:endParaRPr lang="en-US"/>
           </a:p>
@@ -5481,7 +5487,7 @@
           <a:p>
             <a:fld id="{DFB1C46A-AD3B-4CE8-BC92-6F19EBF7E021}" type="datetimeFigureOut">
               <a:rPr lang="en-US" smtClean="0"/>
-              <a:t>4/16/2019</a:t>
+              <a:t>5/4/2019</a:t>
             </a:fld>
             <a:endParaRPr lang="en-US"/>
           </a:p>
@@ -5884,7 +5890,7 @@
           <a:p>
             <a:fld id="{DFB1C46A-AD3B-4CE8-BC92-6F19EBF7E021}" type="datetimeFigureOut">
               <a:rPr lang="en-US" smtClean="0"/>
-              <a:t>4/16/2019</a:t>
+              <a:t>5/4/2019</a:t>
             </a:fld>
             <a:endParaRPr lang="en-US"/>
           </a:p>
@@ -6372,11 +6378,11 @@
           <a:p>
             <a:pPr algn="ctr"/>
             <a:r>
-              <a:rPr lang="en-US" dirty="0">
+              <a:rPr lang="en-US">
                 <a:latin typeface="Times New Roman" panose="02020603050405020304" pitchFamily="18" charset="0"/>
                 <a:cs typeface="Times New Roman" panose="02020603050405020304" pitchFamily="18" charset="0"/>
               </a:rPr>
-              <a:t>GOOGLE </a:t>
+              <a:t>I. GOOGLE </a:t>
             </a:r>
             <a:r>
               <a:rPr lang="en-US" dirty="0" err="1">
@@ -6552,6 +6558,18 @@
   <p:clrMapOvr>
     <a:masterClrMapping/>
   </p:clrMapOvr>
+  <mc:AlternateContent xmlns:mc="http://schemas.openxmlformats.org/markup-compatibility/2006">
+    <mc:Choice xmlns:p15="http://schemas.microsoft.com/office/powerpoint/2012/main" Requires="p15">
+      <p:transition xmlns:p14="http://schemas.microsoft.com/office/powerpoint/2010/main" spd="slow" p14:dur="2000">
+        <p15:prstTrans prst="drape"/>
+      </p:transition>
+    </mc:Choice>
+    <mc:Fallback>
+      <p:transition spd="slow">
+        <p:fade/>
+      </p:transition>
+    </mc:Fallback>
+  </mc:AlternateContent>
 </p:sld>
 </file>
 
@@ -6706,6 +6724,18 @@
   <p:clrMapOvr>
     <a:masterClrMapping/>
   </p:clrMapOvr>
+  <mc:AlternateContent xmlns:mc="http://schemas.openxmlformats.org/markup-compatibility/2006">
+    <mc:Choice xmlns:p15="http://schemas.microsoft.com/office/powerpoint/2012/main" Requires="p15">
+      <p:transition xmlns:p14="http://schemas.microsoft.com/office/powerpoint/2010/main" spd="slow" p14:dur="2000">
+        <p15:prstTrans prst="fallOver"/>
+      </p:transition>
+    </mc:Choice>
+    <mc:Fallback>
+      <p:transition spd="slow">
+        <p:fade/>
+      </p:transition>
+    </mc:Fallback>
+  </mc:AlternateContent>
 </p:sld>
 </file>
 
@@ -6834,6 +6864,18 @@
   <p:clrMapOvr>
     <a:masterClrMapping/>
   </p:clrMapOvr>
+  <mc:AlternateContent xmlns:mc="http://schemas.openxmlformats.org/markup-compatibility/2006">
+    <mc:Choice xmlns:p15="http://schemas.microsoft.com/office/powerpoint/2012/main" Requires="p15">
+      <p:transition xmlns:p14="http://schemas.microsoft.com/office/powerpoint/2010/main" spd="slow" p14:dur="2000">
+        <p15:prstTrans prst="prestige"/>
+      </p:transition>
+    </mc:Choice>
+    <mc:Fallback>
+      <p:transition spd="slow">
+        <p:fade/>
+      </p:transition>
+    </mc:Fallback>
+  </mc:AlternateContent>
 </p:sld>
 </file>
 
@@ -7003,6 +7045,2491 @@
   <p:clrMapOvr>
     <a:masterClrMapping/>
   </p:clrMapOvr>
+  <mc:AlternateContent xmlns:mc="http://schemas.openxmlformats.org/markup-compatibility/2006">
+    <mc:Choice xmlns:p15="http://schemas.microsoft.com/office/powerpoint/2012/main" Requires="p15">
+      <p:transition xmlns:p14="http://schemas.microsoft.com/office/powerpoint/2010/main" spd="slow" p14:dur="1250">
+        <p15:prstTrans prst="peelOff"/>
+      </p:transition>
+    </mc:Choice>
+    <mc:Fallback>
+      <p:transition spd="slow">
+        <p:fade/>
+      </p:transition>
+    </mc:Fallback>
+  </mc:AlternateContent>
+</p:sld>
+</file>
+
+<file path=ppt/slides/slide14.xml><?xml version="1.0" encoding="utf-8"?>
+<p:sld xmlns:a="http://schemas.openxmlformats.org/drawingml/2006/main" xmlns:r="http://schemas.openxmlformats.org/officeDocument/2006/relationships" xmlns:p="http://schemas.openxmlformats.org/presentationml/2006/main">
+  <p:cSld>
+    <p:spTree>
+      <p:nvGrpSpPr>
+        <p:cNvPr id="1" name=""/>
+        <p:cNvGrpSpPr/>
+        <p:nvPr/>
+      </p:nvGrpSpPr>
+      <p:grpSpPr>
+        <a:xfrm>
+          <a:off x="0" y="0"/>
+          <a:ext cx="0" cy="0"/>
+          <a:chOff x="0" y="0"/>
+          <a:chExt cx="0" cy="0"/>
+        </a:xfrm>
+      </p:grpSpPr>
+      <p:sp>
+        <p:nvSpPr>
+          <p:cNvPr id="2" name="Title 1">
+            <a:extLst>
+              <a:ext uri="{FF2B5EF4-FFF2-40B4-BE49-F238E27FC236}">
+                <a16:creationId xmlns:a16="http://schemas.microsoft.com/office/drawing/2014/main" id="{36CE280E-D88A-4053-8FBB-B06F1486FC49}"/>
+              </a:ext>
+            </a:extLst>
+          </p:cNvPr>
+          <p:cNvSpPr>
+            <a:spLocks noGrp="1"/>
+          </p:cNvSpPr>
+          <p:nvPr>
+            <p:ph type="title"/>
+          </p:nvPr>
+        </p:nvSpPr>
+        <p:spPr>
+          <a:xfrm>
+            <a:off x="751902" y="-110167"/>
+            <a:ext cx="10396882" cy="1035586"/>
+          </a:xfrm>
+        </p:spPr>
+        <p:txBody>
+          <a:bodyPr>
+            <a:noAutofit/>
+          </a:bodyPr>
+          <a:lstStyle/>
+          <a:p>
+            <a:r>
+              <a:rPr lang="en-US" sz="3200">
+                <a:latin typeface="Times New Roman" panose="02020603050405020304" pitchFamily="18" charset="0"/>
+                <a:cs typeface="Times New Roman" panose="02020603050405020304" pitchFamily="18" charset="0"/>
+              </a:rPr>
+              <a:t>II. Một số mạng Quảng cáo khác ở việt nam</a:t>
+            </a:r>
+          </a:p>
+        </p:txBody>
+      </p:sp>
+      <p:pic>
+        <p:nvPicPr>
+          <p:cNvPr id="5" name="Picture 4">
+            <a:extLst>
+              <a:ext uri="{FF2B5EF4-FFF2-40B4-BE49-F238E27FC236}">
+                <a16:creationId xmlns:a16="http://schemas.microsoft.com/office/drawing/2014/main" id="{8902A0FC-97F2-4170-A9B7-0CAFCA9E8766}"/>
+              </a:ext>
+            </a:extLst>
+          </p:cNvPr>
+          <p:cNvPicPr>
+            <a:picLocks noChangeAspect="1"/>
+          </p:cNvPicPr>
+          <p:nvPr/>
+        </p:nvPicPr>
+        <p:blipFill>
+          <a:blip r:embed="rId2">
+            <a:extLst>
+              <a:ext uri="{28A0092B-C50C-407E-A947-70E740481C1C}">
+                <a14:useLocalDpi xmlns:a14="http://schemas.microsoft.com/office/drawing/2010/main" val="0"/>
+              </a:ext>
+            </a:extLst>
+          </a:blip>
+          <a:stretch>
+            <a:fillRect/>
+          </a:stretch>
+        </p:blipFill>
+        <p:spPr>
+          <a:xfrm>
+            <a:off x="-1" y="751518"/>
+            <a:ext cx="8527055" cy="4778949"/>
+          </a:xfrm>
+          <a:prstGeom prst="rect">
+            <a:avLst/>
+          </a:prstGeom>
+        </p:spPr>
+      </p:pic>
+      <p:sp>
+        <p:nvSpPr>
+          <p:cNvPr id="6" name="TextBox 5">
+            <a:extLst>
+              <a:ext uri="{FF2B5EF4-FFF2-40B4-BE49-F238E27FC236}">
+                <a16:creationId xmlns:a16="http://schemas.microsoft.com/office/drawing/2014/main" id="{AD6AF715-BAE2-4A1D-835B-767BA7F1F24B}"/>
+              </a:ext>
+            </a:extLst>
+          </p:cNvPr>
+          <p:cNvSpPr txBox="1"/>
+          <p:nvPr/>
+        </p:nvSpPr>
+        <p:spPr>
+          <a:xfrm>
+            <a:off x="8778515" y="2359697"/>
+            <a:ext cx="2765786" cy="1015663"/>
+          </a:xfrm>
+          <a:prstGeom prst="rect">
+            <a:avLst/>
+          </a:prstGeom>
+          <a:noFill/>
+        </p:spPr>
+        <p:txBody>
+          <a:bodyPr wrap="square" rtlCol="0">
+            <a:spAutoFit/>
+          </a:bodyPr>
+          <a:lstStyle/>
+          <a:p>
+            <a:r>
+              <a:rPr lang="en-US" sz="2000">
+                <a:latin typeface="Times New Roman" panose="02020603050405020304" pitchFamily="18" charset="0"/>
+                <a:cs typeface="Times New Roman" panose="02020603050405020304" pitchFamily="18" charset="0"/>
+              </a:rPr>
+              <a:t>Nguồn số liệu: ANTS 2017, google – temasek, younetmedia.Com</a:t>
+            </a:r>
+          </a:p>
+        </p:txBody>
+      </p:sp>
+    </p:spTree>
+    <p:extLst>
+      <p:ext uri="{BB962C8B-B14F-4D97-AF65-F5344CB8AC3E}">
+        <p14:creationId xmlns:p14="http://schemas.microsoft.com/office/powerpoint/2010/main" val="575671469"/>
+      </p:ext>
+    </p:extLst>
+  </p:cSld>
+  <p:clrMapOvr>
+    <a:masterClrMapping/>
+  </p:clrMapOvr>
+  <mc:AlternateContent xmlns:mc="http://schemas.openxmlformats.org/markup-compatibility/2006">
+    <mc:Choice xmlns:p15="http://schemas.microsoft.com/office/powerpoint/2012/main" Requires="p15">
+      <p:transition xmlns:p14="http://schemas.microsoft.com/office/powerpoint/2010/main" spd="slow" p14:dur="1250">
+        <p15:prstTrans prst="pageCurlDouble"/>
+      </p:transition>
+    </mc:Choice>
+    <mc:Fallback>
+      <p:transition spd="slow">
+        <p:fade/>
+      </p:transition>
+    </mc:Fallback>
+  </mc:AlternateContent>
+</p:sld>
+</file>
+
+<file path=ppt/slides/slide15.xml><?xml version="1.0" encoding="utf-8"?>
+<p:sld xmlns:a="http://schemas.openxmlformats.org/drawingml/2006/main" xmlns:r="http://schemas.openxmlformats.org/officeDocument/2006/relationships" xmlns:p="http://schemas.openxmlformats.org/presentationml/2006/main">
+  <p:cSld>
+    <p:spTree>
+      <p:nvGrpSpPr>
+        <p:cNvPr id="1" name=""/>
+        <p:cNvGrpSpPr/>
+        <p:nvPr/>
+      </p:nvGrpSpPr>
+      <p:grpSpPr>
+        <a:xfrm>
+          <a:off x="0" y="0"/>
+          <a:ext cx="0" cy="0"/>
+          <a:chOff x="0" y="0"/>
+          <a:chExt cx="0" cy="0"/>
+        </a:xfrm>
+      </p:grpSpPr>
+      <p:sp>
+        <p:nvSpPr>
+          <p:cNvPr id="2" name="Title 1">
+            <a:extLst>
+              <a:ext uri="{FF2B5EF4-FFF2-40B4-BE49-F238E27FC236}">
+                <a16:creationId xmlns:a16="http://schemas.microsoft.com/office/drawing/2014/main" id="{CB39826F-3E05-47EF-B9E2-425158191329}"/>
+              </a:ext>
+            </a:extLst>
+          </p:cNvPr>
+          <p:cNvSpPr>
+            <a:spLocks noGrp="1"/>
+          </p:cNvSpPr>
+          <p:nvPr>
+            <p:ph type="title"/>
+          </p:nvPr>
+        </p:nvSpPr>
+        <p:spPr>
+          <a:xfrm>
+            <a:off x="685800" y="160021"/>
+            <a:ext cx="10396882" cy="788670"/>
+          </a:xfrm>
+        </p:spPr>
+        <p:txBody>
+          <a:bodyPr>
+            <a:noAutofit/>
+          </a:bodyPr>
+          <a:lstStyle/>
+          <a:p>
+            <a:r>
+              <a:rPr lang="en-US" sz="3600" b="1">
+                <a:latin typeface="Times New Roman" panose="02020603050405020304" pitchFamily="18" charset="0"/>
+                <a:cs typeface="Times New Roman" panose="02020603050405020304" pitchFamily="18" charset="0"/>
+              </a:rPr>
+              <a:t>1. Mạng quảng cáo Admicro</a:t>
+            </a:r>
+            <a:endParaRPr lang="en-US" sz="3600">
+              <a:latin typeface="Times New Roman" panose="02020603050405020304" pitchFamily="18" charset="0"/>
+              <a:cs typeface="Times New Roman" panose="02020603050405020304" pitchFamily="18" charset="0"/>
+            </a:endParaRPr>
+          </a:p>
+        </p:txBody>
+      </p:sp>
+      <p:sp>
+        <p:nvSpPr>
+          <p:cNvPr id="3" name="Content Placeholder 2">
+            <a:extLst>
+              <a:ext uri="{FF2B5EF4-FFF2-40B4-BE49-F238E27FC236}">
+                <a16:creationId xmlns:a16="http://schemas.microsoft.com/office/drawing/2014/main" id="{1AE3DB9A-6715-42BA-84A2-E4020D045EFD}"/>
+              </a:ext>
+            </a:extLst>
+          </p:cNvPr>
+          <p:cNvSpPr>
+            <a:spLocks noGrp="1"/>
+          </p:cNvSpPr>
+          <p:nvPr>
+            <p:ph idx="1"/>
+          </p:nvPr>
+        </p:nvSpPr>
+        <p:spPr>
+          <a:xfrm>
+            <a:off x="685800" y="811531"/>
+            <a:ext cx="10396883" cy="788670"/>
+          </a:xfrm>
+        </p:spPr>
+        <p:txBody>
+          <a:bodyPr>
+            <a:normAutofit lnSpcReduction="10000"/>
+          </a:bodyPr>
+          <a:lstStyle/>
+          <a:p>
+            <a:r>
+              <a:rPr lang="en-US" cap="none">
+                <a:latin typeface="Times New Roman" panose="02020603050405020304" pitchFamily="18" charset="0"/>
+                <a:cs typeface="Times New Roman" panose="02020603050405020304" pitchFamily="18" charset="0"/>
+              </a:rPr>
+              <a:t>Chiếm 40% thị phần quảng cáo trực tuyến, đã tiếp cận được với 33 triệu người dùng internet, với hơn 200 publisher/website uy tín tại việt nam </a:t>
+            </a:r>
+          </a:p>
+        </p:txBody>
+      </p:sp>
+      <p:pic>
+        <p:nvPicPr>
+          <p:cNvPr id="4" name="Picture 3">
+            <a:extLst>
+              <a:ext uri="{FF2B5EF4-FFF2-40B4-BE49-F238E27FC236}">
+                <a16:creationId xmlns:a16="http://schemas.microsoft.com/office/drawing/2014/main" id="{88E9C6F6-3AE3-486B-A03F-5B7D794E550B}"/>
+              </a:ext>
+            </a:extLst>
+          </p:cNvPr>
+          <p:cNvPicPr>
+            <a:picLocks noChangeAspect="1"/>
+          </p:cNvPicPr>
+          <p:nvPr/>
+        </p:nvPicPr>
+        <p:blipFill>
+          <a:blip r:embed="rId2"/>
+          <a:stretch>
+            <a:fillRect/>
+          </a:stretch>
+        </p:blipFill>
+        <p:spPr>
+          <a:xfrm>
+            <a:off x="1839204" y="1457326"/>
+            <a:ext cx="8513591" cy="4166234"/>
+          </a:xfrm>
+          <a:prstGeom prst="rect">
+            <a:avLst/>
+          </a:prstGeom>
+        </p:spPr>
+      </p:pic>
+    </p:spTree>
+    <p:extLst>
+      <p:ext uri="{BB962C8B-B14F-4D97-AF65-F5344CB8AC3E}">
+        <p14:creationId xmlns:p14="http://schemas.microsoft.com/office/powerpoint/2010/main" val="3111681045"/>
+      </p:ext>
+    </p:extLst>
+  </p:cSld>
+  <p:clrMapOvr>
+    <a:masterClrMapping/>
+  </p:clrMapOvr>
+  <mc:AlternateContent xmlns:mc="http://schemas.openxmlformats.org/markup-compatibility/2006">
+    <mc:Choice xmlns:p14="http://schemas.microsoft.com/office/powerpoint/2010/main" Requires="p14">
+      <p:transition spd="slow" p14:dur="1200">
+        <p:dissolve/>
+      </p:transition>
+    </mc:Choice>
+    <mc:Fallback>
+      <p:transition spd="slow">
+        <p:dissolve/>
+      </p:transition>
+    </mc:Fallback>
+  </mc:AlternateContent>
+  <p:timing>
+    <p:tnLst>
+      <p:par>
+        <p:cTn id="1" dur="indefinite" restart="never" nodeType="tmRoot">
+          <p:childTnLst>
+            <p:seq concurrent="1" nextAc="seek">
+              <p:cTn id="2" dur="indefinite" nodeType="mainSeq">
+                <p:childTnLst>
+                  <p:par>
+                    <p:cTn id="3" fill="hold">
+                      <p:stCondLst>
+                        <p:cond delay="indefinite"/>
+                      </p:stCondLst>
+                      <p:childTnLst>
+                        <p:par>
+                          <p:cTn id="4" fill="hold">
+                            <p:stCondLst>
+                              <p:cond delay="0"/>
+                            </p:stCondLst>
+                            <p:childTnLst>
+                              <p:par>
+                                <p:cTn id="5" presetID="21" presetClass="entr" presetSubtype="1" fill="hold" grpId="0" nodeType="clickEffect">
+                                  <p:stCondLst>
+                                    <p:cond delay="0"/>
+                                  </p:stCondLst>
+                                  <p:childTnLst>
+                                    <p:set>
+                                      <p:cBhvr>
+                                        <p:cTn id="6" dur="1" fill="hold">
+                                          <p:stCondLst>
+                                            <p:cond delay="0"/>
+                                          </p:stCondLst>
+                                        </p:cTn>
+                                        <p:tgtEl>
+                                          <p:spTgt spid="3">
+                                            <p:txEl>
+                                              <p:pRg st="0" end="0"/>
+                                            </p:txEl>
+                                          </p:spTgt>
+                                        </p:tgtEl>
+                                        <p:attrNameLst>
+                                          <p:attrName>style.visibility</p:attrName>
+                                        </p:attrNameLst>
+                                      </p:cBhvr>
+                                      <p:to>
+                                        <p:strVal val="visible"/>
+                                      </p:to>
+                                    </p:set>
+                                    <p:animEffect transition="in" filter="wheel(1)">
+                                      <p:cBhvr>
+                                        <p:cTn id="7" dur="2000"/>
+                                        <p:tgtEl>
+                                          <p:spTgt spid="3">
+                                            <p:txEl>
+                                              <p:pRg st="0" end="0"/>
+                                            </p:txEl>
+                                          </p:spTgt>
+                                        </p:tgtEl>
+                                      </p:cBhvr>
+                                    </p:animEffect>
+                                  </p:childTnLst>
+                                </p:cTn>
+                              </p:par>
+                            </p:childTnLst>
+                          </p:cTn>
+                        </p:par>
+                      </p:childTnLst>
+                    </p:cTn>
+                  </p:par>
+                  <p:par>
+                    <p:cTn id="8" fill="hold">
+                      <p:stCondLst>
+                        <p:cond delay="indefinite"/>
+                      </p:stCondLst>
+                      <p:childTnLst>
+                        <p:par>
+                          <p:cTn id="9" fill="hold">
+                            <p:stCondLst>
+                              <p:cond delay="0"/>
+                            </p:stCondLst>
+                            <p:childTnLst>
+                              <p:par>
+                                <p:cTn id="10" presetID="53" presetClass="entr" presetSubtype="16" fill="hold" nodeType="clickEffect">
+                                  <p:stCondLst>
+                                    <p:cond delay="0"/>
+                                  </p:stCondLst>
+                                  <p:childTnLst>
+                                    <p:set>
+                                      <p:cBhvr>
+                                        <p:cTn id="11" dur="1" fill="hold">
+                                          <p:stCondLst>
+                                            <p:cond delay="0"/>
+                                          </p:stCondLst>
+                                        </p:cTn>
+                                        <p:tgtEl>
+                                          <p:spTgt spid="4"/>
+                                        </p:tgtEl>
+                                        <p:attrNameLst>
+                                          <p:attrName>style.visibility</p:attrName>
+                                        </p:attrNameLst>
+                                      </p:cBhvr>
+                                      <p:to>
+                                        <p:strVal val="visible"/>
+                                      </p:to>
+                                    </p:set>
+                                    <p:anim calcmode="lin" valueType="num">
+                                      <p:cBhvr>
+                                        <p:cTn id="12" dur="500" fill="hold"/>
+                                        <p:tgtEl>
+                                          <p:spTgt spid="4"/>
+                                        </p:tgtEl>
+                                        <p:attrNameLst>
+                                          <p:attrName>ppt_w</p:attrName>
+                                        </p:attrNameLst>
+                                      </p:cBhvr>
+                                      <p:tavLst>
+                                        <p:tav tm="0">
+                                          <p:val>
+                                            <p:fltVal val="0"/>
+                                          </p:val>
+                                        </p:tav>
+                                        <p:tav tm="100000">
+                                          <p:val>
+                                            <p:strVal val="#ppt_w"/>
+                                          </p:val>
+                                        </p:tav>
+                                      </p:tavLst>
+                                    </p:anim>
+                                    <p:anim calcmode="lin" valueType="num">
+                                      <p:cBhvr>
+                                        <p:cTn id="13" dur="500" fill="hold"/>
+                                        <p:tgtEl>
+                                          <p:spTgt spid="4"/>
+                                        </p:tgtEl>
+                                        <p:attrNameLst>
+                                          <p:attrName>ppt_h</p:attrName>
+                                        </p:attrNameLst>
+                                      </p:cBhvr>
+                                      <p:tavLst>
+                                        <p:tav tm="0">
+                                          <p:val>
+                                            <p:fltVal val="0"/>
+                                          </p:val>
+                                        </p:tav>
+                                        <p:tav tm="100000">
+                                          <p:val>
+                                            <p:strVal val="#ppt_h"/>
+                                          </p:val>
+                                        </p:tav>
+                                      </p:tavLst>
+                                    </p:anim>
+                                    <p:animEffect transition="in" filter="fade">
+                                      <p:cBhvr>
+                                        <p:cTn id="14" dur="500"/>
+                                        <p:tgtEl>
+                                          <p:spTgt spid="4"/>
+                                        </p:tgtEl>
+                                      </p:cBhvr>
+                                    </p:animEffect>
+                                  </p:childTnLst>
+                                </p:cTn>
+                              </p:par>
+                            </p:childTnLst>
+                          </p:cTn>
+                        </p:par>
+                      </p:childTnLst>
+                    </p:cTn>
+                  </p:par>
+                </p:childTnLst>
+              </p:cTn>
+              <p:prevCondLst>
+                <p:cond evt="onPrev" delay="0">
+                  <p:tgtEl>
+                    <p:sldTgt/>
+                  </p:tgtEl>
+                </p:cond>
+              </p:prevCondLst>
+              <p:nextCondLst>
+                <p:cond evt="onNext" delay="0">
+                  <p:tgtEl>
+                    <p:sldTgt/>
+                  </p:tgtEl>
+                </p:cond>
+              </p:nextCondLst>
+            </p:seq>
+          </p:childTnLst>
+        </p:cTn>
+      </p:par>
+    </p:tnLst>
+    <p:bldLst>
+      <p:bldP spid="3" grpId="0" build="p"/>
+    </p:bldLst>
+  </p:timing>
+</p:sld>
+</file>
+
+<file path=ppt/slides/slide16.xml><?xml version="1.0" encoding="utf-8"?>
+<p:sld xmlns:a="http://schemas.openxmlformats.org/drawingml/2006/main" xmlns:r="http://schemas.openxmlformats.org/officeDocument/2006/relationships" xmlns:p="http://schemas.openxmlformats.org/presentationml/2006/main">
+  <p:cSld>
+    <p:spTree>
+      <p:nvGrpSpPr>
+        <p:cNvPr id="1" name=""/>
+        <p:cNvGrpSpPr/>
+        <p:nvPr/>
+      </p:nvGrpSpPr>
+      <p:grpSpPr>
+        <a:xfrm>
+          <a:off x="0" y="0"/>
+          <a:ext cx="0" cy="0"/>
+          <a:chOff x="0" y="0"/>
+          <a:chExt cx="0" cy="0"/>
+        </a:xfrm>
+      </p:grpSpPr>
+      <p:sp>
+        <p:nvSpPr>
+          <p:cNvPr id="2" name="Title 1">
+            <a:extLst>
+              <a:ext uri="{FF2B5EF4-FFF2-40B4-BE49-F238E27FC236}">
+                <a16:creationId xmlns:a16="http://schemas.microsoft.com/office/drawing/2014/main" id="{75079E63-70B2-44D8-A4ED-E2F518528EC7}"/>
+              </a:ext>
+            </a:extLst>
+          </p:cNvPr>
+          <p:cNvSpPr>
+            <a:spLocks noGrp="1"/>
+          </p:cNvSpPr>
+          <p:nvPr>
+            <p:ph type="title"/>
+          </p:nvPr>
+        </p:nvSpPr>
+        <p:spPr>
+          <a:xfrm>
+            <a:off x="685800" y="101907"/>
+            <a:ext cx="10396882" cy="658258"/>
+          </a:xfrm>
+        </p:spPr>
+        <p:txBody>
+          <a:bodyPr>
+            <a:normAutofit/>
+          </a:bodyPr>
+          <a:lstStyle/>
+          <a:p>
+            <a:r>
+              <a:rPr lang="en-US" sz="3600" b="1">
+                <a:latin typeface="Times New Roman" panose="02020603050405020304" pitchFamily="18" charset="0"/>
+                <a:cs typeface="Times New Roman" panose="02020603050405020304" pitchFamily="18" charset="0"/>
+              </a:rPr>
+              <a:t>2. Mạng quảng cáo eClick</a:t>
+            </a:r>
+            <a:endParaRPr lang="en-US" sz="3600">
+              <a:latin typeface="Times New Roman" panose="02020603050405020304" pitchFamily="18" charset="0"/>
+              <a:cs typeface="Times New Roman" panose="02020603050405020304" pitchFamily="18" charset="0"/>
+            </a:endParaRPr>
+          </a:p>
+        </p:txBody>
+      </p:sp>
+      <p:sp>
+        <p:nvSpPr>
+          <p:cNvPr id="3" name="Content Placeholder 2">
+            <a:extLst>
+              <a:ext uri="{FF2B5EF4-FFF2-40B4-BE49-F238E27FC236}">
+                <a16:creationId xmlns:a16="http://schemas.microsoft.com/office/drawing/2014/main" id="{4CA32441-1C4B-4AE1-BF47-9B01298373AD}"/>
+              </a:ext>
+            </a:extLst>
+          </p:cNvPr>
+          <p:cNvSpPr>
+            <a:spLocks noGrp="1"/>
+          </p:cNvSpPr>
+          <p:nvPr>
+            <p:ph idx="1"/>
+          </p:nvPr>
+        </p:nvSpPr>
+        <p:spPr>
+          <a:xfrm>
+            <a:off x="685800" y="760166"/>
+            <a:ext cx="10396883" cy="3128788"/>
+          </a:xfrm>
+        </p:spPr>
+        <p:txBody>
+          <a:bodyPr/>
+          <a:lstStyle/>
+          <a:p>
+            <a:pPr lvl="0"/>
+            <a:r>
+              <a:rPr lang="en-US" cap="none">
+                <a:latin typeface="Times New Roman" panose="02020603050405020304" pitchFamily="18" charset="0"/>
+                <a:cs typeface="Times New Roman" panose="02020603050405020304" pitchFamily="18" charset="0"/>
+              </a:rPr>
+              <a:t>Mỗi tháng eclick có trên 3 triệu lượt click, trên 10 tỷ impression, tiếp cận 32 triệu người dùng internet.</a:t>
+            </a:r>
+          </a:p>
+          <a:p>
+            <a:pPr lvl="0"/>
+            <a:r>
+              <a:rPr lang="en-US" cap="none">
+                <a:latin typeface="Times New Roman" panose="02020603050405020304" pitchFamily="18" charset="0"/>
+                <a:cs typeface="Times New Roman" panose="02020603050405020304" pitchFamily="18" charset="0"/>
+              </a:rPr>
+              <a:t>Eclick có các gói sản phẩm để quảng cáo như widget, banner và video để đáp ứng nhu cầu của các doanh nghiệp quảng cáo.</a:t>
+            </a:r>
+          </a:p>
+          <a:p>
+            <a:r>
+              <a:rPr lang="en-US" cap="none">
+                <a:latin typeface="Times New Roman" panose="02020603050405020304" pitchFamily="18" charset="0"/>
+                <a:cs typeface="Times New Roman" panose="02020603050405020304" pitchFamily="18" charset="0"/>
+              </a:rPr>
+              <a:t>Chi phí chỉ từ 1.500VND/CPC và 6.000VND/CPM thay đổi theo cách lựa chọn đối tượng phù hợp, linh hoạt với nhiều quảng cáo khác nhau</a:t>
+            </a:r>
+          </a:p>
+        </p:txBody>
+      </p:sp>
+    </p:spTree>
+    <p:extLst>
+      <p:ext uri="{BB962C8B-B14F-4D97-AF65-F5344CB8AC3E}">
+        <p14:creationId xmlns:p14="http://schemas.microsoft.com/office/powerpoint/2010/main" val="2897921010"/>
+      </p:ext>
+    </p:extLst>
+  </p:cSld>
+  <p:clrMapOvr>
+    <a:masterClrMapping/>
+  </p:clrMapOvr>
+  <mc:AlternateContent xmlns:mc="http://schemas.openxmlformats.org/markup-compatibility/2006">
+    <mc:Choice xmlns:p14="http://schemas.microsoft.com/office/powerpoint/2010/main" Requires="p14">
+      <p:transition spd="slow" p14:dur="2500">
+        <p:checker/>
+      </p:transition>
+    </mc:Choice>
+    <mc:Fallback>
+      <p:transition spd="slow">
+        <p:checker/>
+      </p:transition>
+    </mc:Fallback>
+  </mc:AlternateContent>
+  <p:timing>
+    <p:tnLst>
+      <p:par>
+        <p:cTn id="1" dur="indefinite" restart="never" nodeType="tmRoot">
+          <p:childTnLst>
+            <p:seq concurrent="1" nextAc="seek">
+              <p:cTn id="2" dur="indefinite" nodeType="mainSeq">
+                <p:childTnLst>
+                  <p:par>
+                    <p:cTn id="3" fill="hold">
+                      <p:stCondLst>
+                        <p:cond delay="indefinite"/>
+                      </p:stCondLst>
+                      <p:childTnLst>
+                        <p:par>
+                          <p:cTn id="4" fill="hold">
+                            <p:stCondLst>
+                              <p:cond delay="0"/>
+                            </p:stCondLst>
+                            <p:childTnLst>
+                              <p:par>
+                                <p:cTn id="5" presetID="26" presetClass="entr" presetSubtype="0" fill="hold" grpId="0" nodeType="clickEffect">
+                                  <p:stCondLst>
+                                    <p:cond delay="0"/>
+                                  </p:stCondLst>
+                                  <p:childTnLst>
+                                    <p:set>
+                                      <p:cBhvr>
+                                        <p:cTn id="6" dur="1" fill="hold">
+                                          <p:stCondLst>
+                                            <p:cond delay="0"/>
+                                          </p:stCondLst>
+                                        </p:cTn>
+                                        <p:tgtEl>
+                                          <p:spTgt spid="3">
+                                            <p:txEl>
+                                              <p:pRg st="0" end="0"/>
+                                            </p:txEl>
+                                          </p:spTgt>
+                                        </p:tgtEl>
+                                        <p:attrNameLst>
+                                          <p:attrName>style.visibility</p:attrName>
+                                        </p:attrNameLst>
+                                      </p:cBhvr>
+                                      <p:to>
+                                        <p:strVal val="visible"/>
+                                      </p:to>
+                                    </p:set>
+                                    <p:animEffect transition="in" filter="wipe(down)">
+                                      <p:cBhvr>
+                                        <p:cTn id="7" dur="580">
+                                          <p:stCondLst>
+                                            <p:cond delay="0"/>
+                                          </p:stCondLst>
+                                        </p:cTn>
+                                        <p:tgtEl>
+                                          <p:spTgt spid="3">
+                                            <p:txEl>
+                                              <p:pRg st="0" end="0"/>
+                                            </p:txEl>
+                                          </p:spTgt>
+                                        </p:tgtEl>
+                                      </p:cBhvr>
+                                    </p:animEffect>
+                                    <p:anim calcmode="lin" valueType="num">
+                                      <p:cBhvr>
+                                        <p:cTn id="8" dur="1822" tmFilter="0,0; 0.14,0.36; 0.43,0.73; 0.71,0.91; 1.0,1.0">
+                                          <p:stCondLst>
+                                            <p:cond delay="0"/>
+                                          </p:stCondLst>
+                                        </p:cTn>
+                                        <p:tgtEl>
+                                          <p:spTgt spid="3">
+                                            <p:txEl>
+                                              <p:pRg st="0" end="0"/>
+                                            </p:txEl>
+                                          </p:spTgt>
+                                        </p:tgtEl>
+                                        <p:attrNameLst>
+                                          <p:attrName>ppt_x</p:attrName>
+                                        </p:attrNameLst>
+                                      </p:cBhvr>
+                                      <p:tavLst>
+                                        <p:tav tm="0">
+                                          <p:val>
+                                            <p:strVal val="#ppt_x-0.25"/>
+                                          </p:val>
+                                        </p:tav>
+                                        <p:tav tm="100000">
+                                          <p:val>
+                                            <p:strVal val="#ppt_x"/>
+                                          </p:val>
+                                        </p:tav>
+                                      </p:tavLst>
+                                    </p:anim>
+                                    <p:anim calcmode="lin" valueType="num">
+                                      <p:cBhvr>
+                                        <p:cTn id="9" dur="664" tmFilter="0.0,0.0; 0.25,0.07; 0.50,0.2; 0.75,0.467; 1.0,1.0">
+                                          <p:stCondLst>
+                                            <p:cond delay="0"/>
+                                          </p:stCondLst>
+                                        </p:cTn>
+                                        <p:tgtEl>
+                                          <p:spTgt spid="3">
+                                            <p:txEl>
+                                              <p:pRg st="0" end="0"/>
+                                            </p:txEl>
+                                          </p:spTgt>
+                                        </p:tgtEl>
+                                        <p:attrNameLst>
+                                          <p:attrName>ppt_y</p:attrName>
+                                        </p:attrNameLst>
+                                      </p:cBhvr>
+                                      <p:tavLst>
+                                        <p:tav tm="0" fmla="#ppt_y-sin(pi*$)/3">
+                                          <p:val>
+                                            <p:fltVal val="0.5"/>
+                                          </p:val>
+                                        </p:tav>
+                                        <p:tav tm="100000">
+                                          <p:val>
+                                            <p:fltVal val="1"/>
+                                          </p:val>
+                                        </p:tav>
+                                      </p:tavLst>
+                                    </p:anim>
+                                    <p:anim calcmode="lin" valueType="num">
+                                      <p:cBhvr>
+                                        <p:cTn id="10" dur="664" tmFilter="0, 0; 0.125,0.2665; 0.25,0.4; 0.375,0.465; 0.5,0.5;  0.625,0.535; 0.75,0.6; 0.875,0.7335; 1,1">
+                                          <p:stCondLst>
+                                            <p:cond delay="664"/>
+                                          </p:stCondLst>
+                                        </p:cTn>
+                                        <p:tgtEl>
+                                          <p:spTgt spid="3">
+                                            <p:txEl>
+                                              <p:pRg st="0" end="0"/>
+                                            </p:txEl>
+                                          </p:spTgt>
+                                        </p:tgtEl>
+                                        <p:attrNameLst>
+                                          <p:attrName>ppt_y</p:attrName>
+                                        </p:attrNameLst>
+                                      </p:cBhvr>
+                                      <p:tavLst>
+                                        <p:tav tm="0" fmla="#ppt_y-sin(pi*$)/9">
+                                          <p:val>
+                                            <p:fltVal val="0"/>
+                                          </p:val>
+                                        </p:tav>
+                                        <p:tav tm="100000">
+                                          <p:val>
+                                            <p:fltVal val="1"/>
+                                          </p:val>
+                                        </p:tav>
+                                      </p:tavLst>
+                                    </p:anim>
+                                    <p:anim calcmode="lin" valueType="num">
+                                      <p:cBhvr>
+                                        <p:cTn id="11" dur="332" tmFilter="0, 0; 0.125,0.2665; 0.25,0.4; 0.375,0.465; 0.5,0.5;  0.625,0.535; 0.75,0.6; 0.875,0.7335; 1,1">
+                                          <p:stCondLst>
+                                            <p:cond delay="1324"/>
+                                          </p:stCondLst>
+                                        </p:cTn>
+                                        <p:tgtEl>
+                                          <p:spTgt spid="3">
+                                            <p:txEl>
+                                              <p:pRg st="0" end="0"/>
+                                            </p:txEl>
+                                          </p:spTgt>
+                                        </p:tgtEl>
+                                        <p:attrNameLst>
+                                          <p:attrName>ppt_y</p:attrName>
+                                        </p:attrNameLst>
+                                      </p:cBhvr>
+                                      <p:tavLst>
+                                        <p:tav tm="0" fmla="#ppt_y-sin(pi*$)/27">
+                                          <p:val>
+                                            <p:fltVal val="0"/>
+                                          </p:val>
+                                        </p:tav>
+                                        <p:tav tm="100000">
+                                          <p:val>
+                                            <p:fltVal val="1"/>
+                                          </p:val>
+                                        </p:tav>
+                                      </p:tavLst>
+                                    </p:anim>
+                                    <p:anim calcmode="lin" valueType="num">
+                                      <p:cBhvr>
+                                        <p:cTn id="12" dur="164" tmFilter="0, 0; 0.125,0.2665; 0.25,0.4; 0.375,0.465; 0.5,0.5;  0.625,0.535; 0.75,0.6; 0.875,0.7335; 1,1">
+                                          <p:stCondLst>
+                                            <p:cond delay="1656"/>
+                                          </p:stCondLst>
+                                        </p:cTn>
+                                        <p:tgtEl>
+                                          <p:spTgt spid="3">
+                                            <p:txEl>
+                                              <p:pRg st="0" end="0"/>
+                                            </p:txEl>
+                                          </p:spTgt>
+                                        </p:tgtEl>
+                                        <p:attrNameLst>
+                                          <p:attrName>ppt_y</p:attrName>
+                                        </p:attrNameLst>
+                                      </p:cBhvr>
+                                      <p:tavLst>
+                                        <p:tav tm="0" fmla="#ppt_y-sin(pi*$)/81">
+                                          <p:val>
+                                            <p:fltVal val="0"/>
+                                          </p:val>
+                                        </p:tav>
+                                        <p:tav tm="100000">
+                                          <p:val>
+                                            <p:fltVal val="1"/>
+                                          </p:val>
+                                        </p:tav>
+                                      </p:tavLst>
+                                    </p:anim>
+                                    <p:animScale>
+                                      <p:cBhvr>
+                                        <p:cTn id="13" dur="26">
+                                          <p:stCondLst>
+                                            <p:cond delay="650"/>
+                                          </p:stCondLst>
+                                        </p:cTn>
+                                        <p:tgtEl>
+                                          <p:spTgt spid="3">
+                                            <p:txEl>
+                                              <p:pRg st="0" end="0"/>
+                                            </p:txEl>
+                                          </p:spTgt>
+                                        </p:tgtEl>
+                                      </p:cBhvr>
+                                      <p:to x="100000" y="60000"/>
+                                    </p:animScale>
+                                    <p:animScale>
+                                      <p:cBhvr>
+                                        <p:cTn id="14" dur="166" decel="50000">
+                                          <p:stCondLst>
+                                            <p:cond delay="676"/>
+                                          </p:stCondLst>
+                                        </p:cTn>
+                                        <p:tgtEl>
+                                          <p:spTgt spid="3">
+                                            <p:txEl>
+                                              <p:pRg st="0" end="0"/>
+                                            </p:txEl>
+                                          </p:spTgt>
+                                        </p:tgtEl>
+                                      </p:cBhvr>
+                                      <p:to x="100000" y="100000"/>
+                                    </p:animScale>
+                                    <p:animScale>
+                                      <p:cBhvr>
+                                        <p:cTn id="15" dur="26">
+                                          <p:stCondLst>
+                                            <p:cond delay="1312"/>
+                                          </p:stCondLst>
+                                        </p:cTn>
+                                        <p:tgtEl>
+                                          <p:spTgt spid="3">
+                                            <p:txEl>
+                                              <p:pRg st="0" end="0"/>
+                                            </p:txEl>
+                                          </p:spTgt>
+                                        </p:tgtEl>
+                                      </p:cBhvr>
+                                      <p:to x="100000" y="80000"/>
+                                    </p:animScale>
+                                    <p:animScale>
+                                      <p:cBhvr>
+                                        <p:cTn id="16" dur="166" decel="50000">
+                                          <p:stCondLst>
+                                            <p:cond delay="1338"/>
+                                          </p:stCondLst>
+                                        </p:cTn>
+                                        <p:tgtEl>
+                                          <p:spTgt spid="3">
+                                            <p:txEl>
+                                              <p:pRg st="0" end="0"/>
+                                            </p:txEl>
+                                          </p:spTgt>
+                                        </p:tgtEl>
+                                      </p:cBhvr>
+                                      <p:to x="100000" y="100000"/>
+                                    </p:animScale>
+                                    <p:animScale>
+                                      <p:cBhvr>
+                                        <p:cTn id="17" dur="26">
+                                          <p:stCondLst>
+                                            <p:cond delay="1642"/>
+                                          </p:stCondLst>
+                                        </p:cTn>
+                                        <p:tgtEl>
+                                          <p:spTgt spid="3">
+                                            <p:txEl>
+                                              <p:pRg st="0" end="0"/>
+                                            </p:txEl>
+                                          </p:spTgt>
+                                        </p:tgtEl>
+                                      </p:cBhvr>
+                                      <p:to x="100000" y="90000"/>
+                                    </p:animScale>
+                                    <p:animScale>
+                                      <p:cBhvr>
+                                        <p:cTn id="18" dur="166" decel="50000">
+                                          <p:stCondLst>
+                                            <p:cond delay="1668"/>
+                                          </p:stCondLst>
+                                        </p:cTn>
+                                        <p:tgtEl>
+                                          <p:spTgt spid="3">
+                                            <p:txEl>
+                                              <p:pRg st="0" end="0"/>
+                                            </p:txEl>
+                                          </p:spTgt>
+                                        </p:tgtEl>
+                                      </p:cBhvr>
+                                      <p:to x="100000" y="100000"/>
+                                    </p:animScale>
+                                    <p:animScale>
+                                      <p:cBhvr>
+                                        <p:cTn id="19" dur="26">
+                                          <p:stCondLst>
+                                            <p:cond delay="1808"/>
+                                          </p:stCondLst>
+                                        </p:cTn>
+                                        <p:tgtEl>
+                                          <p:spTgt spid="3">
+                                            <p:txEl>
+                                              <p:pRg st="0" end="0"/>
+                                            </p:txEl>
+                                          </p:spTgt>
+                                        </p:tgtEl>
+                                      </p:cBhvr>
+                                      <p:to x="100000" y="95000"/>
+                                    </p:animScale>
+                                    <p:animScale>
+                                      <p:cBhvr>
+                                        <p:cTn id="20" dur="166" decel="50000">
+                                          <p:stCondLst>
+                                            <p:cond delay="1834"/>
+                                          </p:stCondLst>
+                                        </p:cTn>
+                                        <p:tgtEl>
+                                          <p:spTgt spid="3">
+                                            <p:txEl>
+                                              <p:pRg st="0" end="0"/>
+                                            </p:txEl>
+                                          </p:spTgt>
+                                        </p:tgtEl>
+                                      </p:cBhvr>
+                                      <p:to x="100000" y="100000"/>
+                                    </p:animScale>
+                                  </p:childTnLst>
+                                </p:cTn>
+                              </p:par>
+                            </p:childTnLst>
+                          </p:cTn>
+                        </p:par>
+                      </p:childTnLst>
+                    </p:cTn>
+                  </p:par>
+                  <p:par>
+                    <p:cTn id="21" fill="hold">
+                      <p:stCondLst>
+                        <p:cond delay="indefinite"/>
+                      </p:stCondLst>
+                      <p:childTnLst>
+                        <p:par>
+                          <p:cTn id="22" fill="hold">
+                            <p:stCondLst>
+                              <p:cond delay="0"/>
+                            </p:stCondLst>
+                            <p:childTnLst>
+                              <p:par>
+                                <p:cTn id="23" presetID="26" presetClass="entr" presetSubtype="0" fill="hold" grpId="0" nodeType="clickEffect">
+                                  <p:stCondLst>
+                                    <p:cond delay="0"/>
+                                  </p:stCondLst>
+                                  <p:childTnLst>
+                                    <p:set>
+                                      <p:cBhvr>
+                                        <p:cTn id="24" dur="1" fill="hold">
+                                          <p:stCondLst>
+                                            <p:cond delay="0"/>
+                                          </p:stCondLst>
+                                        </p:cTn>
+                                        <p:tgtEl>
+                                          <p:spTgt spid="3">
+                                            <p:txEl>
+                                              <p:pRg st="1" end="1"/>
+                                            </p:txEl>
+                                          </p:spTgt>
+                                        </p:tgtEl>
+                                        <p:attrNameLst>
+                                          <p:attrName>style.visibility</p:attrName>
+                                        </p:attrNameLst>
+                                      </p:cBhvr>
+                                      <p:to>
+                                        <p:strVal val="visible"/>
+                                      </p:to>
+                                    </p:set>
+                                    <p:animEffect transition="in" filter="wipe(down)">
+                                      <p:cBhvr>
+                                        <p:cTn id="25" dur="580">
+                                          <p:stCondLst>
+                                            <p:cond delay="0"/>
+                                          </p:stCondLst>
+                                        </p:cTn>
+                                        <p:tgtEl>
+                                          <p:spTgt spid="3">
+                                            <p:txEl>
+                                              <p:pRg st="1" end="1"/>
+                                            </p:txEl>
+                                          </p:spTgt>
+                                        </p:tgtEl>
+                                      </p:cBhvr>
+                                    </p:animEffect>
+                                    <p:anim calcmode="lin" valueType="num">
+                                      <p:cBhvr>
+                                        <p:cTn id="26" dur="1822" tmFilter="0,0; 0.14,0.36; 0.43,0.73; 0.71,0.91; 1.0,1.0">
+                                          <p:stCondLst>
+                                            <p:cond delay="0"/>
+                                          </p:stCondLst>
+                                        </p:cTn>
+                                        <p:tgtEl>
+                                          <p:spTgt spid="3">
+                                            <p:txEl>
+                                              <p:pRg st="1" end="1"/>
+                                            </p:txEl>
+                                          </p:spTgt>
+                                        </p:tgtEl>
+                                        <p:attrNameLst>
+                                          <p:attrName>ppt_x</p:attrName>
+                                        </p:attrNameLst>
+                                      </p:cBhvr>
+                                      <p:tavLst>
+                                        <p:tav tm="0">
+                                          <p:val>
+                                            <p:strVal val="#ppt_x-0.25"/>
+                                          </p:val>
+                                        </p:tav>
+                                        <p:tav tm="100000">
+                                          <p:val>
+                                            <p:strVal val="#ppt_x"/>
+                                          </p:val>
+                                        </p:tav>
+                                      </p:tavLst>
+                                    </p:anim>
+                                    <p:anim calcmode="lin" valueType="num">
+                                      <p:cBhvr>
+                                        <p:cTn id="27" dur="664" tmFilter="0.0,0.0; 0.25,0.07; 0.50,0.2; 0.75,0.467; 1.0,1.0">
+                                          <p:stCondLst>
+                                            <p:cond delay="0"/>
+                                          </p:stCondLst>
+                                        </p:cTn>
+                                        <p:tgtEl>
+                                          <p:spTgt spid="3">
+                                            <p:txEl>
+                                              <p:pRg st="1" end="1"/>
+                                            </p:txEl>
+                                          </p:spTgt>
+                                        </p:tgtEl>
+                                        <p:attrNameLst>
+                                          <p:attrName>ppt_y</p:attrName>
+                                        </p:attrNameLst>
+                                      </p:cBhvr>
+                                      <p:tavLst>
+                                        <p:tav tm="0" fmla="#ppt_y-sin(pi*$)/3">
+                                          <p:val>
+                                            <p:fltVal val="0.5"/>
+                                          </p:val>
+                                        </p:tav>
+                                        <p:tav tm="100000">
+                                          <p:val>
+                                            <p:fltVal val="1"/>
+                                          </p:val>
+                                        </p:tav>
+                                      </p:tavLst>
+                                    </p:anim>
+                                    <p:anim calcmode="lin" valueType="num">
+                                      <p:cBhvr>
+                                        <p:cTn id="28" dur="664" tmFilter="0, 0; 0.125,0.2665; 0.25,0.4; 0.375,0.465; 0.5,0.5;  0.625,0.535; 0.75,0.6; 0.875,0.7335; 1,1">
+                                          <p:stCondLst>
+                                            <p:cond delay="664"/>
+                                          </p:stCondLst>
+                                        </p:cTn>
+                                        <p:tgtEl>
+                                          <p:spTgt spid="3">
+                                            <p:txEl>
+                                              <p:pRg st="1" end="1"/>
+                                            </p:txEl>
+                                          </p:spTgt>
+                                        </p:tgtEl>
+                                        <p:attrNameLst>
+                                          <p:attrName>ppt_y</p:attrName>
+                                        </p:attrNameLst>
+                                      </p:cBhvr>
+                                      <p:tavLst>
+                                        <p:tav tm="0" fmla="#ppt_y-sin(pi*$)/9">
+                                          <p:val>
+                                            <p:fltVal val="0"/>
+                                          </p:val>
+                                        </p:tav>
+                                        <p:tav tm="100000">
+                                          <p:val>
+                                            <p:fltVal val="1"/>
+                                          </p:val>
+                                        </p:tav>
+                                      </p:tavLst>
+                                    </p:anim>
+                                    <p:anim calcmode="lin" valueType="num">
+                                      <p:cBhvr>
+                                        <p:cTn id="29" dur="332" tmFilter="0, 0; 0.125,0.2665; 0.25,0.4; 0.375,0.465; 0.5,0.5;  0.625,0.535; 0.75,0.6; 0.875,0.7335; 1,1">
+                                          <p:stCondLst>
+                                            <p:cond delay="1324"/>
+                                          </p:stCondLst>
+                                        </p:cTn>
+                                        <p:tgtEl>
+                                          <p:spTgt spid="3">
+                                            <p:txEl>
+                                              <p:pRg st="1" end="1"/>
+                                            </p:txEl>
+                                          </p:spTgt>
+                                        </p:tgtEl>
+                                        <p:attrNameLst>
+                                          <p:attrName>ppt_y</p:attrName>
+                                        </p:attrNameLst>
+                                      </p:cBhvr>
+                                      <p:tavLst>
+                                        <p:tav tm="0" fmla="#ppt_y-sin(pi*$)/27">
+                                          <p:val>
+                                            <p:fltVal val="0"/>
+                                          </p:val>
+                                        </p:tav>
+                                        <p:tav tm="100000">
+                                          <p:val>
+                                            <p:fltVal val="1"/>
+                                          </p:val>
+                                        </p:tav>
+                                      </p:tavLst>
+                                    </p:anim>
+                                    <p:anim calcmode="lin" valueType="num">
+                                      <p:cBhvr>
+                                        <p:cTn id="30" dur="164" tmFilter="0, 0; 0.125,0.2665; 0.25,0.4; 0.375,0.465; 0.5,0.5;  0.625,0.535; 0.75,0.6; 0.875,0.7335; 1,1">
+                                          <p:stCondLst>
+                                            <p:cond delay="1656"/>
+                                          </p:stCondLst>
+                                        </p:cTn>
+                                        <p:tgtEl>
+                                          <p:spTgt spid="3">
+                                            <p:txEl>
+                                              <p:pRg st="1" end="1"/>
+                                            </p:txEl>
+                                          </p:spTgt>
+                                        </p:tgtEl>
+                                        <p:attrNameLst>
+                                          <p:attrName>ppt_y</p:attrName>
+                                        </p:attrNameLst>
+                                      </p:cBhvr>
+                                      <p:tavLst>
+                                        <p:tav tm="0" fmla="#ppt_y-sin(pi*$)/81">
+                                          <p:val>
+                                            <p:fltVal val="0"/>
+                                          </p:val>
+                                        </p:tav>
+                                        <p:tav tm="100000">
+                                          <p:val>
+                                            <p:fltVal val="1"/>
+                                          </p:val>
+                                        </p:tav>
+                                      </p:tavLst>
+                                    </p:anim>
+                                    <p:animScale>
+                                      <p:cBhvr>
+                                        <p:cTn id="31" dur="26">
+                                          <p:stCondLst>
+                                            <p:cond delay="650"/>
+                                          </p:stCondLst>
+                                        </p:cTn>
+                                        <p:tgtEl>
+                                          <p:spTgt spid="3">
+                                            <p:txEl>
+                                              <p:pRg st="1" end="1"/>
+                                            </p:txEl>
+                                          </p:spTgt>
+                                        </p:tgtEl>
+                                      </p:cBhvr>
+                                      <p:to x="100000" y="60000"/>
+                                    </p:animScale>
+                                    <p:animScale>
+                                      <p:cBhvr>
+                                        <p:cTn id="32" dur="166" decel="50000">
+                                          <p:stCondLst>
+                                            <p:cond delay="676"/>
+                                          </p:stCondLst>
+                                        </p:cTn>
+                                        <p:tgtEl>
+                                          <p:spTgt spid="3">
+                                            <p:txEl>
+                                              <p:pRg st="1" end="1"/>
+                                            </p:txEl>
+                                          </p:spTgt>
+                                        </p:tgtEl>
+                                      </p:cBhvr>
+                                      <p:to x="100000" y="100000"/>
+                                    </p:animScale>
+                                    <p:animScale>
+                                      <p:cBhvr>
+                                        <p:cTn id="33" dur="26">
+                                          <p:stCondLst>
+                                            <p:cond delay="1312"/>
+                                          </p:stCondLst>
+                                        </p:cTn>
+                                        <p:tgtEl>
+                                          <p:spTgt spid="3">
+                                            <p:txEl>
+                                              <p:pRg st="1" end="1"/>
+                                            </p:txEl>
+                                          </p:spTgt>
+                                        </p:tgtEl>
+                                      </p:cBhvr>
+                                      <p:to x="100000" y="80000"/>
+                                    </p:animScale>
+                                    <p:animScale>
+                                      <p:cBhvr>
+                                        <p:cTn id="34" dur="166" decel="50000">
+                                          <p:stCondLst>
+                                            <p:cond delay="1338"/>
+                                          </p:stCondLst>
+                                        </p:cTn>
+                                        <p:tgtEl>
+                                          <p:spTgt spid="3">
+                                            <p:txEl>
+                                              <p:pRg st="1" end="1"/>
+                                            </p:txEl>
+                                          </p:spTgt>
+                                        </p:tgtEl>
+                                      </p:cBhvr>
+                                      <p:to x="100000" y="100000"/>
+                                    </p:animScale>
+                                    <p:animScale>
+                                      <p:cBhvr>
+                                        <p:cTn id="35" dur="26">
+                                          <p:stCondLst>
+                                            <p:cond delay="1642"/>
+                                          </p:stCondLst>
+                                        </p:cTn>
+                                        <p:tgtEl>
+                                          <p:spTgt spid="3">
+                                            <p:txEl>
+                                              <p:pRg st="1" end="1"/>
+                                            </p:txEl>
+                                          </p:spTgt>
+                                        </p:tgtEl>
+                                      </p:cBhvr>
+                                      <p:to x="100000" y="90000"/>
+                                    </p:animScale>
+                                    <p:animScale>
+                                      <p:cBhvr>
+                                        <p:cTn id="36" dur="166" decel="50000">
+                                          <p:stCondLst>
+                                            <p:cond delay="1668"/>
+                                          </p:stCondLst>
+                                        </p:cTn>
+                                        <p:tgtEl>
+                                          <p:spTgt spid="3">
+                                            <p:txEl>
+                                              <p:pRg st="1" end="1"/>
+                                            </p:txEl>
+                                          </p:spTgt>
+                                        </p:tgtEl>
+                                      </p:cBhvr>
+                                      <p:to x="100000" y="100000"/>
+                                    </p:animScale>
+                                    <p:animScale>
+                                      <p:cBhvr>
+                                        <p:cTn id="37" dur="26">
+                                          <p:stCondLst>
+                                            <p:cond delay="1808"/>
+                                          </p:stCondLst>
+                                        </p:cTn>
+                                        <p:tgtEl>
+                                          <p:spTgt spid="3">
+                                            <p:txEl>
+                                              <p:pRg st="1" end="1"/>
+                                            </p:txEl>
+                                          </p:spTgt>
+                                        </p:tgtEl>
+                                      </p:cBhvr>
+                                      <p:to x="100000" y="95000"/>
+                                    </p:animScale>
+                                    <p:animScale>
+                                      <p:cBhvr>
+                                        <p:cTn id="38" dur="166" decel="50000">
+                                          <p:stCondLst>
+                                            <p:cond delay="1834"/>
+                                          </p:stCondLst>
+                                        </p:cTn>
+                                        <p:tgtEl>
+                                          <p:spTgt spid="3">
+                                            <p:txEl>
+                                              <p:pRg st="1" end="1"/>
+                                            </p:txEl>
+                                          </p:spTgt>
+                                        </p:tgtEl>
+                                      </p:cBhvr>
+                                      <p:to x="100000" y="100000"/>
+                                    </p:animScale>
+                                  </p:childTnLst>
+                                </p:cTn>
+                              </p:par>
+                            </p:childTnLst>
+                          </p:cTn>
+                        </p:par>
+                      </p:childTnLst>
+                    </p:cTn>
+                  </p:par>
+                  <p:par>
+                    <p:cTn id="39" fill="hold">
+                      <p:stCondLst>
+                        <p:cond delay="indefinite"/>
+                      </p:stCondLst>
+                      <p:childTnLst>
+                        <p:par>
+                          <p:cTn id="40" fill="hold">
+                            <p:stCondLst>
+                              <p:cond delay="0"/>
+                            </p:stCondLst>
+                            <p:childTnLst>
+                              <p:par>
+                                <p:cTn id="41" presetID="26" presetClass="entr" presetSubtype="0" fill="hold" grpId="0" nodeType="clickEffect">
+                                  <p:stCondLst>
+                                    <p:cond delay="0"/>
+                                  </p:stCondLst>
+                                  <p:childTnLst>
+                                    <p:set>
+                                      <p:cBhvr>
+                                        <p:cTn id="42" dur="1" fill="hold">
+                                          <p:stCondLst>
+                                            <p:cond delay="0"/>
+                                          </p:stCondLst>
+                                        </p:cTn>
+                                        <p:tgtEl>
+                                          <p:spTgt spid="3">
+                                            <p:txEl>
+                                              <p:pRg st="2" end="2"/>
+                                            </p:txEl>
+                                          </p:spTgt>
+                                        </p:tgtEl>
+                                        <p:attrNameLst>
+                                          <p:attrName>style.visibility</p:attrName>
+                                        </p:attrNameLst>
+                                      </p:cBhvr>
+                                      <p:to>
+                                        <p:strVal val="visible"/>
+                                      </p:to>
+                                    </p:set>
+                                    <p:animEffect transition="in" filter="wipe(down)">
+                                      <p:cBhvr>
+                                        <p:cTn id="43" dur="580">
+                                          <p:stCondLst>
+                                            <p:cond delay="0"/>
+                                          </p:stCondLst>
+                                        </p:cTn>
+                                        <p:tgtEl>
+                                          <p:spTgt spid="3">
+                                            <p:txEl>
+                                              <p:pRg st="2" end="2"/>
+                                            </p:txEl>
+                                          </p:spTgt>
+                                        </p:tgtEl>
+                                      </p:cBhvr>
+                                    </p:animEffect>
+                                    <p:anim calcmode="lin" valueType="num">
+                                      <p:cBhvr>
+                                        <p:cTn id="44" dur="1822" tmFilter="0,0; 0.14,0.36; 0.43,0.73; 0.71,0.91; 1.0,1.0">
+                                          <p:stCondLst>
+                                            <p:cond delay="0"/>
+                                          </p:stCondLst>
+                                        </p:cTn>
+                                        <p:tgtEl>
+                                          <p:spTgt spid="3">
+                                            <p:txEl>
+                                              <p:pRg st="2" end="2"/>
+                                            </p:txEl>
+                                          </p:spTgt>
+                                        </p:tgtEl>
+                                        <p:attrNameLst>
+                                          <p:attrName>ppt_x</p:attrName>
+                                        </p:attrNameLst>
+                                      </p:cBhvr>
+                                      <p:tavLst>
+                                        <p:tav tm="0">
+                                          <p:val>
+                                            <p:strVal val="#ppt_x-0.25"/>
+                                          </p:val>
+                                        </p:tav>
+                                        <p:tav tm="100000">
+                                          <p:val>
+                                            <p:strVal val="#ppt_x"/>
+                                          </p:val>
+                                        </p:tav>
+                                      </p:tavLst>
+                                    </p:anim>
+                                    <p:anim calcmode="lin" valueType="num">
+                                      <p:cBhvr>
+                                        <p:cTn id="45" dur="664" tmFilter="0.0,0.0; 0.25,0.07; 0.50,0.2; 0.75,0.467; 1.0,1.0">
+                                          <p:stCondLst>
+                                            <p:cond delay="0"/>
+                                          </p:stCondLst>
+                                        </p:cTn>
+                                        <p:tgtEl>
+                                          <p:spTgt spid="3">
+                                            <p:txEl>
+                                              <p:pRg st="2" end="2"/>
+                                            </p:txEl>
+                                          </p:spTgt>
+                                        </p:tgtEl>
+                                        <p:attrNameLst>
+                                          <p:attrName>ppt_y</p:attrName>
+                                        </p:attrNameLst>
+                                      </p:cBhvr>
+                                      <p:tavLst>
+                                        <p:tav tm="0" fmla="#ppt_y-sin(pi*$)/3">
+                                          <p:val>
+                                            <p:fltVal val="0.5"/>
+                                          </p:val>
+                                        </p:tav>
+                                        <p:tav tm="100000">
+                                          <p:val>
+                                            <p:fltVal val="1"/>
+                                          </p:val>
+                                        </p:tav>
+                                      </p:tavLst>
+                                    </p:anim>
+                                    <p:anim calcmode="lin" valueType="num">
+                                      <p:cBhvr>
+                                        <p:cTn id="46" dur="664" tmFilter="0, 0; 0.125,0.2665; 0.25,0.4; 0.375,0.465; 0.5,0.5;  0.625,0.535; 0.75,0.6; 0.875,0.7335; 1,1">
+                                          <p:stCondLst>
+                                            <p:cond delay="664"/>
+                                          </p:stCondLst>
+                                        </p:cTn>
+                                        <p:tgtEl>
+                                          <p:spTgt spid="3">
+                                            <p:txEl>
+                                              <p:pRg st="2" end="2"/>
+                                            </p:txEl>
+                                          </p:spTgt>
+                                        </p:tgtEl>
+                                        <p:attrNameLst>
+                                          <p:attrName>ppt_y</p:attrName>
+                                        </p:attrNameLst>
+                                      </p:cBhvr>
+                                      <p:tavLst>
+                                        <p:tav tm="0" fmla="#ppt_y-sin(pi*$)/9">
+                                          <p:val>
+                                            <p:fltVal val="0"/>
+                                          </p:val>
+                                        </p:tav>
+                                        <p:tav tm="100000">
+                                          <p:val>
+                                            <p:fltVal val="1"/>
+                                          </p:val>
+                                        </p:tav>
+                                      </p:tavLst>
+                                    </p:anim>
+                                    <p:anim calcmode="lin" valueType="num">
+                                      <p:cBhvr>
+                                        <p:cTn id="47" dur="332" tmFilter="0, 0; 0.125,0.2665; 0.25,0.4; 0.375,0.465; 0.5,0.5;  0.625,0.535; 0.75,0.6; 0.875,0.7335; 1,1">
+                                          <p:stCondLst>
+                                            <p:cond delay="1324"/>
+                                          </p:stCondLst>
+                                        </p:cTn>
+                                        <p:tgtEl>
+                                          <p:spTgt spid="3">
+                                            <p:txEl>
+                                              <p:pRg st="2" end="2"/>
+                                            </p:txEl>
+                                          </p:spTgt>
+                                        </p:tgtEl>
+                                        <p:attrNameLst>
+                                          <p:attrName>ppt_y</p:attrName>
+                                        </p:attrNameLst>
+                                      </p:cBhvr>
+                                      <p:tavLst>
+                                        <p:tav tm="0" fmla="#ppt_y-sin(pi*$)/27">
+                                          <p:val>
+                                            <p:fltVal val="0"/>
+                                          </p:val>
+                                        </p:tav>
+                                        <p:tav tm="100000">
+                                          <p:val>
+                                            <p:fltVal val="1"/>
+                                          </p:val>
+                                        </p:tav>
+                                      </p:tavLst>
+                                    </p:anim>
+                                    <p:anim calcmode="lin" valueType="num">
+                                      <p:cBhvr>
+                                        <p:cTn id="48" dur="164" tmFilter="0, 0; 0.125,0.2665; 0.25,0.4; 0.375,0.465; 0.5,0.5;  0.625,0.535; 0.75,0.6; 0.875,0.7335; 1,1">
+                                          <p:stCondLst>
+                                            <p:cond delay="1656"/>
+                                          </p:stCondLst>
+                                        </p:cTn>
+                                        <p:tgtEl>
+                                          <p:spTgt spid="3">
+                                            <p:txEl>
+                                              <p:pRg st="2" end="2"/>
+                                            </p:txEl>
+                                          </p:spTgt>
+                                        </p:tgtEl>
+                                        <p:attrNameLst>
+                                          <p:attrName>ppt_y</p:attrName>
+                                        </p:attrNameLst>
+                                      </p:cBhvr>
+                                      <p:tavLst>
+                                        <p:tav tm="0" fmla="#ppt_y-sin(pi*$)/81">
+                                          <p:val>
+                                            <p:fltVal val="0"/>
+                                          </p:val>
+                                        </p:tav>
+                                        <p:tav tm="100000">
+                                          <p:val>
+                                            <p:fltVal val="1"/>
+                                          </p:val>
+                                        </p:tav>
+                                      </p:tavLst>
+                                    </p:anim>
+                                    <p:animScale>
+                                      <p:cBhvr>
+                                        <p:cTn id="49" dur="26">
+                                          <p:stCondLst>
+                                            <p:cond delay="650"/>
+                                          </p:stCondLst>
+                                        </p:cTn>
+                                        <p:tgtEl>
+                                          <p:spTgt spid="3">
+                                            <p:txEl>
+                                              <p:pRg st="2" end="2"/>
+                                            </p:txEl>
+                                          </p:spTgt>
+                                        </p:tgtEl>
+                                      </p:cBhvr>
+                                      <p:to x="100000" y="60000"/>
+                                    </p:animScale>
+                                    <p:animScale>
+                                      <p:cBhvr>
+                                        <p:cTn id="50" dur="166" decel="50000">
+                                          <p:stCondLst>
+                                            <p:cond delay="676"/>
+                                          </p:stCondLst>
+                                        </p:cTn>
+                                        <p:tgtEl>
+                                          <p:spTgt spid="3">
+                                            <p:txEl>
+                                              <p:pRg st="2" end="2"/>
+                                            </p:txEl>
+                                          </p:spTgt>
+                                        </p:tgtEl>
+                                      </p:cBhvr>
+                                      <p:to x="100000" y="100000"/>
+                                    </p:animScale>
+                                    <p:animScale>
+                                      <p:cBhvr>
+                                        <p:cTn id="51" dur="26">
+                                          <p:stCondLst>
+                                            <p:cond delay="1312"/>
+                                          </p:stCondLst>
+                                        </p:cTn>
+                                        <p:tgtEl>
+                                          <p:spTgt spid="3">
+                                            <p:txEl>
+                                              <p:pRg st="2" end="2"/>
+                                            </p:txEl>
+                                          </p:spTgt>
+                                        </p:tgtEl>
+                                      </p:cBhvr>
+                                      <p:to x="100000" y="80000"/>
+                                    </p:animScale>
+                                    <p:animScale>
+                                      <p:cBhvr>
+                                        <p:cTn id="52" dur="166" decel="50000">
+                                          <p:stCondLst>
+                                            <p:cond delay="1338"/>
+                                          </p:stCondLst>
+                                        </p:cTn>
+                                        <p:tgtEl>
+                                          <p:spTgt spid="3">
+                                            <p:txEl>
+                                              <p:pRg st="2" end="2"/>
+                                            </p:txEl>
+                                          </p:spTgt>
+                                        </p:tgtEl>
+                                      </p:cBhvr>
+                                      <p:to x="100000" y="100000"/>
+                                    </p:animScale>
+                                    <p:animScale>
+                                      <p:cBhvr>
+                                        <p:cTn id="53" dur="26">
+                                          <p:stCondLst>
+                                            <p:cond delay="1642"/>
+                                          </p:stCondLst>
+                                        </p:cTn>
+                                        <p:tgtEl>
+                                          <p:spTgt spid="3">
+                                            <p:txEl>
+                                              <p:pRg st="2" end="2"/>
+                                            </p:txEl>
+                                          </p:spTgt>
+                                        </p:tgtEl>
+                                      </p:cBhvr>
+                                      <p:to x="100000" y="90000"/>
+                                    </p:animScale>
+                                    <p:animScale>
+                                      <p:cBhvr>
+                                        <p:cTn id="54" dur="166" decel="50000">
+                                          <p:stCondLst>
+                                            <p:cond delay="1668"/>
+                                          </p:stCondLst>
+                                        </p:cTn>
+                                        <p:tgtEl>
+                                          <p:spTgt spid="3">
+                                            <p:txEl>
+                                              <p:pRg st="2" end="2"/>
+                                            </p:txEl>
+                                          </p:spTgt>
+                                        </p:tgtEl>
+                                      </p:cBhvr>
+                                      <p:to x="100000" y="100000"/>
+                                    </p:animScale>
+                                    <p:animScale>
+                                      <p:cBhvr>
+                                        <p:cTn id="55" dur="26">
+                                          <p:stCondLst>
+                                            <p:cond delay="1808"/>
+                                          </p:stCondLst>
+                                        </p:cTn>
+                                        <p:tgtEl>
+                                          <p:spTgt spid="3">
+                                            <p:txEl>
+                                              <p:pRg st="2" end="2"/>
+                                            </p:txEl>
+                                          </p:spTgt>
+                                        </p:tgtEl>
+                                      </p:cBhvr>
+                                      <p:to x="100000" y="95000"/>
+                                    </p:animScale>
+                                    <p:animScale>
+                                      <p:cBhvr>
+                                        <p:cTn id="56" dur="166" decel="50000">
+                                          <p:stCondLst>
+                                            <p:cond delay="1834"/>
+                                          </p:stCondLst>
+                                        </p:cTn>
+                                        <p:tgtEl>
+                                          <p:spTgt spid="3">
+                                            <p:txEl>
+                                              <p:pRg st="2" end="2"/>
+                                            </p:txEl>
+                                          </p:spTgt>
+                                        </p:tgtEl>
+                                      </p:cBhvr>
+                                      <p:to x="100000" y="100000"/>
+                                    </p:animScale>
+                                  </p:childTnLst>
+                                </p:cTn>
+                              </p:par>
+                            </p:childTnLst>
+                          </p:cTn>
+                        </p:par>
+                      </p:childTnLst>
+                    </p:cTn>
+                  </p:par>
+                </p:childTnLst>
+              </p:cTn>
+              <p:prevCondLst>
+                <p:cond evt="onPrev" delay="0">
+                  <p:tgtEl>
+                    <p:sldTgt/>
+                  </p:tgtEl>
+                </p:cond>
+              </p:prevCondLst>
+              <p:nextCondLst>
+                <p:cond evt="onNext" delay="0">
+                  <p:tgtEl>
+                    <p:sldTgt/>
+                  </p:tgtEl>
+                </p:cond>
+              </p:nextCondLst>
+            </p:seq>
+          </p:childTnLst>
+        </p:cTn>
+      </p:par>
+    </p:tnLst>
+    <p:bldLst>
+      <p:bldP spid="3" grpId="0" build="p"/>
+    </p:bldLst>
+  </p:timing>
+</p:sld>
+</file>
+
+<file path=ppt/slides/slide17.xml><?xml version="1.0" encoding="utf-8"?>
+<p:sld xmlns:a="http://schemas.openxmlformats.org/drawingml/2006/main" xmlns:r="http://schemas.openxmlformats.org/officeDocument/2006/relationships" xmlns:p="http://schemas.openxmlformats.org/presentationml/2006/main">
+  <p:cSld>
+    <p:spTree>
+      <p:nvGrpSpPr>
+        <p:cNvPr id="1" name=""/>
+        <p:cNvGrpSpPr/>
+        <p:nvPr/>
+      </p:nvGrpSpPr>
+      <p:grpSpPr>
+        <a:xfrm>
+          <a:off x="0" y="0"/>
+          <a:ext cx="0" cy="0"/>
+          <a:chOff x="0" y="0"/>
+          <a:chExt cx="0" cy="0"/>
+        </a:xfrm>
+      </p:grpSpPr>
+      <p:pic>
+        <p:nvPicPr>
+          <p:cNvPr id="5" name="Content Placeholder 4">
+            <a:extLst>
+              <a:ext uri="{FF2B5EF4-FFF2-40B4-BE49-F238E27FC236}">
+                <a16:creationId xmlns:a16="http://schemas.microsoft.com/office/drawing/2014/main" id="{3E9CCDA5-7475-4198-A5C1-C48427BC037B}"/>
+              </a:ext>
+            </a:extLst>
+          </p:cNvPr>
+          <p:cNvPicPr>
+            <a:picLocks noGrp="1" noChangeAspect="1"/>
+          </p:cNvPicPr>
+          <p:nvPr>
+            <p:ph idx="1"/>
+          </p:nvPr>
+        </p:nvPicPr>
+        <p:blipFill>
+          <a:blip r:embed="rId2">
+            <a:extLst>
+              <a:ext uri="{28A0092B-C50C-407E-A947-70E740481C1C}">
+                <a14:useLocalDpi xmlns:a14="http://schemas.microsoft.com/office/drawing/2010/main" val="0"/>
+              </a:ext>
+            </a:extLst>
+          </a:blip>
+          <a:stretch>
+            <a:fillRect/>
+          </a:stretch>
+        </p:blipFill>
+        <p:spPr>
+          <a:xfrm>
+            <a:off x="56457" y="1158059"/>
+            <a:ext cx="11533140" cy="2025816"/>
+          </a:xfrm>
+        </p:spPr>
+      </p:pic>
+      <p:sp>
+        <p:nvSpPr>
+          <p:cNvPr id="6" name="TextBox 5">
+            <a:extLst>
+              <a:ext uri="{FF2B5EF4-FFF2-40B4-BE49-F238E27FC236}">
+                <a16:creationId xmlns:a16="http://schemas.microsoft.com/office/drawing/2014/main" id="{F14E9AC2-19F7-4B82-9009-4B325581EB8C}"/>
+              </a:ext>
+            </a:extLst>
+          </p:cNvPr>
+          <p:cNvSpPr txBox="1"/>
+          <p:nvPr/>
+        </p:nvSpPr>
+        <p:spPr>
+          <a:xfrm>
+            <a:off x="5078777" y="3456543"/>
+            <a:ext cx="2231701" cy="369332"/>
+          </a:xfrm>
+          <a:prstGeom prst="rect">
+            <a:avLst/>
+          </a:prstGeom>
+          <a:noFill/>
+        </p:spPr>
+        <p:txBody>
+          <a:bodyPr wrap="none" rtlCol="0">
+            <a:spAutoFit/>
+          </a:bodyPr>
+          <a:lstStyle/>
+          <a:p>
+            <a:r>
+              <a:rPr lang="en-US">
+                <a:latin typeface="Times New Roman" panose="02020603050405020304" pitchFamily="18" charset="0"/>
+                <a:cs typeface="Times New Roman" panose="02020603050405020304" pitchFamily="18" charset="0"/>
+              </a:rPr>
+              <a:t>Một số trang tiêu biểu</a:t>
+            </a:r>
+          </a:p>
+        </p:txBody>
+      </p:sp>
+    </p:spTree>
+    <p:extLst>
+      <p:ext uri="{BB962C8B-B14F-4D97-AF65-F5344CB8AC3E}">
+        <p14:creationId xmlns:p14="http://schemas.microsoft.com/office/powerpoint/2010/main" val="649514779"/>
+      </p:ext>
+    </p:extLst>
+  </p:cSld>
+  <p:clrMapOvr>
+    <a:masterClrMapping/>
+  </p:clrMapOvr>
+  <mc:AlternateContent xmlns:mc="http://schemas.openxmlformats.org/markup-compatibility/2006">
+    <mc:Choice xmlns:p14="http://schemas.microsoft.com/office/powerpoint/2010/main" Requires="p14">
+      <p:transition spd="slow" p14:dur="1400">
+        <p14:ripple/>
+      </p:transition>
+    </mc:Choice>
+    <mc:Fallback>
+      <p:transition spd="slow">
+        <p:fade/>
+      </p:transition>
+    </mc:Fallback>
+  </mc:AlternateContent>
+</p:sld>
+</file>
+
+<file path=ppt/slides/slide18.xml><?xml version="1.0" encoding="utf-8"?>
+<p:sld xmlns:a="http://schemas.openxmlformats.org/drawingml/2006/main" xmlns:r="http://schemas.openxmlformats.org/officeDocument/2006/relationships" xmlns:p="http://schemas.openxmlformats.org/presentationml/2006/main">
+  <p:cSld>
+    <p:spTree>
+      <p:nvGrpSpPr>
+        <p:cNvPr id="1" name=""/>
+        <p:cNvGrpSpPr/>
+        <p:nvPr/>
+      </p:nvGrpSpPr>
+      <p:grpSpPr>
+        <a:xfrm>
+          <a:off x="0" y="0"/>
+          <a:ext cx="0" cy="0"/>
+          <a:chOff x="0" y="0"/>
+          <a:chExt cx="0" cy="0"/>
+        </a:xfrm>
+      </p:grpSpPr>
+      <p:sp>
+        <p:nvSpPr>
+          <p:cNvPr id="2" name="Title 1">
+            <a:extLst>
+              <a:ext uri="{FF2B5EF4-FFF2-40B4-BE49-F238E27FC236}">
+                <a16:creationId xmlns:a16="http://schemas.microsoft.com/office/drawing/2014/main" id="{CF02EC2F-60F2-4148-BD48-35B918CCEDD0}"/>
+              </a:ext>
+            </a:extLst>
+          </p:cNvPr>
+          <p:cNvSpPr>
+            <a:spLocks noGrp="1"/>
+          </p:cNvSpPr>
+          <p:nvPr>
+            <p:ph type="title"/>
+          </p:nvPr>
+        </p:nvSpPr>
+        <p:spPr>
+          <a:xfrm>
+            <a:off x="685801" y="90889"/>
+            <a:ext cx="10396882" cy="797615"/>
+          </a:xfrm>
+        </p:spPr>
+        <p:txBody>
+          <a:bodyPr>
+            <a:normAutofit/>
+          </a:bodyPr>
+          <a:lstStyle/>
+          <a:p>
+            <a:r>
+              <a:rPr lang="en-US" sz="3600">
+                <a:latin typeface="Times New Roman" panose="02020603050405020304" pitchFamily="18" charset="0"/>
+                <a:cs typeface="Times New Roman" panose="02020603050405020304" pitchFamily="18" charset="0"/>
+              </a:rPr>
+              <a:t>3. </a:t>
+            </a:r>
+            <a:r>
+              <a:rPr lang="en-US" sz="3600" b="1">
+                <a:latin typeface="Times New Roman" panose="02020603050405020304" pitchFamily="18" charset="0"/>
+                <a:cs typeface="Times New Roman" panose="02020603050405020304" pitchFamily="18" charset="0"/>
+              </a:rPr>
+              <a:t>Mạng quảng cáo Adtima</a:t>
+            </a:r>
+            <a:endParaRPr lang="en-US" sz="3600">
+              <a:latin typeface="Times New Roman" panose="02020603050405020304" pitchFamily="18" charset="0"/>
+              <a:cs typeface="Times New Roman" panose="02020603050405020304" pitchFamily="18" charset="0"/>
+            </a:endParaRPr>
+          </a:p>
+        </p:txBody>
+      </p:sp>
+      <p:sp>
+        <p:nvSpPr>
+          <p:cNvPr id="3" name="Content Placeholder 2">
+            <a:extLst>
+              <a:ext uri="{FF2B5EF4-FFF2-40B4-BE49-F238E27FC236}">
+                <a16:creationId xmlns:a16="http://schemas.microsoft.com/office/drawing/2014/main" id="{967B2F67-A197-44C3-B048-A5DD98ADC434}"/>
+              </a:ext>
+            </a:extLst>
+          </p:cNvPr>
+          <p:cNvSpPr>
+            <a:spLocks noGrp="1"/>
+          </p:cNvSpPr>
+          <p:nvPr>
+            <p:ph idx="1"/>
+          </p:nvPr>
+        </p:nvSpPr>
+        <p:spPr>
+          <a:xfrm>
+            <a:off x="685800" y="785440"/>
+            <a:ext cx="10396883" cy="900142"/>
+          </a:xfrm>
+        </p:spPr>
+        <p:txBody>
+          <a:bodyPr>
+            <a:normAutofit lnSpcReduction="10000"/>
+          </a:bodyPr>
+          <a:lstStyle/>
+          <a:p>
+            <a:r>
+              <a:rPr lang="en-US" sz="2400">
+                <a:latin typeface="Times New Roman" panose="02020603050405020304" pitchFamily="18" charset="0"/>
+                <a:cs typeface="Times New Roman" panose="02020603050405020304" pitchFamily="18" charset="0"/>
+              </a:rPr>
+              <a:t>Là mang quảng cáo chiếm dữ thị trường quảng cáo lớn nhất trên nền tảng di động </a:t>
+            </a:r>
+          </a:p>
+        </p:txBody>
+      </p:sp>
+      <p:pic>
+        <p:nvPicPr>
+          <p:cNvPr id="5" name="Picture 4">
+            <a:extLst>
+              <a:ext uri="{FF2B5EF4-FFF2-40B4-BE49-F238E27FC236}">
+                <a16:creationId xmlns:a16="http://schemas.microsoft.com/office/drawing/2014/main" id="{CCDD8E76-A532-48DB-97CD-75EE51B5EA8B}"/>
+              </a:ext>
+            </a:extLst>
+          </p:cNvPr>
+          <p:cNvPicPr>
+            <a:picLocks noChangeAspect="1"/>
+          </p:cNvPicPr>
+          <p:nvPr/>
+        </p:nvPicPr>
+        <p:blipFill>
+          <a:blip r:embed="rId2">
+            <a:extLst>
+              <a:ext uri="{28A0092B-C50C-407E-A947-70E740481C1C}">
+                <a14:useLocalDpi xmlns:a14="http://schemas.microsoft.com/office/drawing/2010/main" val="0"/>
+              </a:ext>
+            </a:extLst>
+          </a:blip>
+          <a:stretch>
+            <a:fillRect/>
+          </a:stretch>
+        </p:blipFill>
+        <p:spPr>
+          <a:xfrm>
+            <a:off x="1109317" y="1685582"/>
+            <a:ext cx="7208418" cy="3888953"/>
+          </a:xfrm>
+          <a:prstGeom prst="rect">
+            <a:avLst/>
+          </a:prstGeom>
+        </p:spPr>
+      </p:pic>
+    </p:spTree>
+    <p:extLst>
+      <p:ext uri="{BB962C8B-B14F-4D97-AF65-F5344CB8AC3E}">
+        <p14:creationId xmlns:p14="http://schemas.microsoft.com/office/powerpoint/2010/main" val="95797181"/>
+      </p:ext>
+    </p:extLst>
+  </p:cSld>
+  <p:clrMapOvr>
+    <a:masterClrMapping/>
+  </p:clrMapOvr>
+  <mc:AlternateContent xmlns:mc="http://schemas.openxmlformats.org/markup-compatibility/2006">
+    <mc:Choice xmlns:p14="http://schemas.microsoft.com/office/powerpoint/2010/main" Requires="p14">
+      <p:transition spd="slow" p14:dur="4400">
+        <p14:honeycomb/>
+      </p:transition>
+    </mc:Choice>
+    <mc:Fallback>
+      <p:transition spd="slow">
+        <p:fade/>
+      </p:transition>
+    </mc:Fallback>
+  </mc:AlternateContent>
+  <p:timing>
+    <p:tnLst>
+      <p:par>
+        <p:cTn id="1" dur="indefinite" restart="never" nodeType="tmRoot">
+          <p:childTnLst>
+            <p:seq concurrent="1" nextAc="seek">
+              <p:cTn id="2" dur="indefinite" nodeType="mainSeq">
+                <p:childTnLst>
+                  <p:par>
+                    <p:cTn id="3" fill="hold">
+                      <p:stCondLst>
+                        <p:cond delay="indefinite"/>
+                      </p:stCondLst>
+                      <p:childTnLst>
+                        <p:par>
+                          <p:cTn id="4" fill="hold">
+                            <p:stCondLst>
+                              <p:cond delay="0"/>
+                            </p:stCondLst>
+                            <p:childTnLst>
+                              <p:par>
+                                <p:cTn id="5" presetID="16" presetClass="entr" presetSubtype="21" fill="hold" grpId="0" nodeType="clickEffect">
+                                  <p:stCondLst>
+                                    <p:cond delay="0"/>
+                                  </p:stCondLst>
+                                  <p:childTnLst>
+                                    <p:set>
+                                      <p:cBhvr>
+                                        <p:cTn id="6" dur="1" fill="hold">
+                                          <p:stCondLst>
+                                            <p:cond delay="0"/>
+                                          </p:stCondLst>
+                                        </p:cTn>
+                                        <p:tgtEl>
+                                          <p:spTgt spid="3">
+                                            <p:txEl>
+                                              <p:pRg st="0" end="0"/>
+                                            </p:txEl>
+                                          </p:spTgt>
+                                        </p:tgtEl>
+                                        <p:attrNameLst>
+                                          <p:attrName>style.visibility</p:attrName>
+                                        </p:attrNameLst>
+                                      </p:cBhvr>
+                                      <p:to>
+                                        <p:strVal val="visible"/>
+                                      </p:to>
+                                    </p:set>
+                                    <p:animEffect transition="in" filter="barn(inVertical)">
+                                      <p:cBhvr>
+                                        <p:cTn id="7" dur="500"/>
+                                        <p:tgtEl>
+                                          <p:spTgt spid="3">
+                                            <p:txEl>
+                                              <p:pRg st="0" end="0"/>
+                                            </p:txEl>
+                                          </p:spTgt>
+                                        </p:tgtEl>
+                                      </p:cBhvr>
+                                    </p:animEffect>
+                                  </p:childTnLst>
+                                </p:cTn>
+                              </p:par>
+                            </p:childTnLst>
+                          </p:cTn>
+                        </p:par>
+                      </p:childTnLst>
+                    </p:cTn>
+                  </p:par>
+                  <p:par>
+                    <p:cTn id="8" fill="hold">
+                      <p:stCondLst>
+                        <p:cond delay="indefinite"/>
+                      </p:stCondLst>
+                      <p:childTnLst>
+                        <p:par>
+                          <p:cTn id="9" fill="hold">
+                            <p:stCondLst>
+                              <p:cond delay="0"/>
+                            </p:stCondLst>
+                            <p:childTnLst>
+                              <p:par>
+                                <p:cTn id="10" presetID="31" presetClass="entr" presetSubtype="0" fill="hold" nodeType="clickEffect">
+                                  <p:stCondLst>
+                                    <p:cond delay="0"/>
+                                  </p:stCondLst>
+                                  <p:childTnLst>
+                                    <p:set>
+                                      <p:cBhvr>
+                                        <p:cTn id="11" dur="1" fill="hold">
+                                          <p:stCondLst>
+                                            <p:cond delay="0"/>
+                                          </p:stCondLst>
+                                        </p:cTn>
+                                        <p:tgtEl>
+                                          <p:spTgt spid="5"/>
+                                        </p:tgtEl>
+                                        <p:attrNameLst>
+                                          <p:attrName>style.visibility</p:attrName>
+                                        </p:attrNameLst>
+                                      </p:cBhvr>
+                                      <p:to>
+                                        <p:strVal val="visible"/>
+                                      </p:to>
+                                    </p:set>
+                                    <p:anim calcmode="lin" valueType="num">
+                                      <p:cBhvr>
+                                        <p:cTn id="12" dur="1000" fill="hold"/>
+                                        <p:tgtEl>
+                                          <p:spTgt spid="5"/>
+                                        </p:tgtEl>
+                                        <p:attrNameLst>
+                                          <p:attrName>ppt_w</p:attrName>
+                                        </p:attrNameLst>
+                                      </p:cBhvr>
+                                      <p:tavLst>
+                                        <p:tav tm="0">
+                                          <p:val>
+                                            <p:fltVal val="0"/>
+                                          </p:val>
+                                        </p:tav>
+                                        <p:tav tm="100000">
+                                          <p:val>
+                                            <p:strVal val="#ppt_w"/>
+                                          </p:val>
+                                        </p:tav>
+                                      </p:tavLst>
+                                    </p:anim>
+                                    <p:anim calcmode="lin" valueType="num">
+                                      <p:cBhvr>
+                                        <p:cTn id="13" dur="1000" fill="hold"/>
+                                        <p:tgtEl>
+                                          <p:spTgt spid="5"/>
+                                        </p:tgtEl>
+                                        <p:attrNameLst>
+                                          <p:attrName>ppt_h</p:attrName>
+                                        </p:attrNameLst>
+                                      </p:cBhvr>
+                                      <p:tavLst>
+                                        <p:tav tm="0">
+                                          <p:val>
+                                            <p:fltVal val="0"/>
+                                          </p:val>
+                                        </p:tav>
+                                        <p:tav tm="100000">
+                                          <p:val>
+                                            <p:strVal val="#ppt_h"/>
+                                          </p:val>
+                                        </p:tav>
+                                      </p:tavLst>
+                                    </p:anim>
+                                    <p:anim calcmode="lin" valueType="num">
+                                      <p:cBhvr>
+                                        <p:cTn id="14" dur="1000" fill="hold"/>
+                                        <p:tgtEl>
+                                          <p:spTgt spid="5"/>
+                                        </p:tgtEl>
+                                        <p:attrNameLst>
+                                          <p:attrName>style.rotation</p:attrName>
+                                        </p:attrNameLst>
+                                      </p:cBhvr>
+                                      <p:tavLst>
+                                        <p:tav tm="0">
+                                          <p:val>
+                                            <p:fltVal val="90"/>
+                                          </p:val>
+                                        </p:tav>
+                                        <p:tav tm="100000">
+                                          <p:val>
+                                            <p:fltVal val="0"/>
+                                          </p:val>
+                                        </p:tav>
+                                      </p:tavLst>
+                                    </p:anim>
+                                    <p:animEffect transition="in" filter="fade">
+                                      <p:cBhvr>
+                                        <p:cTn id="15" dur="1000"/>
+                                        <p:tgtEl>
+                                          <p:spTgt spid="5"/>
+                                        </p:tgtEl>
+                                      </p:cBhvr>
+                                    </p:animEffect>
+                                  </p:childTnLst>
+                                </p:cTn>
+                              </p:par>
+                            </p:childTnLst>
+                          </p:cTn>
+                        </p:par>
+                      </p:childTnLst>
+                    </p:cTn>
+                  </p:par>
+                </p:childTnLst>
+              </p:cTn>
+              <p:prevCondLst>
+                <p:cond evt="onPrev" delay="0">
+                  <p:tgtEl>
+                    <p:sldTgt/>
+                  </p:tgtEl>
+                </p:cond>
+              </p:prevCondLst>
+              <p:nextCondLst>
+                <p:cond evt="onNext" delay="0">
+                  <p:tgtEl>
+                    <p:sldTgt/>
+                  </p:tgtEl>
+                </p:cond>
+              </p:nextCondLst>
+            </p:seq>
+          </p:childTnLst>
+        </p:cTn>
+      </p:par>
+    </p:tnLst>
+    <p:bldLst>
+      <p:bldP spid="3" grpId="0" build="p"/>
+    </p:bldLst>
+  </p:timing>
+</p:sld>
+</file>
+
+<file path=ppt/slides/slide19.xml><?xml version="1.0" encoding="utf-8"?>
+<p:sld xmlns:a="http://schemas.openxmlformats.org/drawingml/2006/main" xmlns:r="http://schemas.openxmlformats.org/officeDocument/2006/relationships" xmlns:p="http://schemas.openxmlformats.org/presentationml/2006/main">
+  <p:cSld>
+    <p:spTree>
+      <p:nvGrpSpPr>
+        <p:cNvPr id="1" name=""/>
+        <p:cNvGrpSpPr/>
+        <p:nvPr/>
+      </p:nvGrpSpPr>
+      <p:grpSpPr>
+        <a:xfrm>
+          <a:off x="0" y="0"/>
+          <a:ext cx="0" cy="0"/>
+          <a:chOff x="0" y="0"/>
+          <a:chExt cx="0" cy="0"/>
+        </a:xfrm>
+      </p:grpSpPr>
+      <p:sp>
+        <p:nvSpPr>
+          <p:cNvPr id="4" name="Rectangle 3">
+            <a:extLst>
+              <a:ext uri="{FF2B5EF4-FFF2-40B4-BE49-F238E27FC236}">
+                <a16:creationId xmlns:a16="http://schemas.microsoft.com/office/drawing/2014/main" id="{AAA8F8E2-4BB4-4251-B190-BF67DB8E85FF}"/>
+              </a:ext>
+            </a:extLst>
+          </p:cNvPr>
+          <p:cNvSpPr/>
+          <p:nvPr/>
+        </p:nvSpPr>
+        <p:spPr>
+          <a:xfrm>
+            <a:off x="3090209" y="2097002"/>
+            <a:ext cx="6011582" cy="923330"/>
+          </a:xfrm>
+          <a:prstGeom prst="rect">
+            <a:avLst/>
+          </a:prstGeom>
+          <a:noFill/>
+        </p:spPr>
+        <p:txBody>
+          <a:bodyPr wrap="none" lIns="91440" tIns="45720" rIns="91440" bIns="45720">
+            <a:spAutoFit/>
+          </a:bodyPr>
+          <a:lstStyle/>
+          <a:p>
+            <a:pPr algn="ctr"/>
+            <a:r>
+              <a:rPr lang="en-US" sz="5400" b="0" cap="none" spc="0">
+                <a:ln w="0"/>
+                <a:solidFill>
+                  <a:schemeClr val="tx1"/>
+                </a:solidFill>
+                <a:effectLst>
+                  <a:outerShdw blurRad="38100" dist="19050" dir="2700000" algn="tl" rotWithShape="0">
+                    <a:schemeClr val="dk1">
+                      <a:alpha val="40000"/>
+                    </a:schemeClr>
+                  </a:outerShdw>
+                </a:effectLst>
+              </a:rPr>
+              <a:t>Thanks for listening!</a:t>
+            </a:r>
+          </a:p>
+        </p:txBody>
+      </p:sp>
+    </p:spTree>
+    <p:extLst>
+      <p:ext uri="{BB962C8B-B14F-4D97-AF65-F5344CB8AC3E}">
+        <p14:creationId xmlns:p14="http://schemas.microsoft.com/office/powerpoint/2010/main" val="333088869"/>
+      </p:ext>
+    </p:extLst>
+  </p:cSld>
+  <p:clrMapOvr>
+    <a:masterClrMapping/>
+  </p:clrMapOvr>
+  <mc:AlternateContent xmlns:mc="http://schemas.openxmlformats.org/markup-compatibility/2006">
+    <mc:Choice xmlns:p15="http://schemas.microsoft.com/office/powerpoint/2012/main" Requires="p15">
+      <p:transition xmlns:p14="http://schemas.microsoft.com/office/powerpoint/2010/main" spd="slow" p14:dur="6000">
+        <p15:prstTrans prst="curtains"/>
+      </p:transition>
+    </mc:Choice>
+    <mc:Fallback>
+      <p:transition spd="slow">
+        <p:fade/>
+      </p:transition>
+    </mc:Fallback>
+  </mc:AlternateContent>
+  <p:timing>
+    <p:tnLst>
+      <p:par>
+        <p:cTn id="1" dur="indefinite" restart="never" nodeType="tmRoot">
+          <p:childTnLst>
+            <p:seq concurrent="1" nextAc="seek">
+              <p:cTn id="2" dur="indefinite" nodeType="mainSeq">
+                <p:childTnLst>
+                  <p:par>
+                    <p:cTn id="3" fill="hold">
+                      <p:stCondLst>
+                        <p:cond delay="indefinite"/>
+                        <p:cond evt="onBegin" delay="0">
+                          <p:tn val="2"/>
+                        </p:cond>
+                      </p:stCondLst>
+                      <p:childTnLst>
+                        <p:par>
+                          <p:cTn id="4" fill="hold">
+                            <p:stCondLst>
+                              <p:cond delay="0"/>
+                            </p:stCondLst>
+                            <p:childTnLst>
+                              <p:par>
+                                <p:cTn id="5" presetID="16" presetClass="emph" presetSubtype="0" repeatCount="indefinite" fill="hold" nodeType="withEffect">
+                                  <p:stCondLst>
+                                    <p:cond delay="0"/>
+                                  </p:stCondLst>
+                                  <p:iterate type="lt">
+                                    <p:tmPct val="4000"/>
+                                  </p:iterate>
+                                  <p:childTnLst>
+                                    <p:set>
+                                      <p:cBhvr override="childStyle">
+                                        <p:cTn id="6" dur="500" fill="hold"/>
+                                        <p:tgtEl>
+                                          <p:spTgt spid="4">
+                                            <p:txEl>
+                                              <p:pRg st="0" end="0"/>
+                                            </p:txEl>
+                                          </p:spTgt>
+                                        </p:tgtEl>
+                                        <p:attrNameLst>
+                                          <p:attrName>style.color</p:attrName>
+                                        </p:attrNameLst>
+                                      </p:cBhvr>
+                                      <p:to>
+                                        <p:clrVal>
+                                          <a:schemeClr val="accent2"/>
+                                        </p:clrVal>
+                                      </p:to>
+                                    </p:set>
+                                    <p:set>
+                                      <p:cBhvr>
+                                        <p:cTn id="7" dur="500" fill="hold"/>
+                                        <p:tgtEl>
+                                          <p:spTgt spid="4">
+                                            <p:txEl>
+                                              <p:pRg st="0" end="0"/>
+                                            </p:txEl>
+                                          </p:spTgt>
+                                        </p:tgtEl>
+                                        <p:attrNameLst>
+                                          <p:attrName>fillcolor</p:attrName>
+                                        </p:attrNameLst>
+                                      </p:cBhvr>
+                                      <p:to>
+                                        <p:clrVal>
+                                          <a:schemeClr val="accent2"/>
+                                        </p:clrVal>
+                                      </p:to>
+                                    </p:set>
+                                    <p:set>
+                                      <p:cBhvr>
+                                        <p:cTn id="8" dur="500" fill="hold"/>
+                                        <p:tgtEl>
+                                          <p:spTgt spid="4">
+                                            <p:txEl>
+                                              <p:pRg st="0" end="0"/>
+                                            </p:txEl>
+                                          </p:spTgt>
+                                        </p:tgtEl>
+                                        <p:attrNameLst>
+                                          <p:attrName>fill.type</p:attrName>
+                                        </p:attrNameLst>
+                                      </p:cBhvr>
+                                      <p:to>
+                                        <p:strVal val="solid"/>
+                                      </p:to>
+                                    </p:set>
+                                  </p:childTnLst>
+                                  <p:subTnLst>
+                                    <p:set>
+                                      <p:cBhvr override="childStyle">
+                                        <p:cTn dur="1" fill="hold" display="0" masterRel="sameClick" afterEffect="1">
+                                          <p:stCondLst>
+                                            <p:cond evt="end" delay="0">
+                                              <p:tn val="5"/>
+                                            </p:cond>
+                                          </p:stCondLst>
+                                        </p:cTn>
+                                        <p:tgtEl>
+                                          <p:spTgt spid="4">
+                                            <p:txEl>
+                                              <p:pRg st="0" end="0"/>
+                                            </p:txEl>
+                                          </p:spTgt>
+                                        </p:tgtEl>
+                                        <p:attrNameLst>
+                                          <p:attrName>style.visibility</p:attrName>
+                                        </p:attrNameLst>
+                                      </p:cBhvr>
+                                      <p:to>
+                                        <p:strVal val="hidden"/>
+                                      </p:to>
+                                    </p:set>
+                                  </p:subTnLst>
+                                </p:cTn>
+                              </p:par>
+                            </p:childTnLst>
+                          </p:cTn>
+                        </p:par>
+                      </p:childTnLst>
+                    </p:cTn>
+                  </p:par>
+                </p:childTnLst>
+              </p:cTn>
+              <p:prevCondLst>
+                <p:cond evt="onPrev" delay="0">
+                  <p:tgtEl>
+                    <p:sldTgt/>
+                  </p:tgtEl>
+                </p:cond>
+              </p:prevCondLst>
+              <p:nextCondLst>
+                <p:cond evt="onNext" delay="0">
+                  <p:tgtEl>
+                    <p:sldTgt/>
+                  </p:tgtEl>
+                </p:cond>
+              </p:nextCondLst>
+            </p:seq>
+          </p:childTnLst>
+        </p:cTn>
+      </p:par>
+    </p:tnLst>
+  </p:timing>
 </p:sld>
 </file>
 
@@ -7047,11 +9574,11 @@
           <a:lstStyle/>
           <a:p>
             <a:r>
-              <a:rPr lang="en-US" sz="4400" dirty="0">
+              <a:rPr lang="en-US" sz="4400">
                 <a:latin typeface="Times New Roman" panose="02020603050405020304" pitchFamily="18" charset="0"/>
                 <a:cs typeface="Times New Roman" panose="02020603050405020304" pitchFamily="18" charset="0"/>
               </a:rPr>
-              <a:t>Google </a:t>
+              <a:t>1. Google </a:t>
             </a:r>
             <a:r>
               <a:rPr lang="en-US" sz="4400" dirty="0" err="1">
@@ -7106,433 +9633,68 @@
           <a:lstStyle/>
           <a:p>
             <a:r>
-              <a:rPr lang="en-US" dirty="0" err="1">
+              <a:rPr lang="en-US" cap="none">
                 <a:latin typeface="Times New Roman" panose="02020603050405020304" pitchFamily="18" charset="0"/>
                 <a:cs typeface="Times New Roman" panose="02020603050405020304" pitchFamily="18" charset="0"/>
               </a:rPr>
-              <a:t>Mạng</a:t>
-            </a:r>
-            <a:r>
-              <a:rPr lang="en-US" dirty="0">
+              <a:t>Mạng quảng cáo của google</a:t>
+            </a:r>
+          </a:p>
+          <a:p>
+            <a:r>
+              <a:rPr lang="en-US" cap="none">
                 <a:latin typeface="Times New Roman" panose="02020603050405020304" pitchFamily="18" charset="0"/>
                 <a:cs typeface="Times New Roman" panose="02020603050405020304" pitchFamily="18" charset="0"/>
               </a:rPr>
-              <a:t> </a:t>
-            </a:r>
-            <a:r>
-              <a:rPr lang="en-US" dirty="0" err="1">
+              <a:t>Mạng quảng cáo lớn nhất thế giới</a:t>
+            </a:r>
+          </a:p>
+          <a:p>
+            <a:r>
+              <a:rPr lang="en-US" cap="none">
                 <a:latin typeface="Times New Roman" panose="02020603050405020304" pitchFamily="18" charset="0"/>
                 <a:cs typeface="Times New Roman" panose="02020603050405020304" pitchFamily="18" charset="0"/>
               </a:rPr>
-              <a:t>Quảng</a:t>
-            </a:r>
-            <a:r>
-              <a:rPr lang="en-US" dirty="0">
+              <a:t>Phát triển mạnh mẽ tại việt nam</a:t>
+            </a:r>
+          </a:p>
+          <a:p>
+            <a:r>
+              <a:rPr lang="en-US" cap="none">
                 <a:latin typeface="Times New Roman" panose="02020603050405020304" pitchFamily="18" charset="0"/>
                 <a:cs typeface="Times New Roman" panose="02020603050405020304" pitchFamily="18" charset="0"/>
               </a:rPr>
-              <a:t> </a:t>
-            </a:r>
-            <a:r>
-              <a:rPr lang="en-US" dirty="0" err="1">
-                <a:latin typeface="Times New Roman" panose="02020603050405020304" pitchFamily="18" charset="0"/>
-                <a:cs typeface="Times New Roman" panose="02020603050405020304" pitchFamily="18" charset="0"/>
-              </a:rPr>
-              <a:t>cáo</a:t>
-            </a:r>
-            <a:r>
-              <a:rPr lang="en-US" dirty="0">
-                <a:latin typeface="Times New Roman" panose="02020603050405020304" pitchFamily="18" charset="0"/>
-                <a:cs typeface="Times New Roman" panose="02020603050405020304" pitchFamily="18" charset="0"/>
-              </a:rPr>
-              <a:t> </a:t>
-            </a:r>
-            <a:r>
-              <a:rPr lang="en-US" dirty="0" err="1">
-                <a:latin typeface="Times New Roman" panose="02020603050405020304" pitchFamily="18" charset="0"/>
-                <a:cs typeface="Times New Roman" panose="02020603050405020304" pitchFamily="18" charset="0"/>
-              </a:rPr>
-              <a:t>của</a:t>
-            </a:r>
-            <a:r>
-              <a:rPr lang="en-US" dirty="0">
-                <a:latin typeface="Times New Roman" panose="02020603050405020304" pitchFamily="18" charset="0"/>
-                <a:cs typeface="Times New Roman" panose="02020603050405020304" pitchFamily="18" charset="0"/>
-              </a:rPr>
-              <a:t> google</a:t>
-            </a:r>
-          </a:p>
-          <a:p>
-            <a:r>
-              <a:rPr lang="en-US" dirty="0" err="1">
-                <a:latin typeface="Times New Roman" panose="02020603050405020304" pitchFamily="18" charset="0"/>
-                <a:cs typeface="Times New Roman" panose="02020603050405020304" pitchFamily="18" charset="0"/>
-              </a:rPr>
-              <a:t>Mạng</a:t>
-            </a:r>
-            <a:r>
-              <a:rPr lang="en-US" dirty="0">
-                <a:latin typeface="Times New Roman" panose="02020603050405020304" pitchFamily="18" charset="0"/>
-                <a:cs typeface="Times New Roman" panose="02020603050405020304" pitchFamily="18" charset="0"/>
-              </a:rPr>
-              <a:t> </a:t>
-            </a:r>
-            <a:r>
-              <a:rPr lang="en-US" dirty="0" err="1">
-                <a:latin typeface="Times New Roman" panose="02020603050405020304" pitchFamily="18" charset="0"/>
-                <a:cs typeface="Times New Roman" panose="02020603050405020304" pitchFamily="18" charset="0"/>
-              </a:rPr>
-              <a:t>Quảng</a:t>
-            </a:r>
-            <a:r>
-              <a:rPr lang="en-US" dirty="0">
-                <a:latin typeface="Times New Roman" panose="02020603050405020304" pitchFamily="18" charset="0"/>
-                <a:cs typeface="Times New Roman" panose="02020603050405020304" pitchFamily="18" charset="0"/>
-              </a:rPr>
-              <a:t> </a:t>
-            </a:r>
-            <a:r>
-              <a:rPr lang="en-US" dirty="0" err="1">
-                <a:latin typeface="Times New Roman" panose="02020603050405020304" pitchFamily="18" charset="0"/>
-                <a:cs typeface="Times New Roman" panose="02020603050405020304" pitchFamily="18" charset="0"/>
-              </a:rPr>
-              <a:t>cáo</a:t>
-            </a:r>
-            <a:r>
-              <a:rPr lang="en-US" dirty="0">
-                <a:latin typeface="Times New Roman" panose="02020603050405020304" pitchFamily="18" charset="0"/>
-                <a:cs typeface="Times New Roman" panose="02020603050405020304" pitchFamily="18" charset="0"/>
-              </a:rPr>
-              <a:t> </a:t>
-            </a:r>
-            <a:r>
-              <a:rPr lang="en-US" dirty="0" err="1">
-                <a:latin typeface="Times New Roman" panose="02020603050405020304" pitchFamily="18" charset="0"/>
-                <a:cs typeface="Times New Roman" panose="02020603050405020304" pitchFamily="18" charset="0"/>
-              </a:rPr>
-              <a:t>lớn</a:t>
-            </a:r>
-            <a:r>
-              <a:rPr lang="en-US" dirty="0">
-                <a:latin typeface="Times New Roman" panose="02020603050405020304" pitchFamily="18" charset="0"/>
-                <a:cs typeface="Times New Roman" panose="02020603050405020304" pitchFamily="18" charset="0"/>
-              </a:rPr>
-              <a:t> </a:t>
-            </a:r>
-            <a:r>
-              <a:rPr lang="en-US" dirty="0" err="1">
-                <a:latin typeface="Times New Roman" panose="02020603050405020304" pitchFamily="18" charset="0"/>
-                <a:cs typeface="Times New Roman" panose="02020603050405020304" pitchFamily="18" charset="0"/>
-              </a:rPr>
-              <a:t>nhất</a:t>
-            </a:r>
-            <a:r>
-              <a:rPr lang="en-US" dirty="0">
-                <a:latin typeface="Times New Roman" panose="02020603050405020304" pitchFamily="18" charset="0"/>
-                <a:cs typeface="Times New Roman" panose="02020603050405020304" pitchFamily="18" charset="0"/>
-              </a:rPr>
-              <a:t> </a:t>
-            </a:r>
-            <a:r>
-              <a:rPr lang="en-US" dirty="0" err="1">
-                <a:latin typeface="Times New Roman" panose="02020603050405020304" pitchFamily="18" charset="0"/>
-                <a:cs typeface="Times New Roman" panose="02020603050405020304" pitchFamily="18" charset="0"/>
-              </a:rPr>
-              <a:t>thê</a:t>
-            </a:r>
-            <a:r>
-              <a:rPr lang="en-US" dirty="0">
-                <a:latin typeface="Times New Roman" panose="02020603050405020304" pitchFamily="18" charset="0"/>
-                <a:cs typeface="Times New Roman" panose="02020603050405020304" pitchFamily="18" charset="0"/>
-              </a:rPr>
-              <a:t>́ </a:t>
-            </a:r>
-            <a:r>
-              <a:rPr lang="en-US" dirty="0" err="1">
-                <a:latin typeface="Times New Roman" panose="02020603050405020304" pitchFamily="18" charset="0"/>
-                <a:cs typeface="Times New Roman" panose="02020603050405020304" pitchFamily="18" charset="0"/>
-              </a:rPr>
-              <a:t>giới</a:t>
-            </a:r>
-            <a:endParaRPr lang="en-US" dirty="0">
-              <a:latin typeface="Times New Roman" panose="02020603050405020304" pitchFamily="18" charset="0"/>
-              <a:cs typeface="Times New Roman" panose="02020603050405020304" pitchFamily="18" charset="0"/>
-            </a:endParaRPr>
-          </a:p>
-          <a:p>
-            <a:r>
-              <a:rPr lang="en-US" dirty="0" err="1">
-                <a:latin typeface="Times New Roman" panose="02020603050405020304" pitchFamily="18" charset="0"/>
-                <a:cs typeface="Times New Roman" panose="02020603050405020304" pitchFamily="18" charset="0"/>
-              </a:rPr>
-              <a:t>Phát</a:t>
-            </a:r>
-            <a:r>
-              <a:rPr lang="en-US" dirty="0">
-                <a:latin typeface="Times New Roman" panose="02020603050405020304" pitchFamily="18" charset="0"/>
-                <a:cs typeface="Times New Roman" panose="02020603050405020304" pitchFamily="18" charset="0"/>
-              </a:rPr>
-              <a:t> </a:t>
-            </a:r>
-            <a:r>
-              <a:rPr lang="en-US" dirty="0" err="1">
-                <a:latin typeface="Times New Roman" panose="02020603050405020304" pitchFamily="18" charset="0"/>
-                <a:cs typeface="Times New Roman" panose="02020603050405020304" pitchFamily="18" charset="0"/>
-              </a:rPr>
-              <a:t>triển</a:t>
-            </a:r>
-            <a:r>
-              <a:rPr lang="en-US" dirty="0">
-                <a:latin typeface="Times New Roman" panose="02020603050405020304" pitchFamily="18" charset="0"/>
-                <a:cs typeface="Times New Roman" panose="02020603050405020304" pitchFamily="18" charset="0"/>
-              </a:rPr>
-              <a:t> </a:t>
-            </a:r>
-            <a:r>
-              <a:rPr lang="en-US" dirty="0" err="1">
-                <a:latin typeface="Times New Roman" panose="02020603050405020304" pitchFamily="18" charset="0"/>
-                <a:cs typeface="Times New Roman" panose="02020603050405020304" pitchFamily="18" charset="0"/>
-              </a:rPr>
-              <a:t>mạnh</a:t>
-            </a:r>
-            <a:r>
-              <a:rPr lang="en-US" dirty="0">
-                <a:latin typeface="Times New Roman" panose="02020603050405020304" pitchFamily="18" charset="0"/>
-                <a:cs typeface="Times New Roman" panose="02020603050405020304" pitchFamily="18" charset="0"/>
-              </a:rPr>
-              <a:t> mẽ </a:t>
-            </a:r>
-            <a:r>
-              <a:rPr lang="en-US" dirty="0" err="1">
-                <a:latin typeface="Times New Roman" panose="02020603050405020304" pitchFamily="18" charset="0"/>
-                <a:cs typeface="Times New Roman" panose="02020603050405020304" pitchFamily="18" charset="0"/>
-              </a:rPr>
-              <a:t>tại</a:t>
-            </a:r>
-            <a:r>
-              <a:rPr lang="en-US" dirty="0">
-                <a:latin typeface="Times New Roman" panose="02020603050405020304" pitchFamily="18" charset="0"/>
-                <a:cs typeface="Times New Roman" panose="02020603050405020304" pitchFamily="18" charset="0"/>
-              </a:rPr>
-              <a:t> </a:t>
-            </a:r>
-            <a:r>
-              <a:rPr lang="en-US" dirty="0" err="1">
-                <a:latin typeface="Times New Roman" panose="02020603050405020304" pitchFamily="18" charset="0"/>
-                <a:cs typeface="Times New Roman" panose="02020603050405020304" pitchFamily="18" charset="0"/>
-              </a:rPr>
-              <a:t>việt</a:t>
-            </a:r>
-            <a:r>
-              <a:rPr lang="en-US" dirty="0">
-                <a:latin typeface="Times New Roman" panose="02020603050405020304" pitchFamily="18" charset="0"/>
-                <a:cs typeface="Times New Roman" panose="02020603050405020304" pitchFamily="18" charset="0"/>
-              </a:rPr>
-              <a:t> </a:t>
-            </a:r>
-            <a:r>
-              <a:rPr lang="en-US" dirty="0" err="1">
-                <a:latin typeface="Times New Roman" panose="02020603050405020304" pitchFamily="18" charset="0"/>
-                <a:cs typeface="Times New Roman" panose="02020603050405020304" pitchFamily="18" charset="0"/>
-              </a:rPr>
-              <a:t>nam</a:t>
-            </a:r>
-            <a:endParaRPr lang="en-US" dirty="0">
-              <a:latin typeface="Times New Roman" panose="02020603050405020304" pitchFamily="18" charset="0"/>
-              <a:cs typeface="Times New Roman" panose="02020603050405020304" pitchFamily="18" charset="0"/>
-            </a:endParaRPr>
-          </a:p>
-          <a:p>
-            <a:r>
-              <a:rPr lang="en-US" dirty="0" err="1">
-                <a:latin typeface="Times New Roman" panose="02020603050405020304" pitchFamily="18" charset="0"/>
-                <a:cs typeface="Times New Roman" panose="02020603050405020304" pitchFamily="18" charset="0"/>
-              </a:rPr>
-              <a:t>Tính</a:t>
-            </a:r>
-            <a:r>
-              <a:rPr lang="en-US" dirty="0">
-                <a:latin typeface="Times New Roman" panose="02020603050405020304" pitchFamily="18" charset="0"/>
-                <a:cs typeface="Times New Roman" panose="02020603050405020304" pitchFamily="18" charset="0"/>
-              </a:rPr>
-              <a:t> </a:t>
-            </a:r>
-            <a:r>
-              <a:rPr lang="en-US" dirty="0" err="1">
-                <a:latin typeface="Times New Roman" panose="02020603050405020304" pitchFamily="18" charset="0"/>
-                <a:cs typeface="Times New Roman" panose="02020603050405020304" pitchFamily="18" charset="0"/>
-              </a:rPr>
-              <a:t>năng</a:t>
-            </a:r>
-            <a:r>
-              <a:rPr lang="en-US" dirty="0">
-                <a:latin typeface="Times New Roman" panose="02020603050405020304" pitchFamily="18" charset="0"/>
-                <a:cs typeface="Times New Roman" panose="02020603050405020304" pitchFamily="18" charset="0"/>
-              </a:rPr>
-              <a:t> t</a:t>
-            </a:r>
-            <a:r>
-              <a:rPr lang="vi-VN" dirty="0">
+              <a:t>Tính năng t</a:t>
+            </a:r>
+            <a:r>
+              <a:rPr lang="vi-VN" cap="none">
                 <a:latin typeface="Times New Roman" panose="02020603050405020304" pitchFamily="18" charset="0"/>
                 <a:cs typeface="Times New Roman" panose="02020603050405020304" pitchFamily="18" charset="0"/>
               </a:rPr>
               <a:t>ư</a:t>
             </a:r>
             <a:r>
-              <a:rPr lang="en-US" dirty="0" err="1">
+              <a:rPr lang="en-US" cap="none">
                 <a:latin typeface="Times New Roman" panose="02020603050405020304" pitchFamily="18" charset="0"/>
                 <a:cs typeface="Times New Roman" panose="02020603050405020304" pitchFamily="18" charset="0"/>
               </a:rPr>
-              <a:t>ơng</a:t>
-            </a:r>
-            <a:r>
-              <a:rPr lang="en-US" dirty="0">
-                <a:latin typeface="Times New Roman" panose="02020603050405020304" pitchFamily="18" charset="0"/>
-                <a:cs typeface="Times New Roman" panose="02020603050405020304" pitchFamily="18" charset="0"/>
-              </a:rPr>
-              <a:t> </a:t>
-            </a:r>
-            <a:r>
-              <a:rPr lang="en-US" dirty="0" err="1">
-                <a:latin typeface="Times New Roman" panose="02020603050405020304" pitchFamily="18" charset="0"/>
-                <a:cs typeface="Times New Roman" panose="02020603050405020304" pitchFamily="18" charset="0"/>
-              </a:rPr>
-              <a:t>thích</a:t>
-            </a:r>
-            <a:r>
-              <a:rPr lang="en-US" dirty="0">
-                <a:latin typeface="Times New Roman" panose="02020603050405020304" pitchFamily="18" charset="0"/>
-                <a:cs typeface="Times New Roman" panose="02020603050405020304" pitchFamily="18" charset="0"/>
-              </a:rPr>
-              <a:t>, </a:t>
-            </a:r>
-            <a:r>
-              <a:rPr lang="en-US" dirty="0" err="1">
-                <a:latin typeface="Times New Roman" panose="02020603050405020304" pitchFamily="18" charset="0"/>
-                <a:cs typeface="Times New Roman" panose="02020603050405020304" pitchFamily="18" charset="0"/>
-              </a:rPr>
-              <a:t>quảng</a:t>
-            </a:r>
-            <a:r>
-              <a:rPr lang="en-US" dirty="0">
-                <a:latin typeface="Times New Roman" panose="02020603050405020304" pitchFamily="18" charset="0"/>
-                <a:cs typeface="Times New Roman" panose="02020603050405020304" pitchFamily="18" charset="0"/>
-              </a:rPr>
-              <a:t> </a:t>
-            </a:r>
-            <a:r>
-              <a:rPr lang="en-US" dirty="0" err="1">
-                <a:latin typeface="Times New Roman" panose="02020603050405020304" pitchFamily="18" charset="0"/>
-                <a:cs typeface="Times New Roman" panose="02020603050405020304" pitchFamily="18" charset="0"/>
-              </a:rPr>
-              <a:t>cáo</a:t>
-            </a:r>
-            <a:r>
-              <a:rPr lang="en-US" dirty="0">
-                <a:latin typeface="Times New Roman" panose="02020603050405020304" pitchFamily="18" charset="0"/>
-                <a:cs typeface="Times New Roman" panose="02020603050405020304" pitchFamily="18" charset="0"/>
-              </a:rPr>
-              <a:t> </a:t>
-            </a:r>
-            <a:r>
-              <a:rPr lang="en-US" dirty="0" err="1">
-                <a:latin typeface="Times New Roman" panose="02020603050405020304" pitchFamily="18" charset="0"/>
-                <a:cs typeface="Times New Roman" panose="02020603050405020304" pitchFamily="18" charset="0"/>
-              </a:rPr>
-              <a:t>theo</a:t>
-            </a:r>
-            <a:r>
-              <a:rPr lang="en-US" dirty="0">
-                <a:latin typeface="Times New Roman" panose="02020603050405020304" pitchFamily="18" charset="0"/>
-                <a:cs typeface="Times New Roman" panose="02020603050405020304" pitchFamily="18" charset="0"/>
-              </a:rPr>
-              <a:t> </a:t>
-            </a:r>
-            <a:r>
-              <a:rPr lang="en-US" dirty="0" err="1">
-                <a:latin typeface="Times New Roman" panose="02020603050405020304" pitchFamily="18" charset="0"/>
-                <a:cs typeface="Times New Roman" panose="02020603050405020304" pitchFamily="18" charset="0"/>
-              </a:rPr>
-              <a:t>ngư</a:t>
-            </a:r>
-            <a:r>
-              <a:rPr lang="en-US" dirty="0">
-                <a:latin typeface="Times New Roman" panose="02020603050405020304" pitchFamily="18" charset="0"/>
-                <a:cs typeface="Times New Roman" panose="02020603050405020304" pitchFamily="18" charset="0"/>
-              </a:rPr>
-              <a:t>̃ </a:t>
-            </a:r>
-            <a:r>
-              <a:rPr lang="en-US" dirty="0" err="1">
-                <a:latin typeface="Times New Roman" panose="02020603050405020304" pitchFamily="18" charset="0"/>
-                <a:cs typeface="Times New Roman" panose="02020603050405020304" pitchFamily="18" charset="0"/>
-              </a:rPr>
-              <a:t>cảnh</a:t>
-            </a:r>
-            <a:r>
-              <a:rPr lang="en-US" dirty="0">
-                <a:latin typeface="Times New Roman" panose="02020603050405020304" pitchFamily="18" charset="0"/>
-                <a:cs typeface="Times New Roman" panose="02020603050405020304" pitchFamily="18" charset="0"/>
-              </a:rPr>
-              <a:t> </a:t>
-            </a:r>
-            <a:r>
-              <a:rPr lang="en-US" dirty="0" err="1">
-                <a:latin typeface="Times New Roman" panose="02020603050405020304" pitchFamily="18" charset="0"/>
-                <a:cs typeface="Times New Roman" panose="02020603050405020304" pitchFamily="18" charset="0"/>
-              </a:rPr>
-              <a:t>va</a:t>
-            </a:r>
-            <a:r>
-              <a:rPr lang="en-US" dirty="0">
-                <a:latin typeface="Times New Roman" panose="02020603050405020304" pitchFamily="18" charset="0"/>
-                <a:cs typeface="Times New Roman" panose="02020603050405020304" pitchFamily="18" charset="0"/>
-              </a:rPr>
-              <a:t>̀ </a:t>
-            </a:r>
-            <a:r>
-              <a:rPr lang="en-US" dirty="0" err="1">
-                <a:latin typeface="Times New Roman" panose="02020603050405020304" pitchFamily="18" charset="0"/>
-                <a:cs typeface="Times New Roman" panose="02020603050405020304" pitchFamily="18" charset="0"/>
-              </a:rPr>
-              <a:t>hành</a:t>
-            </a:r>
-            <a:r>
-              <a:rPr lang="en-US" dirty="0">
-                <a:latin typeface="Times New Roman" panose="02020603050405020304" pitchFamily="18" charset="0"/>
-                <a:cs typeface="Times New Roman" panose="02020603050405020304" pitchFamily="18" charset="0"/>
-              </a:rPr>
-              <a:t> vi ng</a:t>
-            </a:r>
-            <a:r>
-              <a:rPr lang="vi-VN" dirty="0">
+              <a:t>ơng thích, quảng cáo theo ngữ cảnh và hành vi ng</a:t>
+            </a:r>
+            <a:r>
+              <a:rPr lang="vi-VN" cap="none">
                 <a:latin typeface="Times New Roman" panose="02020603050405020304" pitchFamily="18" charset="0"/>
                 <a:cs typeface="Times New Roman" panose="02020603050405020304" pitchFamily="18" charset="0"/>
               </a:rPr>
               <a:t>ư</a:t>
             </a:r>
             <a:r>
-              <a:rPr lang="en-US" dirty="0" err="1">
+              <a:rPr lang="en-US" cap="none">
                 <a:latin typeface="Times New Roman" panose="02020603050405020304" pitchFamily="18" charset="0"/>
                 <a:cs typeface="Times New Roman" panose="02020603050405020304" pitchFamily="18" charset="0"/>
               </a:rPr>
-              <a:t>ời</a:t>
-            </a:r>
-            <a:r>
-              <a:rPr lang="en-US" dirty="0">
-                <a:latin typeface="Times New Roman" panose="02020603050405020304" pitchFamily="18" charset="0"/>
-                <a:cs typeface="Times New Roman" panose="02020603050405020304" pitchFamily="18" charset="0"/>
-              </a:rPr>
-              <a:t> </a:t>
-            </a:r>
-            <a:r>
-              <a:rPr lang="en-US" dirty="0" err="1">
-                <a:latin typeface="Times New Roman" panose="02020603050405020304" pitchFamily="18" charset="0"/>
-                <a:cs typeface="Times New Roman" panose="02020603050405020304" pitchFamily="18" charset="0"/>
-              </a:rPr>
-              <a:t>dùng</a:t>
-            </a:r>
-            <a:endParaRPr lang="en-US" dirty="0">
+              <a:t>ời dùng</a:t>
+            </a:r>
+            <a:endParaRPr lang="en-US" cap="none" dirty="0">
               <a:latin typeface="Times New Roman" panose="02020603050405020304" pitchFamily="18" charset="0"/>
               <a:cs typeface="Times New Roman" panose="02020603050405020304" pitchFamily="18" charset="0"/>
             </a:endParaRPr>
@@ -7549,6 +9711,349 @@
   <p:clrMapOvr>
     <a:masterClrMapping/>
   </p:clrMapOvr>
+  <mc:AlternateContent xmlns:mc="http://schemas.openxmlformats.org/markup-compatibility/2006">
+    <mc:Choice xmlns:p159="http://schemas.microsoft.com/office/powerpoint/2015/09/main" Requires="p159">
+      <p:transition xmlns:p14="http://schemas.microsoft.com/office/powerpoint/2010/main" spd="slow" p14:dur="2000">
+        <p159:morph option="byObject"/>
+      </p:transition>
+    </mc:Choice>
+    <mc:Fallback>
+      <p:transition spd="slow">
+        <p:fade/>
+      </p:transition>
+    </mc:Fallback>
+  </mc:AlternateContent>
+  <p:timing>
+    <p:tnLst>
+      <p:par>
+        <p:cTn id="1" dur="indefinite" restart="never" nodeType="tmRoot">
+          <p:childTnLst>
+            <p:seq concurrent="1" nextAc="seek">
+              <p:cTn id="2" dur="indefinite" nodeType="mainSeq">
+                <p:childTnLst>
+                  <p:par>
+                    <p:cTn id="3" fill="hold">
+                      <p:stCondLst>
+                        <p:cond delay="indefinite"/>
+                      </p:stCondLst>
+                      <p:childTnLst>
+                        <p:par>
+                          <p:cTn id="4" fill="hold">
+                            <p:stCondLst>
+                              <p:cond delay="0"/>
+                            </p:stCondLst>
+                            <p:childTnLst>
+                              <p:par>
+                                <p:cTn id="5" presetID="16" presetClass="entr" presetSubtype="21" fill="hold" grpId="0" nodeType="clickEffect">
+                                  <p:stCondLst>
+                                    <p:cond delay="0"/>
+                                  </p:stCondLst>
+                                  <p:childTnLst>
+                                    <p:set>
+                                      <p:cBhvr>
+                                        <p:cTn id="6" dur="1" fill="hold">
+                                          <p:stCondLst>
+                                            <p:cond delay="0"/>
+                                          </p:stCondLst>
+                                        </p:cTn>
+                                        <p:tgtEl>
+                                          <p:spTgt spid="2"/>
+                                        </p:tgtEl>
+                                        <p:attrNameLst>
+                                          <p:attrName>style.visibility</p:attrName>
+                                        </p:attrNameLst>
+                                      </p:cBhvr>
+                                      <p:to>
+                                        <p:strVal val="visible"/>
+                                      </p:to>
+                                    </p:set>
+                                    <p:animEffect transition="in" filter="barn(inVertical)">
+                                      <p:cBhvr>
+                                        <p:cTn id="7" dur="500"/>
+                                        <p:tgtEl>
+                                          <p:spTgt spid="2"/>
+                                        </p:tgtEl>
+                                      </p:cBhvr>
+                                    </p:animEffect>
+                                  </p:childTnLst>
+                                </p:cTn>
+                              </p:par>
+                            </p:childTnLst>
+                          </p:cTn>
+                        </p:par>
+                      </p:childTnLst>
+                    </p:cTn>
+                  </p:par>
+                  <p:par>
+                    <p:cTn id="8" fill="hold">
+                      <p:stCondLst>
+                        <p:cond delay="indefinite"/>
+                      </p:stCondLst>
+                      <p:childTnLst>
+                        <p:par>
+                          <p:cTn id="9" fill="hold">
+                            <p:stCondLst>
+                              <p:cond delay="0"/>
+                            </p:stCondLst>
+                            <p:childTnLst>
+                              <p:par>
+                                <p:cTn id="10" presetID="14" presetClass="entr" presetSubtype="10" fill="hold" grpId="0" nodeType="clickEffect">
+                                  <p:stCondLst>
+                                    <p:cond delay="0"/>
+                                  </p:stCondLst>
+                                  <p:childTnLst>
+                                    <p:set>
+                                      <p:cBhvr>
+                                        <p:cTn id="11" dur="1" fill="hold">
+                                          <p:stCondLst>
+                                            <p:cond delay="0"/>
+                                          </p:stCondLst>
+                                        </p:cTn>
+                                        <p:tgtEl>
+                                          <p:spTgt spid="3">
+                                            <p:txEl>
+                                              <p:pRg st="0" end="0"/>
+                                            </p:txEl>
+                                          </p:spTgt>
+                                        </p:tgtEl>
+                                        <p:attrNameLst>
+                                          <p:attrName>style.visibility</p:attrName>
+                                        </p:attrNameLst>
+                                      </p:cBhvr>
+                                      <p:to>
+                                        <p:strVal val="visible"/>
+                                      </p:to>
+                                    </p:set>
+                                    <p:animEffect transition="in" filter="randombar(horizontal)">
+                                      <p:cBhvr>
+                                        <p:cTn id="12" dur="500"/>
+                                        <p:tgtEl>
+                                          <p:spTgt spid="3">
+                                            <p:txEl>
+                                              <p:pRg st="0" end="0"/>
+                                            </p:txEl>
+                                          </p:spTgt>
+                                        </p:tgtEl>
+                                      </p:cBhvr>
+                                    </p:animEffect>
+                                  </p:childTnLst>
+                                </p:cTn>
+                              </p:par>
+                            </p:childTnLst>
+                          </p:cTn>
+                        </p:par>
+                      </p:childTnLst>
+                    </p:cTn>
+                  </p:par>
+                  <p:par>
+                    <p:cTn id="13" fill="hold">
+                      <p:stCondLst>
+                        <p:cond delay="indefinite"/>
+                      </p:stCondLst>
+                      <p:childTnLst>
+                        <p:par>
+                          <p:cTn id="14" fill="hold">
+                            <p:stCondLst>
+                              <p:cond delay="0"/>
+                            </p:stCondLst>
+                            <p:childTnLst>
+                              <p:par>
+                                <p:cTn id="15" presetID="14" presetClass="entr" presetSubtype="10" fill="hold" grpId="0" nodeType="clickEffect">
+                                  <p:stCondLst>
+                                    <p:cond delay="0"/>
+                                  </p:stCondLst>
+                                  <p:childTnLst>
+                                    <p:set>
+                                      <p:cBhvr>
+                                        <p:cTn id="16" dur="1" fill="hold">
+                                          <p:stCondLst>
+                                            <p:cond delay="0"/>
+                                          </p:stCondLst>
+                                        </p:cTn>
+                                        <p:tgtEl>
+                                          <p:spTgt spid="3">
+                                            <p:txEl>
+                                              <p:pRg st="1" end="1"/>
+                                            </p:txEl>
+                                          </p:spTgt>
+                                        </p:tgtEl>
+                                        <p:attrNameLst>
+                                          <p:attrName>style.visibility</p:attrName>
+                                        </p:attrNameLst>
+                                      </p:cBhvr>
+                                      <p:to>
+                                        <p:strVal val="visible"/>
+                                      </p:to>
+                                    </p:set>
+                                    <p:animEffect transition="in" filter="randombar(horizontal)">
+                                      <p:cBhvr>
+                                        <p:cTn id="17" dur="500"/>
+                                        <p:tgtEl>
+                                          <p:spTgt spid="3">
+                                            <p:txEl>
+                                              <p:pRg st="1" end="1"/>
+                                            </p:txEl>
+                                          </p:spTgt>
+                                        </p:tgtEl>
+                                      </p:cBhvr>
+                                    </p:animEffect>
+                                  </p:childTnLst>
+                                </p:cTn>
+                              </p:par>
+                            </p:childTnLst>
+                          </p:cTn>
+                        </p:par>
+                      </p:childTnLst>
+                    </p:cTn>
+                  </p:par>
+                  <p:par>
+                    <p:cTn id="18" fill="hold">
+                      <p:stCondLst>
+                        <p:cond delay="indefinite"/>
+                      </p:stCondLst>
+                      <p:childTnLst>
+                        <p:par>
+                          <p:cTn id="19" fill="hold">
+                            <p:stCondLst>
+                              <p:cond delay="0"/>
+                            </p:stCondLst>
+                            <p:childTnLst>
+                              <p:par>
+                                <p:cTn id="20" presetID="14" presetClass="entr" presetSubtype="10" fill="hold" grpId="0" nodeType="clickEffect">
+                                  <p:stCondLst>
+                                    <p:cond delay="0"/>
+                                  </p:stCondLst>
+                                  <p:childTnLst>
+                                    <p:set>
+                                      <p:cBhvr>
+                                        <p:cTn id="21" dur="1" fill="hold">
+                                          <p:stCondLst>
+                                            <p:cond delay="0"/>
+                                          </p:stCondLst>
+                                        </p:cTn>
+                                        <p:tgtEl>
+                                          <p:spTgt spid="3">
+                                            <p:txEl>
+                                              <p:pRg st="2" end="2"/>
+                                            </p:txEl>
+                                          </p:spTgt>
+                                        </p:tgtEl>
+                                        <p:attrNameLst>
+                                          <p:attrName>style.visibility</p:attrName>
+                                        </p:attrNameLst>
+                                      </p:cBhvr>
+                                      <p:to>
+                                        <p:strVal val="visible"/>
+                                      </p:to>
+                                    </p:set>
+                                    <p:animEffect transition="in" filter="randombar(horizontal)">
+                                      <p:cBhvr>
+                                        <p:cTn id="22" dur="500"/>
+                                        <p:tgtEl>
+                                          <p:spTgt spid="3">
+                                            <p:txEl>
+                                              <p:pRg st="2" end="2"/>
+                                            </p:txEl>
+                                          </p:spTgt>
+                                        </p:tgtEl>
+                                      </p:cBhvr>
+                                    </p:animEffect>
+                                  </p:childTnLst>
+                                </p:cTn>
+                              </p:par>
+                            </p:childTnLst>
+                          </p:cTn>
+                        </p:par>
+                      </p:childTnLst>
+                    </p:cTn>
+                  </p:par>
+                  <p:par>
+                    <p:cTn id="23" fill="hold">
+                      <p:stCondLst>
+                        <p:cond delay="indefinite"/>
+                      </p:stCondLst>
+                      <p:childTnLst>
+                        <p:par>
+                          <p:cTn id="24" fill="hold">
+                            <p:stCondLst>
+                              <p:cond delay="0"/>
+                            </p:stCondLst>
+                            <p:childTnLst>
+                              <p:par>
+                                <p:cTn id="25" presetID="14" presetClass="entr" presetSubtype="10" fill="hold" grpId="0" nodeType="clickEffect">
+                                  <p:stCondLst>
+                                    <p:cond delay="0"/>
+                                  </p:stCondLst>
+                                  <p:childTnLst>
+                                    <p:set>
+                                      <p:cBhvr>
+                                        <p:cTn id="26" dur="1" fill="hold">
+                                          <p:stCondLst>
+                                            <p:cond delay="0"/>
+                                          </p:stCondLst>
+                                        </p:cTn>
+                                        <p:tgtEl>
+                                          <p:spTgt spid="3">
+                                            <p:txEl>
+                                              <p:pRg st="3" end="3"/>
+                                            </p:txEl>
+                                          </p:spTgt>
+                                        </p:tgtEl>
+                                        <p:attrNameLst>
+                                          <p:attrName>style.visibility</p:attrName>
+                                        </p:attrNameLst>
+                                      </p:cBhvr>
+                                      <p:to>
+                                        <p:strVal val="visible"/>
+                                      </p:to>
+                                    </p:set>
+                                    <p:animEffect transition="in" filter="randombar(horizontal)">
+                                      <p:cBhvr>
+                                        <p:cTn id="27" dur="500"/>
+                                        <p:tgtEl>
+                                          <p:spTgt spid="3">
+                                            <p:txEl>
+                                              <p:pRg st="3" end="3"/>
+                                            </p:txEl>
+                                          </p:spTgt>
+                                        </p:tgtEl>
+                                      </p:cBhvr>
+                                    </p:animEffect>
+                                  </p:childTnLst>
+                                </p:cTn>
+                              </p:par>
+                            </p:childTnLst>
+                          </p:cTn>
+                        </p:par>
+                      </p:childTnLst>
+                    </p:cTn>
+                  </p:par>
+                </p:childTnLst>
+              </p:cTn>
+              <p:prevCondLst>
+                <p:cond evt="onPrev" delay="0">
+                  <p:tgtEl>
+                    <p:sldTgt/>
+                  </p:tgtEl>
+                </p:cond>
+              </p:prevCondLst>
+              <p:nextCondLst>
+                <p:cond evt="onNext" delay="0">
+                  <p:tgtEl>
+                    <p:sldTgt/>
+                  </p:tgtEl>
+                </p:cond>
+              </p:nextCondLst>
+            </p:seq>
+          </p:childTnLst>
+        </p:cTn>
+      </p:par>
+    </p:tnLst>
+    <p:bldLst>
+      <p:bldP spid="2" grpId="0"/>
+      <p:bldP spid="3" grpId="0" build="p"/>
+    </p:bldLst>
+  </p:timing>
 </p:sld>
 </file>
 
@@ -7593,18 +10098,11 @@
           <a:lstStyle/>
           <a:p>
             <a:r>
-              <a:rPr lang="en-US" sz="4400" dirty="0" err="1">
+              <a:rPr lang="en-US" sz="4400">
                 <a:latin typeface="Times New Roman" panose="02020603050405020304" pitchFamily="18" charset="0"/>
                 <a:cs typeface="Times New Roman" panose="02020603050405020304" pitchFamily="18" charset="0"/>
               </a:rPr>
-              <a:t>Các</a:t>
-            </a:r>
-            <a:r>
-              <a:rPr lang="en-US" sz="4400" dirty="0">
-                <a:latin typeface="Times New Roman" panose="02020603050405020304" pitchFamily="18" charset="0"/>
-                <a:cs typeface="Times New Roman" panose="02020603050405020304" pitchFamily="18" charset="0"/>
-              </a:rPr>
-              <a:t> </a:t>
+              <a:t>2. Các </a:t>
             </a:r>
             <a:r>
               <a:rPr lang="en-US" sz="4400" dirty="0" err="1">
@@ -7658,25 +10156,11 @@
           <a:lstStyle/>
           <a:p>
             <a:r>
-              <a:rPr lang="en-US" sz="2400" dirty="0">
+              <a:rPr lang="en-US" sz="2400" cap="none">
                 <a:latin typeface="Times New Roman" panose="02020603050405020304" pitchFamily="18" charset="0"/>
                 <a:cs typeface="Times New Roman" panose="02020603050405020304" pitchFamily="18" charset="0"/>
               </a:rPr>
-              <a:t>Có 2 </a:t>
-            </a:r>
-            <a:r>
-              <a:rPr lang="en-US" sz="2400" dirty="0" err="1">
-                <a:latin typeface="Times New Roman" panose="02020603050405020304" pitchFamily="18" charset="0"/>
-                <a:cs typeface="Times New Roman" panose="02020603050405020304" pitchFamily="18" charset="0"/>
-              </a:rPr>
-              <a:t>loại</a:t>
-            </a:r>
-            <a:r>
-              <a:rPr lang="en-US" sz="2400" dirty="0">
-                <a:latin typeface="Times New Roman" panose="02020603050405020304" pitchFamily="18" charset="0"/>
-                <a:cs typeface="Times New Roman" panose="02020603050405020304" pitchFamily="18" charset="0"/>
-              </a:rPr>
-              <a:t>: </a:t>
+              <a:t>Có 2 loại: </a:t>
             </a:r>
           </a:p>
           <a:p>
@@ -7685,39 +10169,11 @@
               <a:buChar char="Ø"/>
             </a:pPr>
             <a:r>
-              <a:rPr lang="en-US" sz="2400" dirty="0">
+              <a:rPr lang="en-US" sz="2400" cap="none">
                 <a:latin typeface="Times New Roman" panose="02020603050405020304" pitchFamily="18" charset="0"/>
                 <a:cs typeface="Times New Roman" panose="02020603050405020304" pitchFamily="18" charset="0"/>
               </a:rPr>
-              <a:t>Google </a:t>
-            </a:r>
-            <a:r>
-              <a:rPr lang="en-US" sz="2400" dirty="0" err="1">
-                <a:latin typeface="Times New Roman" panose="02020603050405020304" pitchFamily="18" charset="0"/>
-                <a:cs typeface="Times New Roman" panose="02020603050405020304" pitchFamily="18" charset="0"/>
-              </a:rPr>
-              <a:t>Adsense</a:t>
-            </a:r>
-            <a:r>
-              <a:rPr lang="en-US" sz="2400" dirty="0">
-                <a:latin typeface="Times New Roman" panose="02020603050405020304" pitchFamily="18" charset="0"/>
-                <a:cs typeface="Times New Roman" panose="02020603050405020304" pitchFamily="18" charset="0"/>
-              </a:rPr>
-              <a:t> Hosted(blogger; </a:t>
-            </a:r>
-            <a:r>
-              <a:rPr lang="en-US" sz="2400" dirty="0" err="1">
-                <a:latin typeface="Times New Roman" panose="02020603050405020304" pitchFamily="18" charset="0"/>
-                <a:cs typeface="Times New Roman" panose="02020603050405020304" pitchFamily="18" charset="0"/>
-              </a:rPr>
-              <a:t>youtobe</a:t>
-            </a:r>
-            <a:r>
-              <a:rPr lang="en-US" sz="2400" dirty="0">
-                <a:latin typeface="Times New Roman" panose="02020603050405020304" pitchFamily="18" charset="0"/>
-                <a:cs typeface="Times New Roman" panose="02020603050405020304" pitchFamily="18" charset="0"/>
-              </a:rPr>
-              <a:t>)</a:t>
+              <a:t>Google adsense hosted(blogger; youtobe)</a:t>
             </a:r>
           </a:p>
           <a:p>
@@ -7726,26 +10182,16 @@
               <a:buChar char="Ø"/>
             </a:pPr>
             <a:r>
-              <a:rPr lang="en-US" sz="2400" dirty="0">
+              <a:rPr lang="en-US" sz="2400" cap="none">
                 <a:latin typeface="Times New Roman" panose="02020603050405020304" pitchFamily="18" charset="0"/>
                 <a:cs typeface="Times New Roman" panose="02020603050405020304" pitchFamily="18" charset="0"/>
               </a:rPr>
-              <a:t>Google </a:t>
-            </a:r>
-            <a:r>
-              <a:rPr lang="en-US" sz="2400" dirty="0" err="1">
-                <a:latin typeface="Times New Roman" panose="02020603050405020304" pitchFamily="18" charset="0"/>
-                <a:cs typeface="Times New Roman" panose="02020603050405020304" pitchFamily="18" charset="0"/>
-              </a:rPr>
-              <a:t>Adsense</a:t>
-            </a:r>
-            <a:r>
-              <a:rPr lang="en-US" sz="2400" dirty="0">
-                <a:latin typeface="Times New Roman" panose="02020603050405020304" pitchFamily="18" charset="0"/>
-                <a:cs typeface="Times New Roman" panose="02020603050405020304" pitchFamily="18" charset="0"/>
-              </a:rPr>
-              <a:t> Content(website)</a:t>
-            </a:r>
+              <a:t>Google adsense content(website)</a:t>
+            </a:r>
+            <a:endParaRPr lang="en-US" sz="2400" cap="none" dirty="0">
+              <a:latin typeface="Times New Roman" panose="02020603050405020304" pitchFamily="18" charset="0"/>
+              <a:cs typeface="Times New Roman" panose="02020603050405020304" pitchFamily="18" charset="0"/>
+            </a:endParaRPr>
           </a:p>
         </p:txBody>
       </p:sp>
@@ -7759,6 +10205,325 @@
   <p:clrMapOvr>
     <a:masterClrMapping/>
   </p:clrMapOvr>
+  <mc:AlternateContent xmlns:mc="http://schemas.openxmlformats.org/markup-compatibility/2006">
+    <mc:Choice xmlns:p14="http://schemas.microsoft.com/office/powerpoint/2010/main" Requires="p14">
+      <p:transition spd="med" p14:dur="700">
+        <p:fade/>
+      </p:transition>
+    </mc:Choice>
+    <mc:Fallback>
+      <p:transition spd="med">
+        <p:fade/>
+      </p:transition>
+    </mc:Fallback>
+  </mc:AlternateContent>
+  <p:timing>
+    <p:tnLst>
+      <p:par>
+        <p:cTn id="1" dur="indefinite" restart="never" nodeType="tmRoot">
+          <p:childTnLst>
+            <p:seq concurrent="1" nextAc="seek">
+              <p:cTn id="2" dur="indefinite" nodeType="mainSeq">
+                <p:childTnLst>
+                  <p:par>
+                    <p:cTn id="3" fill="hold">
+                      <p:stCondLst>
+                        <p:cond delay="indefinite"/>
+                      </p:stCondLst>
+                      <p:childTnLst>
+                        <p:par>
+                          <p:cTn id="4" fill="hold">
+                            <p:stCondLst>
+                              <p:cond delay="0"/>
+                            </p:stCondLst>
+                            <p:childTnLst>
+                              <p:par>
+                                <p:cTn id="5" presetID="2" presetClass="entr" presetSubtype="4" fill="hold" grpId="0" nodeType="clickEffect">
+                                  <p:stCondLst>
+                                    <p:cond delay="0"/>
+                                  </p:stCondLst>
+                                  <p:childTnLst>
+                                    <p:set>
+                                      <p:cBhvr>
+                                        <p:cTn id="6" dur="1" fill="hold">
+                                          <p:stCondLst>
+                                            <p:cond delay="0"/>
+                                          </p:stCondLst>
+                                        </p:cTn>
+                                        <p:tgtEl>
+                                          <p:spTgt spid="2"/>
+                                        </p:tgtEl>
+                                        <p:attrNameLst>
+                                          <p:attrName>style.visibility</p:attrName>
+                                        </p:attrNameLst>
+                                      </p:cBhvr>
+                                      <p:to>
+                                        <p:strVal val="visible"/>
+                                      </p:to>
+                                    </p:set>
+                                    <p:anim calcmode="lin" valueType="num">
+                                      <p:cBhvr additive="base">
+                                        <p:cTn id="7" dur="500" fill="hold"/>
+                                        <p:tgtEl>
+                                          <p:spTgt spid="2"/>
+                                        </p:tgtEl>
+                                        <p:attrNameLst>
+                                          <p:attrName>ppt_x</p:attrName>
+                                        </p:attrNameLst>
+                                      </p:cBhvr>
+                                      <p:tavLst>
+                                        <p:tav tm="0">
+                                          <p:val>
+                                            <p:strVal val="#ppt_x"/>
+                                          </p:val>
+                                        </p:tav>
+                                        <p:tav tm="100000">
+                                          <p:val>
+                                            <p:strVal val="#ppt_x"/>
+                                          </p:val>
+                                        </p:tav>
+                                      </p:tavLst>
+                                    </p:anim>
+                                    <p:anim calcmode="lin" valueType="num">
+                                      <p:cBhvr additive="base">
+                                        <p:cTn id="8" dur="500" fill="hold"/>
+                                        <p:tgtEl>
+                                          <p:spTgt spid="2"/>
+                                        </p:tgtEl>
+                                        <p:attrNameLst>
+                                          <p:attrName>ppt_y</p:attrName>
+                                        </p:attrNameLst>
+                                      </p:cBhvr>
+                                      <p:tavLst>
+                                        <p:tav tm="0">
+                                          <p:val>
+                                            <p:strVal val="1+#ppt_h/2"/>
+                                          </p:val>
+                                        </p:tav>
+                                        <p:tav tm="100000">
+                                          <p:val>
+                                            <p:strVal val="#ppt_y"/>
+                                          </p:val>
+                                        </p:tav>
+                                      </p:tavLst>
+                                    </p:anim>
+                                  </p:childTnLst>
+                                </p:cTn>
+                              </p:par>
+                            </p:childTnLst>
+                          </p:cTn>
+                        </p:par>
+                      </p:childTnLst>
+                    </p:cTn>
+                  </p:par>
+                  <p:par>
+                    <p:cTn id="9" fill="hold">
+                      <p:stCondLst>
+                        <p:cond delay="indefinite"/>
+                      </p:stCondLst>
+                      <p:childTnLst>
+                        <p:par>
+                          <p:cTn id="10" fill="hold">
+                            <p:stCondLst>
+                              <p:cond delay="0"/>
+                            </p:stCondLst>
+                            <p:childTnLst>
+                              <p:par>
+                                <p:cTn id="11" presetID="10" presetClass="entr" presetSubtype="0" fill="hold" nodeType="clickEffect">
+                                  <p:stCondLst>
+                                    <p:cond delay="0"/>
+                                  </p:stCondLst>
+                                  <p:childTnLst>
+                                    <p:set>
+                                      <p:cBhvr>
+                                        <p:cTn id="12" dur="1" fill="hold">
+                                          <p:stCondLst>
+                                            <p:cond delay="0"/>
+                                          </p:stCondLst>
+                                        </p:cTn>
+                                        <p:tgtEl>
+                                          <p:spTgt spid="3">
+                                            <p:txEl>
+                                              <p:pRg st="0" end="0"/>
+                                            </p:txEl>
+                                          </p:spTgt>
+                                        </p:tgtEl>
+                                        <p:attrNameLst>
+                                          <p:attrName>style.visibility</p:attrName>
+                                        </p:attrNameLst>
+                                      </p:cBhvr>
+                                      <p:to>
+                                        <p:strVal val="visible"/>
+                                      </p:to>
+                                    </p:set>
+                                    <p:animEffect transition="in" filter="fade">
+                                      <p:cBhvr>
+                                        <p:cTn id="13" dur="500"/>
+                                        <p:tgtEl>
+                                          <p:spTgt spid="3">
+                                            <p:txEl>
+                                              <p:pRg st="0" end="0"/>
+                                            </p:txEl>
+                                          </p:spTgt>
+                                        </p:tgtEl>
+                                      </p:cBhvr>
+                                    </p:animEffect>
+                                  </p:childTnLst>
+                                </p:cTn>
+                              </p:par>
+                            </p:childTnLst>
+                          </p:cTn>
+                        </p:par>
+                      </p:childTnLst>
+                    </p:cTn>
+                  </p:par>
+                  <p:par>
+                    <p:cTn id="14" fill="hold">
+                      <p:stCondLst>
+                        <p:cond delay="indefinite"/>
+                      </p:stCondLst>
+                      <p:childTnLst>
+                        <p:par>
+                          <p:cTn id="15" fill="hold">
+                            <p:stCondLst>
+                              <p:cond delay="0"/>
+                            </p:stCondLst>
+                            <p:childTnLst>
+                              <p:par>
+                                <p:cTn id="16" presetID="10" presetClass="entr" presetSubtype="0" fill="hold" nodeType="clickEffect">
+                                  <p:stCondLst>
+                                    <p:cond delay="0"/>
+                                  </p:stCondLst>
+                                  <p:childTnLst>
+                                    <p:set>
+                                      <p:cBhvr>
+                                        <p:cTn id="17" dur="1" fill="hold">
+                                          <p:stCondLst>
+                                            <p:cond delay="0"/>
+                                          </p:stCondLst>
+                                        </p:cTn>
+                                        <p:tgtEl>
+                                          <p:spTgt spid="3">
+                                            <p:txEl>
+                                              <p:pRg st="1" end="1"/>
+                                            </p:txEl>
+                                          </p:spTgt>
+                                        </p:tgtEl>
+                                        <p:attrNameLst>
+                                          <p:attrName>style.visibility</p:attrName>
+                                        </p:attrNameLst>
+                                      </p:cBhvr>
+                                      <p:to>
+                                        <p:strVal val="visible"/>
+                                      </p:to>
+                                    </p:set>
+                                    <p:animEffect transition="in" filter="fade">
+                                      <p:cBhvr>
+                                        <p:cTn id="18" dur="500"/>
+                                        <p:tgtEl>
+                                          <p:spTgt spid="3">
+                                            <p:txEl>
+                                              <p:pRg st="1" end="1"/>
+                                            </p:txEl>
+                                          </p:spTgt>
+                                        </p:tgtEl>
+                                      </p:cBhvr>
+                                    </p:animEffect>
+                                  </p:childTnLst>
+                                </p:cTn>
+                              </p:par>
+                            </p:childTnLst>
+                          </p:cTn>
+                        </p:par>
+                      </p:childTnLst>
+                    </p:cTn>
+                  </p:par>
+                  <p:par>
+                    <p:cTn id="19" fill="hold">
+                      <p:stCondLst>
+                        <p:cond delay="indefinite"/>
+                      </p:stCondLst>
+                      <p:childTnLst>
+                        <p:par>
+                          <p:cTn id="20" fill="hold">
+                            <p:stCondLst>
+                              <p:cond delay="0"/>
+                            </p:stCondLst>
+                            <p:childTnLst>
+                              <p:par>
+                                <p:cTn id="21" presetID="10" presetClass="entr" presetSubtype="0" fill="hold" nodeType="clickEffect">
+                                  <p:stCondLst>
+                                    <p:cond delay="0"/>
+                                  </p:stCondLst>
+                                  <p:childTnLst>
+                                    <p:set>
+                                      <p:cBhvr>
+                                        <p:cTn id="22" dur="1" fill="hold">
+                                          <p:stCondLst>
+                                            <p:cond delay="0"/>
+                                          </p:stCondLst>
+                                        </p:cTn>
+                                        <p:tgtEl>
+                                          <p:spTgt spid="3">
+                                            <p:txEl>
+                                              <p:pRg st="2" end="2"/>
+                                            </p:txEl>
+                                          </p:spTgt>
+                                        </p:tgtEl>
+                                        <p:attrNameLst>
+                                          <p:attrName>style.visibility</p:attrName>
+                                        </p:attrNameLst>
+                                      </p:cBhvr>
+                                      <p:to>
+                                        <p:strVal val="visible"/>
+                                      </p:to>
+                                    </p:set>
+                                    <p:animEffect transition="in" filter="fade">
+                                      <p:cBhvr>
+                                        <p:cTn id="23" dur="500"/>
+                                        <p:tgtEl>
+                                          <p:spTgt spid="3">
+                                            <p:txEl>
+                                              <p:pRg st="2" end="2"/>
+                                            </p:txEl>
+                                          </p:spTgt>
+                                        </p:tgtEl>
+                                      </p:cBhvr>
+                                    </p:animEffect>
+                                  </p:childTnLst>
+                                </p:cTn>
+                              </p:par>
+                            </p:childTnLst>
+                          </p:cTn>
+                        </p:par>
+                      </p:childTnLst>
+                    </p:cTn>
+                  </p:par>
+                </p:childTnLst>
+              </p:cTn>
+              <p:prevCondLst>
+                <p:cond evt="onPrev" delay="0">
+                  <p:tgtEl>
+                    <p:sldTgt/>
+                  </p:tgtEl>
+                </p:cond>
+              </p:prevCondLst>
+              <p:nextCondLst>
+                <p:cond evt="onNext" delay="0">
+                  <p:tgtEl>
+                    <p:sldTgt/>
+                  </p:tgtEl>
+                </p:cond>
+              </p:nextCondLst>
+            </p:seq>
+          </p:childTnLst>
+        </p:cTn>
+      </p:par>
+    </p:tnLst>
+    <p:bldLst>
+      <p:bldP spid="2" grpId="0"/>
+    </p:bldLst>
+  </p:timing>
 </p:sld>
 </file>
 
@@ -7808,18 +10573,11 @@
           <a:lstStyle/>
           <a:p>
             <a:r>
-              <a:rPr lang="en-US" sz="4400" dirty="0" err="1">
+              <a:rPr lang="en-US" sz="4400">
                 <a:latin typeface="Times New Roman" panose="02020603050405020304" pitchFamily="18" charset="0"/>
                 <a:cs typeface="Times New Roman" panose="02020603050405020304" pitchFamily="18" charset="0"/>
               </a:rPr>
-              <a:t>Những</a:t>
-            </a:r>
-            <a:r>
-              <a:rPr lang="en-US" sz="4400" dirty="0">
-                <a:latin typeface="Times New Roman" panose="02020603050405020304" pitchFamily="18" charset="0"/>
-                <a:cs typeface="Times New Roman" panose="02020603050405020304" pitchFamily="18" charset="0"/>
-              </a:rPr>
-              <a:t> </a:t>
+              <a:t>3. Những </a:t>
             </a:r>
             <a:r>
               <a:rPr lang="en-US" sz="4400" dirty="0" err="1">
@@ -7875,387 +10633,74 @@
           </a:xfrm>
         </p:spPr>
         <p:txBody>
-          <a:bodyPr/>
+          <a:bodyPr>
+            <a:normAutofit/>
+          </a:bodyPr>
           <a:lstStyle/>
           <a:p>
             <a:r>
-              <a:rPr lang="vi-VN" b="1" dirty="0">
+              <a:rPr lang="vi-VN" sz="2400" b="1" cap="none">
                 <a:latin typeface="+mj-lt"/>
                 <a:cs typeface="Arial" panose="020B0604020202020204" pitchFamily="34" charset="0"/>
               </a:rPr>
-              <a:t>CPC (Cost Per Click): </a:t>
-            </a:r>
-            <a:r>
-              <a:rPr lang="vi-VN" dirty="0">
+              <a:t>CPC (cost per click): </a:t>
+            </a:r>
+            <a:r>
+              <a:rPr lang="vi-VN" sz="2400" cap="none">
                 <a:latin typeface="+mj-lt"/>
                 <a:cs typeface="Arial" panose="020B0604020202020204" pitchFamily="34" charset="0"/>
               </a:rPr>
-              <a:t>Đây chính là giá tiền mà bạn nhận được trên mỗi 1 click vào quảng cáo. </a:t>
-            </a:r>
-            <a:endParaRPr lang="en-US" dirty="0">
+              <a:t>đây chính là giá tiền mà bạn nhận được trên mỗi 1 click vào quảng cáo. </a:t>
+            </a:r>
+            <a:endParaRPr lang="en-US" sz="2400" cap="none">
               <a:latin typeface="+mj-lt"/>
               <a:cs typeface="Arial" panose="020B0604020202020204" pitchFamily="34" charset="0"/>
             </a:endParaRPr>
           </a:p>
           <a:p>
             <a:r>
-              <a:rPr lang="vi-VN" b="1" dirty="0">
+              <a:rPr lang="vi-VN" sz="2400" b="1" cap="none">
                 <a:latin typeface="+mj-lt"/>
                 <a:cs typeface="Arial" panose="020B0604020202020204" pitchFamily="34" charset="0"/>
               </a:rPr>
-              <a:t>CPM (Cost per 1000 impressions)</a:t>
-            </a:r>
-            <a:r>
-              <a:rPr lang="vi-VN" dirty="0">
+              <a:t>Cpm (cost per 1000 impressions)</a:t>
+            </a:r>
+            <a:r>
+              <a:rPr lang="vi-VN" sz="2400" cap="none">
                 <a:latin typeface="+mj-lt"/>
                 <a:cs typeface="Arial" panose="020B0604020202020204" pitchFamily="34" charset="0"/>
               </a:rPr>
               <a:t>:</a:t>
             </a:r>
             <a:r>
-              <a:rPr lang="en-US" dirty="0">
+              <a:rPr lang="en-US" sz="2400" cap="none">
                 <a:latin typeface="+mj-lt"/>
                 <a:cs typeface="Arial" panose="020B0604020202020204" pitchFamily="34" charset="0"/>
               </a:rPr>
               <a:t>  </a:t>
             </a:r>
             <a:r>
-              <a:rPr lang="en-US" dirty="0" err="1">
+              <a:rPr lang="en-US" sz="2400" cap="none">
                 <a:latin typeface="Times New Roman" panose="02020603050405020304" pitchFamily="18" charset="0"/>
                 <a:cs typeface="Times New Roman" panose="02020603050405020304" pitchFamily="18" charset="0"/>
               </a:rPr>
-              <a:t>gia</a:t>
-            </a:r>
-            <a:r>
-              <a:rPr lang="en-US" dirty="0">
-                <a:latin typeface="Times New Roman" panose="02020603050405020304" pitchFamily="18" charset="0"/>
-                <a:cs typeface="Times New Roman" panose="02020603050405020304" pitchFamily="18" charset="0"/>
-              </a:rPr>
-              <a:t>́ </a:t>
-            </a:r>
-            <a:r>
-              <a:rPr lang="en-US" dirty="0" err="1">
-                <a:latin typeface="Times New Roman" panose="02020603050405020304" pitchFamily="18" charset="0"/>
-                <a:cs typeface="Times New Roman" panose="02020603050405020304" pitchFamily="18" charset="0"/>
-              </a:rPr>
-              <a:t>mỗi</a:t>
-            </a:r>
-            <a:r>
-              <a:rPr lang="en-US" dirty="0">
-                <a:latin typeface="Times New Roman" panose="02020603050405020304" pitchFamily="18" charset="0"/>
-                <a:cs typeface="Times New Roman" panose="02020603050405020304" pitchFamily="18" charset="0"/>
-              </a:rPr>
-              <a:t> 1000 </a:t>
-            </a:r>
-            <a:r>
-              <a:rPr lang="en-US" dirty="0" err="1">
-                <a:latin typeface="Times New Roman" panose="02020603050405020304" pitchFamily="18" charset="0"/>
-                <a:cs typeface="Times New Roman" panose="02020603050405020304" pitchFamily="18" charset="0"/>
-              </a:rPr>
-              <a:t>lần</a:t>
-            </a:r>
-            <a:r>
-              <a:rPr lang="en-US" dirty="0">
-                <a:latin typeface="Times New Roman" panose="02020603050405020304" pitchFamily="18" charset="0"/>
-                <a:cs typeface="Times New Roman" panose="02020603050405020304" pitchFamily="18" charset="0"/>
-              </a:rPr>
-              <a:t> </a:t>
-            </a:r>
-            <a:r>
-              <a:rPr lang="en-US" dirty="0" err="1">
-                <a:latin typeface="Times New Roman" panose="02020603050405020304" pitchFamily="18" charset="0"/>
-                <a:cs typeface="Times New Roman" panose="02020603050405020304" pitchFamily="18" charset="0"/>
-              </a:rPr>
-              <a:t>hiển</a:t>
-            </a:r>
-            <a:r>
-              <a:rPr lang="en-US" dirty="0">
-                <a:latin typeface="Times New Roman" panose="02020603050405020304" pitchFamily="18" charset="0"/>
-                <a:cs typeface="Times New Roman" panose="02020603050405020304" pitchFamily="18" charset="0"/>
-              </a:rPr>
-              <a:t> </a:t>
-            </a:r>
-            <a:r>
-              <a:rPr lang="en-US" dirty="0" err="1">
-                <a:latin typeface="Times New Roman" panose="02020603050405020304" pitchFamily="18" charset="0"/>
-                <a:cs typeface="Times New Roman" panose="02020603050405020304" pitchFamily="18" charset="0"/>
-              </a:rPr>
-              <a:t>thi</a:t>
-            </a:r>
-            <a:r>
-              <a:rPr lang="en-US" dirty="0">
-                <a:latin typeface="Times New Roman" panose="02020603050405020304" pitchFamily="18" charset="0"/>
-                <a:cs typeface="Times New Roman" panose="02020603050405020304" pitchFamily="18" charset="0"/>
-              </a:rPr>
-              <a:t>̣. </a:t>
-            </a:r>
-            <a:r>
-              <a:rPr lang="en-US" dirty="0" err="1">
-                <a:latin typeface="Times New Roman" panose="02020603050405020304" pitchFamily="18" charset="0"/>
-                <a:cs typeface="Times New Roman" panose="02020603050405020304" pitchFamily="18" charset="0"/>
-              </a:rPr>
-              <a:t>Nha</a:t>
-            </a:r>
-            <a:r>
-              <a:rPr lang="en-US" dirty="0">
-                <a:latin typeface="Times New Roman" panose="02020603050405020304" pitchFamily="18" charset="0"/>
-                <a:cs typeface="Times New Roman" panose="02020603050405020304" pitchFamily="18" charset="0"/>
-              </a:rPr>
-              <a:t>̀ </a:t>
-            </a:r>
-            <a:r>
-              <a:rPr lang="en-US" dirty="0" err="1">
-                <a:latin typeface="Times New Roman" panose="02020603050405020304" pitchFamily="18" charset="0"/>
-                <a:cs typeface="Times New Roman" panose="02020603050405020304" pitchFamily="18" charset="0"/>
-              </a:rPr>
-              <a:t>quản</a:t>
-            </a:r>
-            <a:r>
-              <a:rPr lang="en-US" dirty="0">
-                <a:latin typeface="Times New Roman" panose="02020603050405020304" pitchFamily="18" charset="0"/>
-                <a:cs typeface="Times New Roman" panose="02020603050405020304" pitchFamily="18" charset="0"/>
-              </a:rPr>
-              <a:t> </a:t>
-            </a:r>
-            <a:r>
-              <a:rPr lang="en-US" dirty="0" err="1">
-                <a:latin typeface="Times New Roman" panose="02020603050405020304" pitchFamily="18" charset="0"/>
-                <a:cs typeface="Times New Roman" panose="02020603050405020304" pitchFamily="18" charset="0"/>
-              </a:rPr>
-              <a:t>ly</a:t>
-            </a:r>
-            <a:r>
-              <a:rPr lang="en-US" dirty="0">
-                <a:latin typeface="Times New Roman" panose="02020603050405020304" pitchFamily="18" charset="0"/>
-                <a:cs typeface="Times New Roman" panose="02020603050405020304" pitchFamily="18" charset="0"/>
-              </a:rPr>
-              <a:t>́ </a:t>
-            </a:r>
-            <a:r>
-              <a:rPr lang="en-US" dirty="0" err="1">
-                <a:latin typeface="Times New Roman" panose="02020603050405020304" pitchFamily="18" charset="0"/>
-                <a:cs typeface="Times New Roman" panose="02020603050405020304" pitchFamily="18" charset="0"/>
-              </a:rPr>
-              <a:t>chạy</a:t>
-            </a:r>
-            <a:r>
-              <a:rPr lang="en-US" dirty="0">
-                <a:latin typeface="Times New Roman" panose="02020603050405020304" pitchFamily="18" charset="0"/>
-                <a:cs typeface="Times New Roman" panose="02020603050405020304" pitchFamily="18" charset="0"/>
-              </a:rPr>
-              <a:t> </a:t>
-            </a:r>
-            <a:r>
-              <a:rPr lang="en-US" dirty="0" err="1">
-                <a:latin typeface="Times New Roman" panose="02020603050405020304" pitchFamily="18" charset="0"/>
-                <a:cs typeface="Times New Roman" panose="02020603050405020304" pitchFamily="18" charset="0"/>
-              </a:rPr>
-              <a:t>quảng</a:t>
-            </a:r>
-            <a:r>
-              <a:rPr lang="en-US" dirty="0">
-                <a:latin typeface="Times New Roman" panose="02020603050405020304" pitchFamily="18" charset="0"/>
-                <a:cs typeface="Times New Roman" panose="02020603050405020304" pitchFamily="18" charset="0"/>
-              </a:rPr>
-              <a:t> </a:t>
-            </a:r>
-            <a:r>
-              <a:rPr lang="en-US" dirty="0" err="1">
-                <a:latin typeface="Times New Roman" panose="02020603050405020304" pitchFamily="18" charset="0"/>
-                <a:cs typeface="Times New Roman" panose="02020603050405020304" pitchFamily="18" charset="0"/>
-              </a:rPr>
-              <a:t>cáo</a:t>
-            </a:r>
-            <a:r>
-              <a:rPr lang="en-US" dirty="0">
-                <a:latin typeface="Times New Roman" panose="02020603050405020304" pitchFamily="18" charset="0"/>
-                <a:cs typeface="Times New Roman" panose="02020603050405020304" pitchFamily="18" charset="0"/>
-              </a:rPr>
-              <a:t> </a:t>
-            </a:r>
-            <a:r>
-              <a:rPr lang="en-US" dirty="0" err="1">
-                <a:latin typeface="Times New Roman" panose="02020603050405020304" pitchFamily="18" charset="0"/>
-                <a:cs typeface="Times New Roman" panose="02020603050405020304" pitchFamily="18" charset="0"/>
-              </a:rPr>
-              <a:t>cpm</a:t>
-            </a:r>
-            <a:r>
-              <a:rPr lang="en-US" dirty="0">
-                <a:latin typeface="Times New Roman" panose="02020603050405020304" pitchFamily="18" charset="0"/>
-                <a:cs typeface="Times New Roman" panose="02020603050405020304" pitchFamily="18" charset="0"/>
-              </a:rPr>
-              <a:t> sẽ </a:t>
-            </a:r>
-            <a:r>
-              <a:rPr lang="en-US" dirty="0" err="1">
-                <a:latin typeface="Times New Roman" panose="02020603050405020304" pitchFamily="18" charset="0"/>
-                <a:cs typeface="Times New Roman" panose="02020603050405020304" pitchFamily="18" charset="0"/>
-              </a:rPr>
-              <a:t>đặt</a:t>
-            </a:r>
-            <a:r>
-              <a:rPr lang="en-US" dirty="0">
-                <a:latin typeface="Times New Roman" panose="02020603050405020304" pitchFamily="18" charset="0"/>
-                <a:cs typeface="Times New Roman" panose="02020603050405020304" pitchFamily="18" charset="0"/>
-              </a:rPr>
-              <a:t> ra </a:t>
-            </a:r>
-            <a:r>
-              <a:rPr lang="en-US" dirty="0" err="1">
-                <a:latin typeface="Times New Roman" panose="02020603050405020304" pitchFamily="18" charset="0"/>
-                <a:cs typeface="Times New Roman" panose="02020603050405020304" pitchFamily="18" charset="0"/>
-              </a:rPr>
-              <a:t>gia</a:t>
-            </a:r>
-            <a:r>
-              <a:rPr lang="en-US" dirty="0">
-                <a:latin typeface="Times New Roman" panose="02020603050405020304" pitchFamily="18" charset="0"/>
-                <a:cs typeface="Times New Roman" panose="02020603050405020304" pitchFamily="18" charset="0"/>
-              </a:rPr>
-              <a:t>́ </a:t>
-            </a:r>
-            <a:r>
-              <a:rPr lang="en-US" dirty="0" err="1">
-                <a:latin typeface="Times New Roman" panose="02020603050405020304" pitchFamily="18" charset="0"/>
-                <a:cs typeface="Times New Roman" panose="02020603050405020304" pitchFamily="18" charset="0"/>
-              </a:rPr>
-              <a:t>mong</a:t>
-            </a:r>
-            <a:r>
-              <a:rPr lang="en-US" dirty="0">
-                <a:latin typeface="Times New Roman" panose="02020603050405020304" pitchFamily="18" charset="0"/>
-                <a:cs typeface="Times New Roman" panose="02020603050405020304" pitchFamily="18" charset="0"/>
-              </a:rPr>
-              <a:t> </a:t>
-            </a:r>
-            <a:r>
-              <a:rPr lang="en-US" dirty="0" err="1">
-                <a:latin typeface="Times New Roman" panose="02020603050405020304" pitchFamily="18" charset="0"/>
-                <a:cs typeface="Times New Roman" panose="02020603050405020304" pitchFamily="18" charset="0"/>
-              </a:rPr>
-              <a:t>muốn</a:t>
-            </a:r>
-            <a:r>
-              <a:rPr lang="en-US" dirty="0">
-                <a:latin typeface="Times New Roman" panose="02020603050405020304" pitchFamily="18" charset="0"/>
-                <a:cs typeface="Times New Roman" panose="02020603050405020304" pitchFamily="18" charset="0"/>
-              </a:rPr>
-              <a:t> </a:t>
-            </a:r>
-            <a:r>
-              <a:rPr lang="en-US" dirty="0" err="1">
-                <a:latin typeface="Times New Roman" panose="02020603050405020304" pitchFamily="18" charset="0"/>
-                <a:cs typeface="Times New Roman" panose="02020603050405020304" pitchFamily="18" charset="0"/>
-              </a:rPr>
-              <a:t>cho</a:t>
-            </a:r>
-            <a:r>
-              <a:rPr lang="en-US" dirty="0">
-                <a:latin typeface="Times New Roman" panose="02020603050405020304" pitchFamily="18" charset="0"/>
-                <a:cs typeface="Times New Roman" panose="02020603050405020304" pitchFamily="18" charset="0"/>
-              </a:rPr>
-              <a:t> </a:t>
-            </a:r>
-            <a:r>
-              <a:rPr lang="en-US" dirty="0" err="1">
-                <a:latin typeface="Times New Roman" panose="02020603050405020304" pitchFamily="18" charset="0"/>
-                <a:cs typeface="Times New Roman" panose="02020603050405020304" pitchFamily="18" charset="0"/>
-              </a:rPr>
-              <a:t>mỗi</a:t>
-            </a:r>
-            <a:r>
-              <a:rPr lang="en-US" dirty="0">
-                <a:latin typeface="Times New Roman" panose="02020603050405020304" pitchFamily="18" charset="0"/>
-                <a:cs typeface="Times New Roman" panose="02020603050405020304" pitchFamily="18" charset="0"/>
-              </a:rPr>
-              <a:t> 1000 </a:t>
-            </a:r>
-            <a:r>
-              <a:rPr lang="en-US" dirty="0" err="1">
-                <a:latin typeface="Times New Roman" panose="02020603050405020304" pitchFamily="18" charset="0"/>
-                <a:cs typeface="Times New Roman" panose="02020603050405020304" pitchFamily="18" charset="0"/>
-              </a:rPr>
-              <a:t>lần</a:t>
-            </a:r>
-            <a:r>
-              <a:rPr lang="en-US" dirty="0">
-                <a:latin typeface="Times New Roman" panose="02020603050405020304" pitchFamily="18" charset="0"/>
-                <a:cs typeface="Times New Roman" panose="02020603050405020304" pitchFamily="18" charset="0"/>
-              </a:rPr>
-              <a:t> </a:t>
-            </a:r>
-            <a:r>
-              <a:rPr lang="en-US" dirty="0" err="1">
-                <a:latin typeface="Times New Roman" panose="02020603050405020304" pitchFamily="18" charset="0"/>
-                <a:cs typeface="Times New Roman" panose="02020603050405020304" pitchFamily="18" charset="0"/>
-              </a:rPr>
-              <a:t>hiển</a:t>
-            </a:r>
-            <a:r>
-              <a:rPr lang="en-US" dirty="0">
-                <a:latin typeface="Times New Roman" panose="02020603050405020304" pitchFamily="18" charset="0"/>
-                <a:cs typeface="Times New Roman" panose="02020603050405020304" pitchFamily="18" charset="0"/>
-              </a:rPr>
-              <a:t> </a:t>
-            </a:r>
-            <a:r>
-              <a:rPr lang="en-US" dirty="0" err="1">
-                <a:latin typeface="Times New Roman" panose="02020603050405020304" pitchFamily="18" charset="0"/>
-                <a:cs typeface="Times New Roman" panose="02020603050405020304" pitchFamily="18" charset="0"/>
-              </a:rPr>
-              <a:t>thi</a:t>
-            </a:r>
-            <a:r>
-              <a:rPr lang="en-US" dirty="0">
-                <a:latin typeface="Times New Roman" panose="02020603050405020304" pitchFamily="18" charset="0"/>
-                <a:cs typeface="Times New Roman" panose="02020603050405020304" pitchFamily="18" charset="0"/>
-              </a:rPr>
-              <a:t>̣ </a:t>
-            </a:r>
-            <a:r>
-              <a:rPr lang="en-US" dirty="0" err="1">
-                <a:latin typeface="Times New Roman" panose="02020603050405020304" pitchFamily="18" charset="0"/>
-                <a:cs typeface="Times New Roman" panose="02020603050405020304" pitchFamily="18" charset="0"/>
-              </a:rPr>
-              <a:t>quảng</a:t>
-            </a:r>
-            <a:r>
-              <a:rPr lang="en-US" dirty="0">
-                <a:latin typeface="Times New Roman" panose="02020603050405020304" pitchFamily="18" charset="0"/>
-                <a:cs typeface="Times New Roman" panose="02020603050405020304" pitchFamily="18" charset="0"/>
-              </a:rPr>
-              <a:t> </a:t>
-            </a:r>
-            <a:r>
-              <a:rPr lang="en-US" dirty="0" err="1">
-                <a:latin typeface="Times New Roman" panose="02020603050405020304" pitchFamily="18" charset="0"/>
-                <a:cs typeface="Times New Roman" panose="02020603050405020304" pitchFamily="18" charset="0"/>
-              </a:rPr>
-              <a:t>cáo</a:t>
-            </a:r>
-            <a:r>
-              <a:rPr lang="en-US" dirty="0">
-                <a:latin typeface="Times New Roman" panose="02020603050405020304" pitchFamily="18" charset="0"/>
-                <a:cs typeface="Times New Roman" panose="02020603050405020304" pitchFamily="18" charset="0"/>
-              </a:rPr>
-              <a:t>.</a:t>
-            </a:r>
-          </a:p>
-          <a:p>
-            <a:r>
-              <a:rPr lang="vi-VN" b="1" dirty="0">
+              <a:t>giá mỗi 1000 lần hiển thị. Nhà quản lý chạy quảng cáo cpm sẽ đặt ra giá mong muốn cho mỗi 1000 lần hiển thị quảng cáo.</a:t>
+            </a:r>
+          </a:p>
+          <a:p>
+            <a:r>
+              <a:rPr lang="vi-VN" sz="2400" b="1" cap="none">
                 <a:latin typeface="+mj-lt"/>
               </a:rPr>
-              <a:t>CTR (Click Through Rate):</a:t>
-            </a:r>
-            <a:r>
-              <a:rPr lang="vi-VN" dirty="0">
+              <a:t>Ctr (click through rate):</a:t>
+            </a:r>
+            <a:r>
+              <a:rPr lang="vi-VN" sz="2400" cap="none">
                 <a:latin typeface="+mj-lt"/>
               </a:rPr>
-              <a:t>  Thuật ngữ này thể hiện cho số lần click chuột vào quảng cáo chia cho số lần hiển thị, số lần xem trang hoặc số truy vấn mà bạn nhận được.</a:t>
-            </a:r>
-            <a:endParaRPr lang="vi-VN" dirty="0">
+              <a:t>  thuật ngữ này thể hiện cho số lần click chuột vào quảng cáo chia cho số lần hiển thị, số lần xem trang hoặc số truy vấn mà bạn nhận được.</a:t>
+            </a:r>
+            <a:endParaRPr lang="vi-VN" sz="2400" cap="none" dirty="0">
               <a:latin typeface="+mj-lt"/>
               <a:cs typeface="Arial" panose="020B0604020202020204" pitchFamily="34" charset="0"/>
             </a:endParaRPr>
@@ -8272,6 +10717,325 @@
   <p:clrMapOvr>
     <a:masterClrMapping/>
   </p:clrMapOvr>
+  <p:transition spd="slow">
+    <p:push dir="u"/>
+  </p:transition>
+  <p:timing>
+    <p:tnLst>
+      <p:par>
+        <p:cTn id="1" dur="indefinite" restart="never" nodeType="tmRoot">
+          <p:childTnLst>
+            <p:seq concurrent="1" nextAc="seek">
+              <p:cTn id="2" dur="indefinite" nodeType="mainSeq">
+                <p:childTnLst>
+                  <p:par>
+                    <p:cTn id="3" fill="hold">
+                      <p:stCondLst>
+                        <p:cond delay="indefinite"/>
+                      </p:stCondLst>
+                      <p:childTnLst>
+                        <p:par>
+                          <p:cTn id="4" fill="hold">
+                            <p:stCondLst>
+                              <p:cond delay="0"/>
+                            </p:stCondLst>
+                            <p:childTnLst>
+                              <p:par>
+                                <p:cTn id="5" presetID="53" presetClass="entr" presetSubtype="16" fill="hold" grpId="0" nodeType="clickEffect">
+                                  <p:stCondLst>
+                                    <p:cond delay="0"/>
+                                  </p:stCondLst>
+                                  <p:childTnLst>
+                                    <p:set>
+                                      <p:cBhvr>
+                                        <p:cTn id="6" dur="1" fill="hold">
+                                          <p:stCondLst>
+                                            <p:cond delay="0"/>
+                                          </p:stCondLst>
+                                        </p:cTn>
+                                        <p:tgtEl>
+                                          <p:spTgt spid="2"/>
+                                        </p:tgtEl>
+                                        <p:attrNameLst>
+                                          <p:attrName>style.visibility</p:attrName>
+                                        </p:attrNameLst>
+                                      </p:cBhvr>
+                                      <p:to>
+                                        <p:strVal val="visible"/>
+                                      </p:to>
+                                    </p:set>
+                                    <p:anim calcmode="lin" valueType="num">
+                                      <p:cBhvr>
+                                        <p:cTn id="7" dur="500" fill="hold"/>
+                                        <p:tgtEl>
+                                          <p:spTgt spid="2"/>
+                                        </p:tgtEl>
+                                        <p:attrNameLst>
+                                          <p:attrName>ppt_w</p:attrName>
+                                        </p:attrNameLst>
+                                      </p:cBhvr>
+                                      <p:tavLst>
+                                        <p:tav tm="0">
+                                          <p:val>
+                                            <p:fltVal val="0"/>
+                                          </p:val>
+                                        </p:tav>
+                                        <p:tav tm="100000">
+                                          <p:val>
+                                            <p:strVal val="#ppt_w"/>
+                                          </p:val>
+                                        </p:tav>
+                                      </p:tavLst>
+                                    </p:anim>
+                                    <p:anim calcmode="lin" valueType="num">
+                                      <p:cBhvr>
+                                        <p:cTn id="8" dur="500" fill="hold"/>
+                                        <p:tgtEl>
+                                          <p:spTgt spid="2"/>
+                                        </p:tgtEl>
+                                        <p:attrNameLst>
+                                          <p:attrName>ppt_h</p:attrName>
+                                        </p:attrNameLst>
+                                      </p:cBhvr>
+                                      <p:tavLst>
+                                        <p:tav tm="0">
+                                          <p:val>
+                                            <p:fltVal val="0"/>
+                                          </p:val>
+                                        </p:tav>
+                                        <p:tav tm="100000">
+                                          <p:val>
+                                            <p:strVal val="#ppt_h"/>
+                                          </p:val>
+                                        </p:tav>
+                                      </p:tavLst>
+                                    </p:anim>
+                                    <p:animEffect transition="in" filter="fade">
+                                      <p:cBhvr>
+                                        <p:cTn id="9" dur="500"/>
+                                        <p:tgtEl>
+                                          <p:spTgt spid="2"/>
+                                        </p:tgtEl>
+                                      </p:cBhvr>
+                                    </p:animEffect>
+                                  </p:childTnLst>
+                                </p:cTn>
+                              </p:par>
+                            </p:childTnLst>
+                          </p:cTn>
+                        </p:par>
+                      </p:childTnLst>
+                    </p:cTn>
+                  </p:par>
+                  <p:par>
+                    <p:cTn id="10" fill="hold">
+                      <p:stCondLst>
+                        <p:cond delay="indefinite"/>
+                      </p:stCondLst>
+                      <p:childTnLst>
+                        <p:par>
+                          <p:cTn id="11" fill="hold">
+                            <p:stCondLst>
+                              <p:cond delay="0"/>
+                            </p:stCondLst>
+                            <p:childTnLst>
+                              <p:par>
+                                <p:cTn id="12" presetID="6" presetClass="entr" presetSubtype="16" fill="hold" grpId="0" nodeType="clickEffect">
+                                  <p:stCondLst>
+                                    <p:cond delay="0"/>
+                                  </p:stCondLst>
+                                  <p:childTnLst>
+                                    <p:set>
+                                      <p:cBhvr>
+                                        <p:cTn id="13" dur="1" fill="hold">
+                                          <p:stCondLst>
+                                            <p:cond delay="0"/>
+                                          </p:stCondLst>
+                                        </p:cTn>
+                                        <p:tgtEl>
+                                          <p:spTgt spid="3">
+                                            <p:txEl>
+                                              <p:pRg st="0" end="0"/>
+                                            </p:txEl>
+                                          </p:spTgt>
+                                        </p:tgtEl>
+                                        <p:attrNameLst>
+                                          <p:attrName>style.visibility</p:attrName>
+                                        </p:attrNameLst>
+                                      </p:cBhvr>
+                                      <p:to>
+                                        <p:strVal val="visible"/>
+                                      </p:to>
+                                    </p:set>
+                                    <p:animEffect transition="in" filter="circle(in)">
+                                      <p:cBhvr>
+                                        <p:cTn id="14" dur="2000"/>
+                                        <p:tgtEl>
+                                          <p:spTgt spid="3">
+                                            <p:txEl>
+                                              <p:pRg st="0" end="0"/>
+                                            </p:txEl>
+                                          </p:spTgt>
+                                        </p:tgtEl>
+                                      </p:cBhvr>
+                                    </p:animEffect>
+                                  </p:childTnLst>
+                                </p:cTn>
+                              </p:par>
+                            </p:childTnLst>
+                          </p:cTn>
+                        </p:par>
+                      </p:childTnLst>
+                    </p:cTn>
+                  </p:par>
+                  <p:par>
+                    <p:cTn id="15" fill="hold">
+                      <p:stCondLst>
+                        <p:cond delay="indefinite"/>
+                      </p:stCondLst>
+                      <p:childTnLst>
+                        <p:par>
+                          <p:cTn id="16" fill="hold">
+                            <p:stCondLst>
+                              <p:cond delay="0"/>
+                            </p:stCondLst>
+                            <p:childTnLst>
+                              <p:par>
+                                <p:cTn id="17" presetID="6" presetClass="entr" presetSubtype="16" fill="hold" grpId="0" nodeType="clickEffect">
+                                  <p:stCondLst>
+                                    <p:cond delay="0"/>
+                                  </p:stCondLst>
+                                  <p:childTnLst>
+                                    <p:set>
+                                      <p:cBhvr>
+                                        <p:cTn id="18" dur="1" fill="hold">
+                                          <p:stCondLst>
+                                            <p:cond delay="0"/>
+                                          </p:stCondLst>
+                                        </p:cTn>
+                                        <p:tgtEl>
+                                          <p:spTgt spid="3">
+                                            <p:txEl>
+                                              <p:pRg st="1" end="1"/>
+                                            </p:txEl>
+                                          </p:spTgt>
+                                        </p:tgtEl>
+                                        <p:attrNameLst>
+                                          <p:attrName>style.visibility</p:attrName>
+                                        </p:attrNameLst>
+                                      </p:cBhvr>
+                                      <p:to>
+                                        <p:strVal val="visible"/>
+                                      </p:to>
+                                    </p:set>
+                                    <p:animEffect transition="in" filter="circle(in)">
+                                      <p:cBhvr>
+                                        <p:cTn id="19" dur="2000"/>
+                                        <p:tgtEl>
+                                          <p:spTgt spid="3">
+                                            <p:txEl>
+                                              <p:pRg st="1" end="1"/>
+                                            </p:txEl>
+                                          </p:spTgt>
+                                        </p:tgtEl>
+                                      </p:cBhvr>
+                                    </p:animEffect>
+                                  </p:childTnLst>
+                                </p:cTn>
+                              </p:par>
+                            </p:childTnLst>
+                          </p:cTn>
+                        </p:par>
+                      </p:childTnLst>
+                    </p:cTn>
+                  </p:par>
+                  <p:par>
+                    <p:cTn id="20" fill="hold">
+                      <p:stCondLst>
+                        <p:cond delay="indefinite"/>
+                      </p:stCondLst>
+                      <p:childTnLst>
+                        <p:par>
+                          <p:cTn id="21" fill="hold">
+                            <p:stCondLst>
+                              <p:cond delay="0"/>
+                            </p:stCondLst>
+                            <p:childTnLst>
+                              <p:par>
+                                <p:cTn id="22" presetID="6" presetClass="entr" presetSubtype="16" fill="hold" grpId="0" nodeType="clickEffect">
+                                  <p:stCondLst>
+                                    <p:cond delay="0"/>
+                                  </p:stCondLst>
+                                  <p:childTnLst>
+                                    <p:set>
+                                      <p:cBhvr>
+                                        <p:cTn id="23" dur="1" fill="hold">
+                                          <p:stCondLst>
+                                            <p:cond delay="0"/>
+                                          </p:stCondLst>
+                                        </p:cTn>
+                                        <p:tgtEl>
+                                          <p:spTgt spid="3">
+                                            <p:txEl>
+                                              <p:pRg st="2" end="2"/>
+                                            </p:txEl>
+                                          </p:spTgt>
+                                        </p:tgtEl>
+                                        <p:attrNameLst>
+                                          <p:attrName>style.visibility</p:attrName>
+                                        </p:attrNameLst>
+                                      </p:cBhvr>
+                                      <p:to>
+                                        <p:strVal val="visible"/>
+                                      </p:to>
+                                    </p:set>
+                                    <p:animEffect transition="in" filter="circle(in)">
+                                      <p:cBhvr>
+                                        <p:cTn id="24" dur="2000"/>
+                                        <p:tgtEl>
+                                          <p:spTgt spid="3">
+                                            <p:txEl>
+                                              <p:pRg st="2" end="2"/>
+                                            </p:txEl>
+                                          </p:spTgt>
+                                        </p:tgtEl>
+                                      </p:cBhvr>
+                                    </p:animEffect>
+                                  </p:childTnLst>
+                                </p:cTn>
+                              </p:par>
+                            </p:childTnLst>
+                          </p:cTn>
+                        </p:par>
+                      </p:childTnLst>
+                    </p:cTn>
+                  </p:par>
+                </p:childTnLst>
+              </p:cTn>
+              <p:prevCondLst>
+                <p:cond evt="onPrev" delay="0">
+                  <p:tgtEl>
+                    <p:sldTgt/>
+                  </p:tgtEl>
+                </p:cond>
+              </p:prevCondLst>
+              <p:nextCondLst>
+                <p:cond evt="onNext" delay="0">
+                  <p:tgtEl>
+                    <p:sldTgt/>
+                  </p:tgtEl>
+                </p:cond>
+              </p:nextCondLst>
+            </p:seq>
+          </p:childTnLst>
+        </p:cTn>
+      </p:par>
+    </p:tnLst>
+    <p:bldLst>
+      <p:bldP spid="2" grpId="0"/>
+      <p:bldP spid="3" grpId="0" build="p"/>
+    </p:bldLst>
+  </p:timing>
 </p:sld>
 </file>
 
@@ -8316,6 +11080,10 @@
           <a:lstStyle/>
           <a:p>
             <a:r>
+              <a:rPr lang="en-US"/>
+              <a:t>4. </a:t>
+            </a:r>
+            <a:r>
               <a:rPr lang="vi-VN"/>
               <a:t>MỘT SỐ LƯU Ý KHI SỬ DỤNG</a:t>
             </a:r>
@@ -8345,812 +11113,56 @@
         <p:spPr/>
         <p:txBody>
           <a:bodyPr>
-            <a:normAutofit lnSpcReduction="10000"/>
+            <a:normAutofit/>
           </a:bodyPr>
           <a:lstStyle/>
           <a:p>
             <a:r>
-              <a:rPr lang="en-US" err="1">
+              <a:rPr lang="en-US" cap="none">
                 <a:latin typeface="Times New Roman" panose="02020603050405020304" pitchFamily="18" charset="0"/>
                 <a:cs typeface="Times New Roman" panose="02020603050405020304" pitchFamily="18" charset="0"/>
               </a:rPr>
-              <a:t>Nội</a:t>
-            </a:r>
-            <a:r>
-              <a:rPr lang="en-US">
+              <a:t>Nội dung website hiển thị quảng cáo vi phạm nội dung bản quyền (hình ảnh, copy bài viết, nội dung bị cấm…).</a:t>
+            </a:r>
+          </a:p>
+          <a:p>
+            <a:r>
+              <a:rPr lang="en-US" cap="none">
                 <a:latin typeface="Times New Roman" panose="02020603050405020304" pitchFamily="18" charset="0"/>
                 <a:cs typeface="Times New Roman" panose="02020603050405020304" pitchFamily="18" charset="0"/>
               </a:rPr>
-              <a:t> dung website </a:t>
-            </a:r>
-            <a:r>
-              <a:rPr lang="en-US" err="1">
+              <a:t>Đăng ký và dùng nhiều tài khoản google adsense trên một máy tính (địa chỉ ip).</a:t>
+            </a:r>
+          </a:p>
+          <a:p>
+            <a:r>
+              <a:rPr lang="en-US" cap="none">
                 <a:latin typeface="Times New Roman" panose="02020603050405020304" pitchFamily="18" charset="0"/>
                 <a:cs typeface="Times New Roman" panose="02020603050405020304" pitchFamily="18" charset="0"/>
               </a:rPr>
-              <a:t>hiển</a:t>
-            </a:r>
-            <a:r>
-              <a:rPr lang="en-US">
+              <a:t>Kêu gọi và dùng những hình thức thủ thuật khuyến khích click vào quảng cáo không chính thức.</a:t>
+            </a:r>
+          </a:p>
+          <a:p>
+            <a:r>
+              <a:rPr lang="en-US" cap="none">
                 <a:latin typeface="Times New Roman" panose="02020603050405020304" pitchFamily="18" charset="0"/>
                 <a:cs typeface="Times New Roman" panose="02020603050405020304" pitchFamily="18" charset="0"/>
               </a:rPr>
-              <a:t> </a:t>
-            </a:r>
-            <a:r>
-              <a:rPr lang="en-US" err="1">
+              <a:t>Trao đổi view, kéo traffic không tự nhiên.</a:t>
+            </a:r>
+          </a:p>
+          <a:p>
+            <a:r>
+              <a:rPr lang="en-US" cap="none">
                 <a:latin typeface="Times New Roman" panose="02020603050405020304" pitchFamily="18" charset="0"/>
                 <a:cs typeface="Times New Roman" panose="02020603050405020304" pitchFamily="18" charset="0"/>
               </a:rPr>
-              <a:t>thị</a:t>
-            </a:r>
-            <a:r>
-              <a:rPr lang="en-US">
-                <a:latin typeface="Times New Roman" panose="02020603050405020304" pitchFamily="18" charset="0"/>
-                <a:cs typeface="Times New Roman" panose="02020603050405020304" pitchFamily="18" charset="0"/>
-              </a:rPr>
-              <a:t> </a:t>
-            </a:r>
-            <a:r>
-              <a:rPr lang="en-US" err="1">
-                <a:latin typeface="Times New Roman" panose="02020603050405020304" pitchFamily="18" charset="0"/>
-                <a:cs typeface="Times New Roman" panose="02020603050405020304" pitchFamily="18" charset="0"/>
-              </a:rPr>
-              <a:t>quảng</a:t>
-            </a:r>
-            <a:r>
-              <a:rPr lang="en-US">
-                <a:latin typeface="Times New Roman" panose="02020603050405020304" pitchFamily="18" charset="0"/>
-                <a:cs typeface="Times New Roman" panose="02020603050405020304" pitchFamily="18" charset="0"/>
-              </a:rPr>
-              <a:t> </a:t>
-            </a:r>
-            <a:r>
-              <a:rPr lang="en-US" err="1">
-                <a:latin typeface="Times New Roman" panose="02020603050405020304" pitchFamily="18" charset="0"/>
-                <a:cs typeface="Times New Roman" panose="02020603050405020304" pitchFamily="18" charset="0"/>
-              </a:rPr>
-              <a:t>cáo</a:t>
-            </a:r>
-            <a:r>
-              <a:rPr lang="en-US">
-                <a:latin typeface="Times New Roman" panose="02020603050405020304" pitchFamily="18" charset="0"/>
-                <a:cs typeface="Times New Roman" panose="02020603050405020304" pitchFamily="18" charset="0"/>
-              </a:rPr>
-              <a:t> vi </a:t>
-            </a:r>
-            <a:r>
-              <a:rPr lang="en-US" err="1">
-                <a:latin typeface="Times New Roman" panose="02020603050405020304" pitchFamily="18" charset="0"/>
-                <a:cs typeface="Times New Roman" panose="02020603050405020304" pitchFamily="18" charset="0"/>
-              </a:rPr>
-              <a:t>phạm</a:t>
-            </a:r>
-            <a:r>
-              <a:rPr lang="en-US">
-                <a:latin typeface="Times New Roman" panose="02020603050405020304" pitchFamily="18" charset="0"/>
-                <a:cs typeface="Times New Roman" panose="02020603050405020304" pitchFamily="18" charset="0"/>
-              </a:rPr>
-              <a:t> </a:t>
-            </a:r>
-            <a:r>
-              <a:rPr lang="en-US" err="1">
-                <a:latin typeface="Times New Roman" panose="02020603050405020304" pitchFamily="18" charset="0"/>
-                <a:cs typeface="Times New Roman" panose="02020603050405020304" pitchFamily="18" charset="0"/>
-              </a:rPr>
-              <a:t>nội</a:t>
-            </a:r>
-            <a:r>
-              <a:rPr lang="en-US">
-                <a:latin typeface="Times New Roman" panose="02020603050405020304" pitchFamily="18" charset="0"/>
-                <a:cs typeface="Times New Roman" panose="02020603050405020304" pitchFamily="18" charset="0"/>
-              </a:rPr>
-              <a:t> dung </a:t>
-            </a:r>
-            <a:r>
-              <a:rPr lang="en-US" err="1">
-                <a:latin typeface="Times New Roman" panose="02020603050405020304" pitchFamily="18" charset="0"/>
-                <a:cs typeface="Times New Roman" panose="02020603050405020304" pitchFamily="18" charset="0"/>
-              </a:rPr>
-              <a:t>bản</a:t>
-            </a:r>
-            <a:r>
-              <a:rPr lang="en-US">
-                <a:latin typeface="Times New Roman" panose="02020603050405020304" pitchFamily="18" charset="0"/>
-                <a:cs typeface="Times New Roman" panose="02020603050405020304" pitchFamily="18" charset="0"/>
-              </a:rPr>
-              <a:t> </a:t>
-            </a:r>
-            <a:r>
-              <a:rPr lang="en-US" err="1">
-                <a:latin typeface="Times New Roman" panose="02020603050405020304" pitchFamily="18" charset="0"/>
-                <a:cs typeface="Times New Roman" panose="02020603050405020304" pitchFamily="18" charset="0"/>
-              </a:rPr>
-              <a:t>quyền</a:t>
-            </a:r>
-            <a:r>
-              <a:rPr lang="en-US">
-                <a:latin typeface="Times New Roman" panose="02020603050405020304" pitchFamily="18" charset="0"/>
-                <a:cs typeface="Times New Roman" panose="02020603050405020304" pitchFamily="18" charset="0"/>
-              </a:rPr>
-              <a:t> (</a:t>
-            </a:r>
-            <a:r>
-              <a:rPr lang="en-US" err="1">
-                <a:latin typeface="Times New Roman" panose="02020603050405020304" pitchFamily="18" charset="0"/>
-                <a:cs typeface="Times New Roman" panose="02020603050405020304" pitchFamily="18" charset="0"/>
-              </a:rPr>
-              <a:t>hình</a:t>
-            </a:r>
-            <a:r>
-              <a:rPr lang="en-US">
-                <a:latin typeface="Times New Roman" panose="02020603050405020304" pitchFamily="18" charset="0"/>
-                <a:cs typeface="Times New Roman" panose="02020603050405020304" pitchFamily="18" charset="0"/>
-              </a:rPr>
-              <a:t> </a:t>
-            </a:r>
-            <a:r>
-              <a:rPr lang="en-US" err="1">
-                <a:latin typeface="Times New Roman" panose="02020603050405020304" pitchFamily="18" charset="0"/>
-                <a:cs typeface="Times New Roman" panose="02020603050405020304" pitchFamily="18" charset="0"/>
-              </a:rPr>
-              <a:t>ảnh</a:t>
-            </a:r>
-            <a:r>
-              <a:rPr lang="en-US">
-                <a:latin typeface="Times New Roman" panose="02020603050405020304" pitchFamily="18" charset="0"/>
-                <a:cs typeface="Times New Roman" panose="02020603050405020304" pitchFamily="18" charset="0"/>
-              </a:rPr>
-              <a:t>, copy </a:t>
-            </a:r>
-            <a:r>
-              <a:rPr lang="en-US" err="1">
-                <a:latin typeface="Times New Roman" panose="02020603050405020304" pitchFamily="18" charset="0"/>
-                <a:cs typeface="Times New Roman" panose="02020603050405020304" pitchFamily="18" charset="0"/>
-              </a:rPr>
-              <a:t>bài</a:t>
-            </a:r>
-            <a:r>
-              <a:rPr lang="en-US">
-                <a:latin typeface="Times New Roman" panose="02020603050405020304" pitchFamily="18" charset="0"/>
-                <a:cs typeface="Times New Roman" panose="02020603050405020304" pitchFamily="18" charset="0"/>
-              </a:rPr>
-              <a:t> </a:t>
-            </a:r>
-            <a:r>
-              <a:rPr lang="en-US" err="1">
-                <a:latin typeface="Times New Roman" panose="02020603050405020304" pitchFamily="18" charset="0"/>
-                <a:cs typeface="Times New Roman" panose="02020603050405020304" pitchFamily="18" charset="0"/>
-              </a:rPr>
-              <a:t>viết</a:t>
-            </a:r>
-            <a:r>
-              <a:rPr lang="en-US">
-                <a:latin typeface="Times New Roman" panose="02020603050405020304" pitchFamily="18" charset="0"/>
-                <a:cs typeface="Times New Roman" panose="02020603050405020304" pitchFamily="18" charset="0"/>
-              </a:rPr>
-              <a:t>, </a:t>
-            </a:r>
-            <a:r>
-              <a:rPr lang="en-US" err="1">
-                <a:latin typeface="Times New Roman" panose="02020603050405020304" pitchFamily="18" charset="0"/>
-                <a:cs typeface="Times New Roman" panose="02020603050405020304" pitchFamily="18" charset="0"/>
-              </a:rPr>
-              <a:t>nội</a:t>
-            </a:r>
-            <a:r>
-              <a:rPr lang="en-US">
-                <a:latin typeface="Times New Roman" panose="02020603050405020304" pitchFamily="18" charset="0"/>
-                <a:cs typeface="Times New Roman" panose="02020603050405020304" pitchFamily="18" charset="0"/>
-              </a:rPr>
-              <a:t> dung </a:t>
-            </a:r>
-            <a:r>
-              <a:rPr lang="en-US" err="1">
-                <a:latin typeface="Times New Roman" panose="02020603050405020304" pitchFamily="18" charset="0"/>
-                <a:cs typeface="Times New Roman" panose="02020603050405020304" pitchFamily="18" charset="0"/>
-              </a:rPr>
-              <a:t>bị</a:t>
-            </a:r>
-            <a:r>
-              <a:rPr lang="en-US">
-                <a:latin typeface="Times New Roman" panose="02020603050405020304" pitchFamily="18" charset="0"/>
-                <a:cs typeface="Times New Roman" panose="02020603050405020304" pitchFamily="18" charset="0"/>
-              </a:rPr>
-              <a:t> </a:t>
-            </a:r>
-            <a:r>
-              <a:rPr lang="en-US" err="1">
-                <a:latin typeface="Times New Roman" panose="02020603050405020304" pitchFamily="18" charset="0"/>
-                <a:cs typeface="Times New Roman" panose="02020603050405020304" pitchFamily="18" charset="0"/>
-              </a:rPr>
-              <a:t>cấm</a:t>
-            </a:r>
-            <a:r>
-              <a:rPr lang="en-US">
-                <a:latin typeface="Times New Roman" panose="02020603050405020304" pitchFamily="18" charset="0"/>
-                <a:cs typeface="Times New Roman" panose="02020603050405020304" pitchFamily="18" charset="0"/>
-              </a:rPr>
-              <a:t>…).</a:t>
-            </a:r>
-          </a:p>
-          <a:p>
-            <a:r>
-              <a:rPr lang="en-US" err="1">
-                <a:latin typeface="Times New Roman" panose="02020603050405020304" pitchFamily="18" charset="0"/>
-                <a:cs typeface="Times New Roman" panose="02020603050405020304" pitchFamily="18" charset="0"/>
-              </a:rPr>
-              <a:t>Đăng</a:t>
-            </a:r>
-            <a:r>
-              <a:rPr lang="en-US">
-                <a:latin typeface="Times New Roman" panose="02020603050405020304" pitchFamily="18" charset="0"/>
-                <a:cs typeface="Times New Roman" panose="02020603050405020304" pitchFamily="18" charset="0"/>
-              </a:rPr>
-              <a:t> </a:t>
-            </a:r>
-            <a:r>
-              <a:rPr lang="en-US" err="1">
-                <a:latin typeface="Times New Roman" panose="02020603050405020304" pitchFamily="18" charset="0"/>
-                <a:cs typeface="Times New Roman" panose="02020603050405020304" pitchFamily="18" charset="0"/>
-              </a:rPr>
-              <a:t>ký</a:t>
-            </a:r>
-            <a:r>
-              <a:rPr lang="en-US">
-                <a:latin typeface="Times New Roman" panose="02020603050405020304" pitchFamily="18" charset="0"/>
-                <a:cs typeface="Times New Roman" panose="02020603050405020304" pitchFamily="18" charset="0"/>
-              </a:rPr>
-              <a:t> </a:t>
-            </a:r>
-            <a:r>
-              <a:rPr lang="en-US" err="1">
-                <a:latin typeface="Times New Roman" panose="02020603050405020304" pitchFamily="18" charset="0"/>
-                <a:cs typeface="Times New Roman" panose="02020603050405020304" pitchFamily="18" charset="0"/>
-              </a:rPr>
-              <a:t>và</a:t>
-            </a:r>
-            <a:r>
-              <a:rPr lang="en-US">
-                <a:latin typeface="Times New Roman" panose="02020603050405020304" pitchFamily="18" charset="0"/>
-                <a:cs typeface="Times New Roman" panose="02020603050405020304" pitchFamily="18" charset="0"/>
-              </a:rPr>
-              <a:t> </a:t>
-            </a:r>
-            <a:r>
-              <a:rPr lang="en-US" err="1">
-                <a:latin typeface="Times New Roman" panose="02020603050405020304" pitchFamily="18" charset="0"/>
-                <a:cs typeface="Times New Roman" panose="02020603050405020304" pitchFamily="18" charset="0"/>
-              </a:rPr>
-              <a:t>dùng</a:t>
-            </a:r>
-            <a:r>
-              <a:rPr lang="en-US">
-                <a:latin typeface="Times New Roman" panose="02020603050405020304" pitchFamily="18" charset="0"/>
-                <a:cs typeface="Times New Roman" panose="02020603050405020304" pitchFamily="18" charset="0"/>
-              </a:rPr>
-              <a:t> </a:t>
-            </a:r>
-            <a:r>
-              <a:rPr lang="en-US" err="1">
-                <a:latin typeface="Times New Roman" panose="02020603050405020304" pitchFamily="18" charset="0"/>
-                <a:cs typeface="Times New Roman" panose="02020603050405020304" pitchFamily="18" charset="0"/>
-              </a:rPr>
-              <a:t>nhiều</a:t>
-            </a:r>
-            <a:r>
-              <a:rPr lang="en-US">
-                <a:latin typeface="Times New Roman" panose="02020603050405020304" pitchFamily="18" charset="0"/>
-                <a:cs typeface="Times New Roman" panose="02020603050405020304" pitchFamily="18" charset="0"/>
-              </a:rPr>
-              <a:t> </a:t>
-            </a:r>
-            <a:r>
-              <a:rPr lang="en-US" err="1">
-                <a:latin typeface="Times New Roman" panose="02020603050405020304" pitchFamily="18" charset="0"/>
-                <a:cs typeface="Times New Roman" panose="02020603050405020304" pitchFamily="18" charset="0"/>
-              </a:rPr>
-              <a:t>tài</a:t>
-            </a:r>
-            <a:r>
-              <a:rPr lang="en-US">
-                <a:latin typeface="Times New Roman" panose="02020603050405020304" pitchFamily="18" charset="0"/>
-                <a:cs typeface="Times New Roman" panose="02020603050405020304" pitchFamily="18" charset="0"/>
-              </a:rPr>
-              <a:t> </a:t>
-            </a:r>
-            <a:r>
-              <a:rPr lang="en-US" err="1">
-                <a:latin typeface="Times New Roman" panose="02020603050405020304" pitchFamily="18" charset="0"/>
-                <a:cs typeface="Times New Roman" panose="02020603050405020304" pitchFamily="18" charset="0"/>
-              </a:rPr>
-              <a:t>khoản</a:t>
-            </a:r>
-            <a:r>
-              <a:rPr lang="en-US">
-                <a:latin typeface="Times New Roman" panose="02020603050405020304" pitchFamily="18" charset="0"/>
-                <a:cs typeface="Times New Roman" panose="02020603050405020304" pitchFamily="18" charset="0"/>
-              </a:rPr>
-              <a:t> Google </a:t>
-            </a:r>
-            <a:r>
-              <a:rPr lang="en-US" err="1">
-                <a:latin typeface="Times New Roman" panose="02020603050405020304" pitchFamily="18" charset="0"/>
-                <a:cs typeface="Times New Roman" panose="02020603050405020304" pitchFamily="18" charset="0"/>
-              </a:rPr>
-              <a:t>Adsense</a:t>
-            </a:r>
-            <a:r>
-              <a:rPr lang="en-US">
-                <a:latin typeface="Times New Roman" panose="02020603050405020304" pitchFamily="18" charset="0"/>
-                <a:cs typeface="Times New Roman" panose="02020603050405020304" pitchFamily="18" charset="0"/>
-              </a:rPr>
-              <a:t> </a:t>
-            </a:r>
-            <a:r>
-              <a:rPr lang="en-US" err="1">
-                <a:latin typeface="Times New Roman" panose="02020603050405020304" pitchFamily="18" charset="0"/>
-                <a:cs typeface="Times New Roman" panose="02020603050405020304" pitchFamily="18" charset="0"/>
-              </a:rPr>
-              <a:t>trên</a:t>
-            </a:r>
-            <a:r>
-              <a:rPr lang="en-US">
-                <a:latin typeface="Times New Roman" panose="02020603050405020304" pitchFamily="18" charset="0"/>
-                <a:cs typeface="Times New Roman" panose="02020603050405020304" pitchFamily="18" charset="0"/>
-              </a:rPr>
-              <a:t> </a:t>
-            </a:r>
-            <a:r>
-              <a:rPr lang="en-US" err="1">
-                <a:latin typeface="Times New Roman" panose="02020603050405020304" pitchFamily="18" charset="0"/>
-                <a:cs typeface="Times New Roman" panose="02020603050405020304" pitchFamily="18" charset="0"/>
-              </a:rPr>
-              <a:t>một</a:t>
-            </a:r>
-            <a:r>
-              <a:rPr lang="en-US">
-                <a:latin typeface="Times New Roman" panose="02020603050405020304" pitchFamily="18" charset="0"/>
-                <a:cs typeface="Times New Roman" panose="02020603050405020304" pitchFamily="18" charset="0"/>
-              </a:rPr>
-              <a:t> </a:t>
-            </a:r>
-            <a:r>
-              <a:rPr lang="en-US" err="1">
-                <a:latin typeface="Times New Roman" panose="02020603050405020304" pitchFamily="18" charset="0"/>
-                <a:cs typeface="Times New Roman" panose="02020603050405020304" pitchFamily="18" charset="0"/>
-              </a:rPr>
-              <a:t>máy</a:t>
-            </a:r>
-            <a:r>
-              <a:rPr lang="en-US">
-                <a:latin typeface="Times New Roman" panose="02020603050405020304" pitchFamily="18" charset="0"/>
-                <a:cs typeface="Times New Roman" panose="02020603050405020304" pitchFamily="18" charset="0"/>
-              </a:rPr>
-              <a:t> </a:t>
-            </a:r>
-            <a:r>
-              <a:rPr lang="en-US" err="1">
-                <a:latin typeface="Times New Roman" panose="02020603050405020304" pitchFamily="18" charset="0"/>
-                <a:cs typeface="Times New Roman" panose="02020603050405020304" pitchFamily="18" charset="0"/>
-              </a:rPr>
-              <a:t>tính</a:t>
-            </a:r>
-            <a:r>
-              <a:rPr lang="en-US">
-                <a:latin typeface="Times New Roman" panose="02020603050405020304" pitchFamily="18" charset="0"/>
-                <a:cs typeface="Times New Roman" panose="02020603050405020304" pitchFamily="18" charset="0"/>
-              </a:rPr>
-              <a:t> (</a:t>
-            </a:r>
-            <a:r>
-              <a:rPr lang="en-US" err="1">
-                <a:latin typeface="Times New Roman" panose="02020603050405020304" pitchFamily="18" charset="0"/>
-                <a:cs typeface="Times New Roman" panose="02020603050405020304" pitchFamily="18" charset="0"/>
-              </a:rPr>
-              <a:t>địa</a:t>
-            </a:r>
-            <a:r>
-              <a:rPr lang="en-US">
-                <a:latin typeface="Times New Roman" panose="02020603050405020304" pitchFamily="18" charset="0"/>
-                <a:cs typeface="Times New Roman" panose="02020603050405020304" pitchFamily="18" charset="0"/>
-              </a:rPr>
-              <a:t> </a:t>
-            </a:r>
-            <a:r>
-              <a:rPr lang="en-US" err="1">
-                <a:latin typeface="Times New Roman" panose="02020603050405020304" pitchFamily="18" charset="0"/>
-                <a:cs typeface="Times New Roman" panose="02020603050405020304" pitchFamily="18" charset="0"/>
-              </a:rPr>
-              <a:t>chỉ</a:t>
-            </a:r>
-            <a:r>
-              <a:rPr lang="en-US">
-                <a:latin typeface="Times New Roman" panose="02020603050405020304" pitchFamily="18" charset="0"/>
-                <a:cs typeface="Times New Roman" panose="02020603050405020304" pitchFamily="18" charset="0"/>
-              </a:rPr>
-              <a:t> IP).</a:t>
-            </a:r>
-          </a:p>
-          <a:p>
-            <a:r>
-              <a:rPr lang="en-US" err="1">
-                <a:latin typeface="Times New Roman" panose="02020603050405020304" pitchFamily="18" charset="0"/>
-                <a:cs typeface="Times New Roman" panose="02020603050405020304" pitchFamily="18" charset="0"/>
-              </a:rPr>
-              <a:t>Kêu</a:t>
-            </a:r>
-            <a:r>
-              <a:rPr lang="en-US">
-                <a:latin typeface="Times New Roman" panose="02020603050405020304" pitchFamily="18" charset="0"/>
-                <a:cs typeface="Times New Roman" panose="02020603050405020304" pitchFamily="18" charset="0"/>
-              </a:rPr>
-              <a:t> </a:t>
-            </a:r>
-            <a:r>
-              <a:rPr lang="en-US" err="1">
-                <a:latin typeface="Times New Roman" panose="02020603050405020304" pitchFamily="18" charset="0"/>
-                <a:cs typeface="Times New Roman" panose="02020603050405020304" pitchFamily="18" charset="0"/>
-              </a:rPr>
-              <a:t>gọi</a:t>
-            </a:r>
-            <a:r>
-              <a:rPr lang="en-US">
-                <a:latin typeface="Times New Roman" panose="02020603050405020304" pitchFamily="18" charset="0"/>
-                <a:cs typeface="Times New Roman" panose="02020603050405020304" pitchFamily="18" charset="0"/>
-              </a:rPr>
-              <a:t> </a:t>
-            </a:r>
-            <a:r>
-              <a:rPr lang="en-US" err="1">
-                <a:latin typeface="Times New Roman" panose="02020603050405020304" pitchFamily="18" charset="0"/>
-                <a:cs typeface="Times New Roman" panose="02020603050405020304" pitchFamily="18" charset="0"/>
-              </a:rPr>
-              <a:t>và</a:t>
-            </a:r>
-            <a:r>
-              <a:rPr lang="en-US">
-                <a:latin typeface="Times New Roman" panose="02020603050405020304" pitchFamily="18" charset="0"/>
-                <a:cs typeface="Times New Roman" panose="02020603050405020304" pitchFamily="18" charset="0"/>
-              </a:rPr>
-              <a:t> </a:t>
-            </a:r>
-            <a:r>
-              <a:rPr lang="en-US" err="1">
-                <a:latin typeface="Times New Roman" panose="02020603050405020304" pitchFamily="18" charset="0"/>
-                <a:cs typeface="Times New Roman" panose="02020603050405020304" pitchFamily="18" charset="0"/>
-              </a:rPr>
-              <a:t>dùng</a:t>
-            </a:r>
-            <a:r>
-              <a:rPr lang="en-US">
-                <a:latin typeface="Times New Roman" panose="02020603050405020304" pitchFamily="18" charset="0"/>
-                <a:cs typeface="Times New Roman" panose="02020603050405020304" pitchFamily="18" charset="0"/>
-              </a:rPr>
-              <a:t> </a:t>
-            </a:r>
-            <a:r>
-              <a:rPr lang="en-US" err="1">
-                <a:latin typeface="Times New Roman" panose="02020603050405020304" pitchFamily="18" charset="0"/>
-                <a:cs typeface="Times New Roman" panose="02020603050405020304" pitchFamily="18" charset="0"/>
-              </a:rPr>
-              <a:t>những</a:t>
-            </a:r>
-            <a:r>
-              <a:rPr lang="en-US">
-                <a:latin typeface="Times New Roman" panose="02020603050405020304" pitchFamily="18" charset="0"/>
-                <a:cs typeface="Times New Roman" panose="02020603050405020304" pitchFamily="18" charset="0"/>
-              </a:rPr>
-              <a:t> </a:t>
-            </a:r>
-            <a:r>
-              <a:rPr lang="en-US" err="1">
-                <a:latin typeface="Times New Roman" panose="02020603050405020304" pitchFamily="18" charset="0"/>
-                <a:cs typeface="Times New Roman" panose="02020603050405020304" pitchFamily="18" charset="0"/>
-              </a:rPr>
-              <a:t>hình</a:t>
-            </a:r>
-            <a:r>
-              <a:rPr lang="en-US">
-                <a:latin typeface="Times New Roman" panose="02020603050405020304" pitchFamily="18" charset="0"/>
-                <a:cs typeface="Times New Roman" panose="02020603050405020304" pitchFamily="18" charset="0"/>
-              </a:rPr>
-              <a:t> </a:t>
-            </a:r>
-            <a:r>
-              <a:rPr lang="en-US" err="1">
-                <a:latin typeface="Times New Roman" panose="02020603050405020304" pitchFamily="18" charset="0"/>
-                <a:cs typeface="Times New Roman" panose="02020603050405020304" pitchFamily="18" charset="0"/>
-              </a:rPr>
-              <a:t>thức</a:t>
-            </a:r>
-            <a:r>
-              <a:rPr lang="en-US">
-                <a:latin typeface="Times New Roman" panose="02020603050405020304" pitchFamily="18" charset="0"/>
-                <a:cs typeface="Times New Roman" panose="02020603050405020304" pitchFamily="18" charset="0"/>
-              </a:rPr>
-              <a:t> </a:t>
-            </a:r>
-            <a:r>
-              <a:rPr lang="en-US" err="1">
-                <a:latin typeface="Times New Roman" panose="02020603050405020304" pitchFamily="18" charset="0"/>
-                <a:cs typeface="Times New Roman" panose="02020603050405020304" pitchFamily="18" charset="0"/>
-              </a:rPr>
-              <a:t>thủ</a:t>
-            </a:r>
-            <a:r>
-              <a:rPr lang="en-US">
-                <a:latin typeface="Times New Roman" panose="02020603050405020304" pitchFamily="18" charset="0"/>
-                <a:cs typeface="Times New Roman" panose="02020603050405020304" pitchFamily="18" charset="0"/>
-              </a:rPr>
-              <a:t> </a:t>
-            </a:r>
-            <a:r>
-              <a:rPr lang="en-US" err="1">
-                <a:latin typeface="Times New Roman" panose="02020603050405020304" pitchFamily="18" charset="0"/>
-                <a:cs typeface="Times New Roman" panose="02020603050405020304" pitchFamily="18" charset="0"/>
-              </a:rPr>
-              <a:t>thuật</a:t>
-            </a:r>
-            <a:r>
-              <a:rPr lang="en-US">
-                <a:latin typeface="Times New Roman" panose="02020603050405020304" pitchFamily="18" charset="0"/>
-                <a:cs typeface="Times New Roman" panose="02020603050405020304" pitchFamily="18" charset="0"/>
-              </a:rPr>
-              <a:t> </a:t>
-            </a:r>
-            <a:r>
-              <a:rPr lang="en-US" err="1">
-                <a:latin typeface="Times New Roman" panose="02020603050405020304" pitchFamily="18" charset="0"/>
-                <a:cs typeface="Times New Roman" panose="02020603050405020304" pitchFamily="18" charset="0"/>
-              </a:rPr>
-              <a:t>khuyến</a:t>
-            </a:r>
-            <a:r>
-              <a:rPr lang="en-US">
-                <a:latin typeface="Times New Roman" panose="02020603050405020304" pitchFamily="18" charset="0"/>
-                <a:cs typeface="Times New Roman" panose="02020603050405020304" pitchFamily="18" charset="0"/>
-              </a:rPr>
-              <a:t> </a:t>
-            </a:r>
-            <a:r>
-              <a:rPr lang="en-US" err="1">
-                <a:latin typeface="Times New Roman" panose="02020603050405020304" pitchFamily="18" charset="0"/>
-                <a:cs typeface="Times New Roman" panose="02020603050405020304" pitchFamily="18" charset="0"/>
-              </a:rPr>
-              <a:t>khích</a:t>
-            </a:r>
-            <a:r>
-              <a:rPr lang="en-US">
-                <a:latin typeface="Times New Roman" panose="02020603050405020304" pitchFamily="18" charset="0"/>
-                <a:cs typeface="Times New Roman" panose="02020603050405020304" pitchFamily="18" charset="0"/>
-              </a:rPr>
-              <a:t> click </a:t>
-            </a:r>
-            <a:r>
-              <a:rPr lang="en-US" err="1">
-                <a:latin typeface="Times New Roman" panose="02020603050405020304" pitchFamily="18" charset="0"/>
-                <a:cs typeface="Times New Roman" panose="02020603050405020304" pitchFamily="18" charset="0"/>
-              </a:rPr>
-              <a:t>vào</a:t>
-            </a:r>
-            <a:r>
-              <a:rPr lang="en-US">
-                <a:latin typeface="Times New Roman" panose="02020603050405020304" pitchFamily="18" charset="0"/>
-                <a:cs typeface="Times New Roman" panose="02020603050405020304" pitchFamily="18" charset="0"/>
-              </a:rPr>
-              <a:t> </a:t>
-            </a:r>
-            <a:r>
-              <a:rPr lang="en-US" err="1">
-                <a:latin typeface="Times New Roman" panose="02020603050405020304" pitchFamily="18" charset="0"/>
-                <a:cs typeface="Times New Roman" panose="02020603050405020304" pitchFamily="18" charset="0"/>
-              </a:rPr>
-              <a:t>quảng</a:t>
-            </a:r>
-            <a:r>
-              <a:rPr lang="en-US">
-                <a:latin typeface="Times New Roman" panose="02020603050405020304" pitchFamily="18" charset="0"/>
-                <a:cs typeface="Times New Roman" panose="02020603050405020304" pitchFamily="18" charset="0"/>
-              </a:rPr>
-              <a:t> </a:t>
-            </a:r>
-            <a:r>
-              <a:rPr lang="en-US" err="1">
-                <a:latin typeface="Times New Roman" panose="02020603050405020304" pitchFamily="18" charset="0"/>
-                <a:cs typeface="Times New Roman" panose="02020603050405020304" pitchFamily="18" charset="0"/>
-              </a:rPr>
-              <a:t>cáo</a:t>
-            </a:r>
-            <a:r>
-              <a:rPr lang="en-US">
-                <a:latin typeface="Times New Roman" panose="02020603050405020304" pitchFamily="18" charset="0"/>
-                <a:cs typeface="Times New Roman" panose="02020603050405020304" pitchFamily="18" charset="0"/>
-              </a:rPr>
-              <a:t> </a:t>
-            </a:r>
-            <a:r>
-              <a:rPr lang="en-US" err="1">
-                <a:latin typeface="Times New Roman" panose="02020603050405020304" pitchFamily="18" charset="0"/>
-                <a:cs typeface="Times New Roman" panose="02020603050405020304" pitchFamily="18" charset="0"/>
-              </a:rPr>
-              <a:t>không</a:t>
-            </a:r>
-            <a:r>
-              <a:rPr lang="en-US">
-                <a:latin typeface="Times New Roman" panose="02020603050405020304" pitchFamily="18" charset="0"/>
-                <a:cs typeface="Times New Roman" panose="02020603050405020304" pitchFamily="18" charset="0"/>
-              </a:rPr>
-              <a:t> </a:t>
-            </a:r>
-            <a:r>
-              <a:rPr lang="en-US" err="1">
-                <a:latin typeface="Times New Roman" panose="02020603050405020304" pitchFamily="18" charset="0"/>
-                <a:cs typeface="Times New Roman" panose="02020603050405020304" pitchFamily="18" charset="0"/>
-              </a:rPr>
-              <a:t>chính</a:t>
-            </a:r>
-            <a:r>
-              <a:rPr lang="en-US">
-                <a:latin typeface="Times New Roman" panose="02020603050405020304" pitchFamily="18" charset="0"/>
-                <a:cs typeface="Times New Roman" panose="02020603050405020304" pitchFamily="18" charset="0"/>
-              </a:rPr>
-              <a:t> </a:t>
-            </a:r>
-            <a:r>
-              <a:rPr lang="en-US" err="1">
-                <a:latin typeface="Times New Roman" panose="02020603050405020304" pitchFamily="18" charset="0"/>
-                <a:cs typeface="Times New Roman" panose="02020603050405020304" pitchFamily="18" charset="0"/>
-              </a:rPr>
-              <a:t>thức</a:t>
-            </a:r>
-            <a:r>
-              <a:rPr lang="en-US">
-                <a:latin typeface="Times New Roman" panose="02020603050405020304" pitchFamily="18" charset="0"/>
-                <a:cs typeface="Times New Roman" panose="02020603050405020304" pitchFamily="18" charset="0"/>
-              </a:rPr>
-              <a:t>.</a:t>
-            </a:r>
-          </a:p>
-          <a:p>
-            <a:r>
-              <a:rPr lang="en-US" err="1">
-                <a:latin typeface="Times New Roman" panose="02020603050405020304" pitchFamily="18" charset="0"/>
-                <a:cs typeface="Times New Roman" panose="02020603050405020304" pitchFamily="18" charset="0"/>
-              </a:rPr>
-              <a:t>Trao</a:t>
-            </a:r>
-            <a:r>
-              <a:rPr lang="en-US">
-                <a:latin typeface="Times New Roman" panose="02020603050405020304" pitchFamily="18" charset="0"/>
-                <a:cs typeface="Times New Roman" panose="02020603050405020304" pitchFamily="18" charset="0"/>
-              </a:rPr>
-              <a:t> </a:t>
-            </a:r>
-            <a:r>
-              <a:rPr lang="en-US" err="1">
-                <a:latin typeface="Times New Roman" panose="02020603050405020304" pitchFamily="18" charset="0"/>
-                <a:cs typeface="Times New Roman" panose="02020603050405020304" pitchFamily="18" charset="0"/>
-              </a:rPr>
-              <a:t>đổi</a:t>
-            </a:r>
-            <a:r>
-              <a:rPr lang="en-US">
-                <a:latin typeface="Times New Roman" panose="02020603050405020304" pitchFamily="18" charset="0"/>
-                <a:cs typeface="Times New Roman" panose="02020603050405020304" pitchFamily="18" charset="0"/>
-              </a:rPr>
-              <a:t> view, </a:t>
-            </a:r>
-            <a:r>
-              <a:rPr lang="en-US" err="1">
-                <a:latin typeface="Times New Roman" panose="02020603050405020304" pitchFamily="18" charset="0"/>
-                <a:cs typeface="Times New Roman" panose="02020603050405020304" pitchFamily="18" charset="0"/>
-              </a:rPr>
-              <a:t>kéo</a:t>
-            </a:r>
-            <a:r>
-              <a:rPr lang="en-US">
-                <a:latin typeface="Times New Roman" panose="02020603050405020304" pitchFamily="18" charset="0"/>
-                <a:cs typeface="Times New Roman" panose="02020603050405020304" pitchFamily="18" charset="0"/>
-              </a:rPr>
-              <a:t> traffic </a:t>
-            </a:r>
-            <a:r>
-              <a:rPr lang="en-US" err="1">
-                <a:latin typeface="Times New Roman" panose="02020603050405020304" pitchFamily="18" charset="0"/>
-                <a:cs typeface="Times New Roman" panose="02020603050405020304" pitchFamily="18" charset="0"/>
-              </a:rPr>
-              <a:t>không</a:t>
-            </a:r>
-            <a:r>
-              <a:rPr lang="en-US">
-                <a:latin typeface="Times New Roman" panose="02020603050405020304" pitchFamily="18" charset="0"/>
-                <a:cs typeface="Times New Roman" panose="02020603050405020304" pitchFamily="18" charset="0"/>
-              </a:rPr>
-              <a:t> </a:t>
-            </a:r>
-            <a:r>
-              <a:rPr lang="en-US" err="1">
-                <a:latin typeface="Times New Roman" panose="02020603050405020304" pitchFamily="18" charset="0"/>
-                <a:cs typeface="Times New Roman" panose="02020603050405020304" pitchFamily="18" charset="0"/>
-              </a:rPr>
-              <a:t>tự</a:t>
-            </a:r>
-            <a:r>
-              <a:rPr lang="en-US">
-                <a:latin typeface="Times New Roman" panose="02020603050405020304" pitchFamily="18" charset="0"/>
-                <a:cs typeface="Times New Roman" panose="02020603050405020304" pitchFamily="18" charset="0"/>
-              </a:rPr>
-              <a:t> </a:t>
-            </a:r>
-            <a:r>
-              <a:rPr lang="en-US" err="1">
-                <a:latin typeface="Times New Roman" panose="02020603050405020304" pitchFamily="18" charset="0"/>
-                <a:cs typeface="Times New Roman" panose="02020603050405020304" pitchFamily="18" charset="0"/>
-              </a:rPr>
-              <a:t>nhiên</a:t>
-            </a:r>
-            <a:r>
-              <a:rPr lang="en-US">
-                <a:latin typeface="Times New Roman" panose="02020603050405020304" pitchFamily="18" charset="0"/>
-                <a:cs typeface="Times New Roman" panose="02020603050405020304" pitchFamily="18" charset="0"/>
-              </a:rPr>
-              <a:t>.</a:t>
-            </a:r>
-          </a:p>
-          <a:p>
-            <a:r>
-              <a:rPr lang="en-US">
-                <a:latin typeface="Times New Roman" panose="02020603050405020304" pitchFamily="18" charset="0"/>
-                <a:cs typeface="Times New Roman" panose="02020603050405020304" pitchFamily="18" charset="0"/>
-              </a:rPr>
-              <a:t>Bị click </a:t>
-            </a:r>
-            <a:r>
-              <a:rPr lang="en-US" err="1">
-                <a:latin typeface="Times New Roman" panose="02020603050405020304" pitchFamily="18" charset="0"/>
-                <a:cs typeface="Times New Roman" panose="02020603050405020304" pitchFamily="18" charset="0"/>
-              </a:rPr>
-              <a:t>tặc</a:t>
-            </a:r>
-            <a:r>
-              <a:rPr lang="en-US">
-                <a:latin typeface="Times New Roman" panose="02020603050405020304" pitchFamily="18" charset="0"/>
-                <a:cs typeface="Times New Roman" panose="02020603050405020304" pitchFamily="18" charset="0"/>
-              </a:rPr>
-              <a:t>, bị </a:t>
-            </a:r>
-            <a:r>
-              <a:rPr lang="en-US" err="1">
-                <a:latin typeface="Times New Roman" panose="02020603050405020304" pitchFamily="18" charset="0"/>
-                <a:cs typeface="Times New Roman" panose="02020603050405020304" pitchFamily="18" charset="0"/>
-              </a:rPr>
-              <a:t>pha</a:t>
-            </a:r>
-            <a:r>
-              <a:rPr lang="en-US">
-                <a:latin typeface="Times New Roman" panose="02020603050405020304" pitchFamily="18" charset="0"/>
-                <a:cs typeface="Times New Roman" panose="02020603050405020304" pitchFamily="18" charset="0"/>
-              </a:rPr>
-              <a:t>́ </a:t>
-            </a:r>
-            <a:r>
-              <a:rPr lang="en-US" err="1">
-                <a:latin typeface="Times New Roman" panose="02020603050405020304" pitchFamily="18" charset="0"/>
-                <a:cs typeface="Times New Roman" panose="02020603050405020304" pitchFamily="18" charset="0"/>
-              </a:rPr>
-              <a:t>hoại</a:t>
-            </a:r>
-            <a:r>
-              <a:rPr lang="en-US">
-                <a:latin typeface="Times New Roman" panose="02020603050405020304" pitchFamily="18" charset="0"/>
-                <a:cs typeface="Times New Roman" panose="02020603050405020304" pitchFamily="18" charset="0"/>
-              </a:rPr>
-              <a:t>.</a:t>
-            </a:r>
-          </a:p>
-          <a:p>
-            <a:endParaRPr lang="en-US">
+              <a:t>Bị click tặc, bị phá hoại.</a:t>
+            </a:r>
+          </a:p>
+          <a:p>
+            <a:endParaRPr lang="en-US" cap="none">
               <a:latin typeface="Times New Roman" panose="02020603050405020304" pitchFamily="18" charset="0"/>
               <a:cs typeface="Times New Roman" panose="02020603050405020304" pitchFamily="18" charset="0"/>
             </a:endParaRPr>
@@ -9167,6 +11179,479 @@
   <p:clrMapOvr>
     <a:masterClrMapping/>
   </p:clrMapOvr>
+  <mc:AlternateContent xmlns:mc="http://schemas.openxmlformats.org/markup-compatibility/2006">
+    <mc:Choice xmlns:p14="http://schemas.microsoft.com/office/powerpoint/2010/main" Requires="p14">
+      <p:transition spd="slow" p14:dur="1500">
+        <p:split orient="vert"/>
+      </p:transition>
+    </mc:Choice>
+    <mc:Fallback>
+      <p:transition spd="slow">
+        <p:split orient="vert"/>
+      </p:transition>
+    </mc:Fallback>
+  </mc:AlternateContent>
+  <p:timing>
+    <p:tnLst>
+      <p:par>
+        <p:cTn id="1" dur="indefinite" restart="never" nodeType="tmRoot">
+          <p:childTnLst>
+            <p:seq concurrent="1" nextAc="seek">
+              <p:cTn id="2" dur="indefinite" nodeType="mainSeq">
+                <p:childTnLst>
+                  <p:par>
+                    <p:cTn id="3" fill="hold">
+                      <p:stCondLst>
+                        <p:cond delay="indefinite"/>
+                      </p:stCondLst>
+                      <p:childTnLst>
+                        <p:par>
+                          <p:cTn id="4" fill="hold">
+                            <p:stCondLst>
+                              <p:cond delay="0"/>
+                            </p:stCondLst>
+                            <p:childTnLst>
+                              <p:par>
+                                <p:cTn id="5" presetID="31" presetClass="entr" presetSubtype="0" fill="hold" grpId="0" nodeType="clickEffect">
+                                  <p:stCondLst>
+                                    <p:cond delay="0"/>
+                                  </p:stCondLst>
+                                  <p:childTnLst>
+                                    <p:set>
+                                      <p:cBhvr>
+                                        <p:cTn id="6" dur="1" fill="hold">
+                                          <p:stCondLst>
+                                            <p:cond delay="0"/>
+                                          </p:stCondLst>
+                                        </p:cTn>
+                                        <p:tgtEl>
+                                          <p:spTgt spid="2"/>
+                                        </p:tgtEl>
+                                        <p:attrNameLst>
+                                          <p:attrName>style.visibility</p:attrName>
+                                        </p:attrNameLst>
+                                      </p:cBhvr>
+                                      <p:to>
+                                        <p:strVal val="visible"/>
+                                      </p:to>
+                                    </p:set>
+                                    <p:anim calcmode="lin" valueType="num">
+                                      <p:cBhvr>
+                                        <p:cTn id="7" dur="1000" fill="hold"/>
+                                        <p:tgtEl>
+                                          <p:spTgt spid="2"/>
+                                        </p:tgtEl>
+                                        <p:attrNameLst>
+                                          <p:attrName>ppt_w</p:attrName>
+                                        </p:attrNameLst>
+                                      </p:cBhvr>
+                                      <p:tavLst>
+                                        <p:tav tm="0">
+                                          <p:val>
+                                            <p:fltVal val="0"/>
+                                          </p:val>
+                                        </p:tav>
+                                        <p:tav tm="100000">
+                                          <p:val>
+                                            <p:strVal val="#ppt_w"/>
+                                          </p:val>
+                                        </p:tav>
+                                      </p:tavLst>
+                                    </p:anim>
+                                    <p:anim calcmode="lin" valueType="num">
+                                      <p:cBhvr>
+                                        <p:cTn id="8" dur="1000" fill="hold"/>
+                                        <p:tgtEl>
+                                          <p:spTgt spid="2"/>
+                                        </p:tgtEl>
+                                        <p:attrNameLst>
+                                          <p:attrName>ppt_h</p:attrName>
+                                        </p:attrNameLst>
+                                      </p:cBhvr>
+                                      <p:tavLst>
+                                        <p:tav tm="0">
+                                          <p:val>
+                                            <p:fltVal val="0"/>
+                                          </p:val>
+                                        </p:tav>
+                                        <p:tav tm="100000">
+                                          <p:val>
+                                            <p:strVal val="#ppt_h"/>
+                                          </p:val>
+                                        </p:tav>
+                                      </p:tavLst>
+                                    </p:anim>
+                                    <p:anim calcmode="lin" valueType="num">
+                                      <p:cBhvr>
+                                        <p:cTn id="9" dur="1000" fill="hold"/>
+                                        <p:tgtEl>
+                                          <p:spTgt spid="2"/>
+                                        </p:tgtEl>
+                                        <p:attrNameLst>
+                                          <p:attrName>style.rotation</p:attrName>
+                                        </p:attrNameLst>
+                                      </p:cBhvr>
+                                      <p:tavLst>
+                                        <p:tav tm="0">
+                                          <p:val>
+                                            <p:fltVal val="90"/>
+                                          </p:val>
+                                        </p:tav>
+                                        <p:tav tm="100000">
+                                          <p:val>
+                                            <p:fltVal val="0"/>
+                                          </p:val>
+                                        </p:tav>
+                                      </p:tavLst>
+                                    </p:anim>
+                                    <p:animEffect transition="in" filter="fade">
+                                      <p:cBhvr>
+                                        <p:cTn id="10" dur="1000"/>
+                                        <p:tgtEl>
+                                          <p:spTgt spid="2"/>
+                                        </p:tgtEl>
+                                      </p:cBhvr>
+                                    </p:animEffect>
+                                  </p:childTnLst>
+                                </p:cTn>
+                              </p:par>
+                            </p:childTnLst>
+                          </p:cTn>
+                        </p:par>
+                      </p:childTnLst>
+                    </p:cTn>
+                  </p:par>
+                  <p:par>
+                    <p:cTn id="11" fill="hold">
+                      <p:stCondLst>
+                        <p:cond delay="indefinite"/>
+                      </p:stCondLst>
+                      <p:childTnLst>
+                        <p:par>
+                          <p:cTn id="12" fill="hold">
+                            <p:stCondLst>
+                              <p:cond delay="0"/>
+                            </p:stCondLst>
+                            <p:childTnLst>
+                              <p:par>
+                                <p:cTn id="13" presetID="22" presetClass="entr" presetSubtype="4" fill="hold" grpId="0" nodeType="clickEffect">
+                                  <p:stCondLst>
+                                    <p:cond delay="0"/>
+                                  </p:stCondLst>
+                                  <p:childTnLst>
+                                    <p:set>
+                                      <p:cBhvr>
+                                        <p:cTn id="14" dur="1" fill="hold">
+                                          <p:stCondLst>
+                                            <p:cond delay="0"/>
+                                          </p:stCondLst>
+                                        </p:cTn>
+                                        <p:tgtEl>
+                                          <p:spTgt spid="3">
+                                            <p:txEl>
+                                              <p:pRg st="0" end="0"/>
+                                            </p:txEl>
+                                          </p:spTgt>
+                                        </p:tgtEl>
+                                        <p:attrNameLst>
+                                          <p:attrName>style.visibility</p:attrName>
+                                        </p:attrNameLst>
+                                      </p:cBhvr>
+                                      <p:to>
+                                        <p:strVal val="visible"/>
+                                      </p:to>
+                                    </p:set>
+                                    <p:animEffect transition="in" filter="wipe(down)">
+                                      <p:cBhvr>
+                                        <p:cTn id="15" dur="500"/>
+                                        <p:tgtEl>
+                                          <p:spTgt spid="3">
+                                            <p:txEl>
+                                              <p:pRg st="0" end="0"/>
+                                            </p:txEl>
+                                          </p:spTgt>
+                                        </p:tgtEl>
+                                      </p:cBhvr>
+                                    </p:animEffect>
+                                  </p:childTnLst>
+                                </p:cTn>
+                              </p:par>
+                            </p:childTnLst>
+                          </p:cTn>
+                        </p:par>
+                      </p:childTnLst>
+                    </p:cTn>
+                  </p:par>
+                  <p:par>
+                    <p:cTn id="16" fill="hold">
+                      <p:stCondLst>
+                        <p:cond delay="indefinite"/>
+                      </p:stCondLst>
+                      <p:childTnLst>
+                        <p:par>
+                          <p:cTn id="17" fill="hold">
+                            <p:stCondLst>
+                              <p:cond delay="0"/>
+                            </p:stCondLst>
+                            <p:childTnLst>
+                              <p:par>
+                                <p:cTn id="18" presetID="22" presetClass="entr" presetSubtype="4" fill="hold" grpId="0" nodeType="clickEffect">
+                                  <p:stCondLst>
+                                    <p:cond delay="0"/>
+                                  </p:stCondLst>
+                                  <p:childTnLst>
+                                    <p:set>
+                                      <p:cBhvr>
+                                        <p:cTn id="19" dur="1" fill="hold">
+                                          <p:stCondLst>
+                                            <p:cond delay="0"/>
+                                          </p:stCondLst>
+                                        </p:cTn>
+                                        <p:tgtEl>
+                                          <p:spTgt spid="3">
+                                            <p:txEl>
+                                              <p:pRg st="1" end="1"/>
+                                            </p:txEl>
+                                          </p:spTgt>
+                                        </p:tgtEl>
+                                        <p:attrNameLst>
+                                          <p:attrName>style.visibility</p:attrName>
+                                        </p:attrNameLst>
+                                      </p:cBhvr>
+                                      <p:to>
+                                        <p:strVal val="visible"/>
+                                      </p:to>
+                                    </p:set>
+                                    <p:animEffect transition="in" filter="wipe(down)">
+                                      <p:cBhvr>
+                                        <p:cTn id="20" dur="500"/>
+                                        <p:tgtEl>
+                                          <p:spTgt spid="3">
+                                            <p:txEl>
+                                              <p:pRg st="1" end="1"/>
+                                            </p:txEl>
+                                          </p:spTgt>
+                                        </p:tgtEl>
+                                      </p:cBhvr>
+                                    </p:animEffect>
+                                  </p:childTnLst>
+                                </p:cTn>
+                              </p:par>
+                            </p:childTnLst>
+                          </p:cTn>
+                        </p:par>
+                      </p:childTnLst>
+                    </p:cTn>
+                  </p:par>
+                  <p:par>
+                    <p:cTn id="21" fill="hold">
+                      <p:stCondLst>
+                        <p:cond delay="indefinite"/>
+                      </p:stCondLst>
+                      <p:childTnLst>
+                        <p:par>
+                          <p:cTn id="22" fill="hold">
+                            <p:stCondLst>
+                              <p:cond delay="0"/>
+                            </p:stCondLst>
+                            <p:childTnLst>
+                              <p:par>
+                                <p:cTn id="23" presetID="22" presetClass="entr" presetSubtype="4" fill="hold" grpId="0" nodeType="clickEffect">
+                                  <p:stCondLst>
+                                    <p:cond delay="0"/>
+                                  </p:stCondLst>
+                                  <p:childTnLst>
+                                    <p:set>
+                                      <p:cBhvr>
+                                        <p:cTn id="24" dur="1" fill="hold">
+                                          <p:stCondLst>
+                                            <p:cond delay="0"/>
+                                          </p:stCondLst>
+                                        </p:cTn>
+                                        <p:tgtEl>
+                                          <p:spTgt spid="3">
+                                            <p:txEl>
+                                              <p:pRg st="2" end="2"/>
+                                            </p:txEl>
+                                          </p:spTgt>
+                                        </p:tgtEl>
+                                        <p:attrNameLst>
+                                          <p:attrName>style.visibility</p:attrName>
+                                        </p:attrNameLst>
+                                      </p:cBhvr>
+                                      <p:to>
+                                        <p:strVal val="visible"/>
+                                      </p:to>
+                                    </p:set>
+                                    <p:animEffect transition="in" filter="wipe(down)">
+                                      <p:cBhvr>
+                                        <p:cTn id="25" dur="500"/>
+                                        <p:tgtEl>
+                                          <p:spTgt spid="3">
+                                            <p:txEl>
+                                              <p:pRg st="2" end="2"/>
+                                            </p:txEl>
+                                          </p:spTgt>
+                                        </p:tgtEl>
+                                      </p:cBhvr>
+                                    </p:animEffect>
+                                  </p:childTnLst>
+                                </p:cTn>
+                              </p:par>
+                            </p:childTnLst>
+                          </p:cTn>
+                        </p:par>
+                      </p:childTnLst>
+                    </p:cTn>
+                  </p:par>
+                  <p:par>
+                    <p:cTn id="26" fill="hold">
+                      <p:stCondLst>
+                        <p:cond delay="indefinite"/>
+                      </p:stCondLst>
+                      <p:childTnLst>
+                        <p:par>
+                          <p:cTn id="27" fill="hold">
+                            <p:stCondLst>
+                              <p:cond delay="0"/>
+                            </p:stCondLst>
+                            <p:childTnLst>
+                              <p:par>
+                                <p:cTn id="28" presetID="22" presetClass="entr" presetSubtype="4" fill="hold" grpId="0" nodeType="clickEffect">
+                                  <p:stCondLst>
+                                    <p:cond delay="0"/>
+                                  </p:stCondLst>
+                                  <p:childTnLst>
+                                    <p:set>
+                                      <p:cBhvr>
+                                        <p:cTn id="29" dur="1" fill="hold">
+                                          <p:stCondLst>
+                                            <p:cond delay="0"/>
+                                          </p:stCondLst>
+                                        </p:cTn>
+                                        <p:tgtEl>
+                                          <p:spTgt spid="3">
+                                            <p:txEl>
+                                              <p:pRg st="3" end="3"/>
+                                            </p:txEl>
+                                          </p:spTgt>
+                                        </p:tgtEl>
+                                        <p:attrNameLst>
+                                          <p:attrName>style.visibility</p:attrName>
+                                        </p:attrNameLst>
+                                      </p:cBhvr>
+                                      <p:to>
+                                        <p:strVal val="visible"/>
+                                      </p:to>
+                                    </p:set>
+                                    <p:animEffect transition="in" filter="wipe(down)">
+                                      <p:cBhvr>
+                                        <p:cTn id="30" dur="500"/>
+                                        <p:tgtEl>
+                                          <p:spTgt spid="3">
+                                            <p:txEl>
+                                              <p:pRg st="3" end="3"/>
+                                            </p:txEl>
+                                          </p:spTgt>
+                                        </p:tgtEl>
+                                      </p:cBhvr>
+                                    </p:animEffect>
+                                  </p:childTnLst>
+                                </p:cTn>
+                              </p:par>
+                            </p:childTnLst>
+                          </p:cTn>
+                        </p:par>
+                      </p:childTnLst>
+                    </p:cTn>
+                  </p:par>
+                  <p:par>
+                    <p:cTn id="31" fill="hold">
+                      <p:stCondLst>
+                        <p:cond delay="indefinite"/>
+                      </p:stCondLst>
+                      <p:childTnLst>
+                        <p:par>
+                          <p:cTn id="32" fill="hold">
+                            <p:stCondLst>
+                              <p:cond delay="0"/>
+                            </p:stCondLst>
+                            <p:childTnLst>
+                              <p:par>
+                                <p:cTn id="33" presetID="22" presetClass="entr" presetSubtype="4" fill="hold" grpId="0" nodeType="clickEffect">
+                                  <p:stCondLst>
+                                    <p:cond delay="0"/>
+                                  </p:stCondLst>
+                                  <p:childTnLst>
+                                    <p:set>
+                                      <p:cBhvr>
+                                        <p:cTn id="34" dur="1" fill="hold">
+                                          <p:stCondLst>
+                                            <p:cond delay="0"/>
+                                          </p:stCondLst>
+                                        </p:cTn>
+                                        <p:tgtEl>
+                                          <p:spTgt spid="3">
+                                            <p:txEl>
+                                              <p:pRg st="4" end="4"/>
+                                            </p:txEl>
+                                          </p:spTgt>
+                                        </p:tgtEl>
+                                        <p:attrNameLst>
+                                          <p:attrName>style.visibility</p:attrName>
+                                        </p:attrNameLst>
+                                      </p:cBhvr>
+                                      <p:to>
+                                        <p:strVal val="visible"/>
+                                      </p:to>
+                                    </p:set>
+                                    <p:animEffect transition="in" filter="wipe(down)">
+                                      <p:cBhvr>
+                                        <p:cTn id="35" dur="500"/>
+                                        <p:tgtEl>
+                                          <p:spTgt spid="3">
+                                            <p:txEl>
+                                              <p:pRg st="4" end="4"/>
+                                            </p:txEl>
+                                          </p:spTgt>
+                                        </p:tgtEl>
+                                      </p:cBhvr>
+                                    </p:animEffect>
+                                  </p:childTnLst>
+                                </p:cTn>
+                              </p:par>
+                            </p:childTnLst>
+                          </p:cTn>
+                        </p:par>
+                      </p:childTnLst>
+                    </p:cTn>
+                  </p:par>
+                </p:childTnLst>
+              </p:cTn>
+              <p:prevCondLst>
+                <p:cond evt="onPrev" delay="0">
+                  <p:tgtEl>
+                    <p:sldTgt/>
+                  </p:tgtEl>
+                </p:cond>
+              </p:prevCondLst>
+              <p:nextCondLst>
+                <p:cond evt="onNext" delay="0">
+                  <p:tgtEl>
+                    <p:sldTgt/>
+                  </p:tgtEl>
+                </p:cond>
+              </p:nextCondLst>
+            </p:seq>
+          </p:childTnLst>
+        </p:cTn>
+      </p:par>
+    </p:tnLst>
+    <p:bldLst>
+      <p:bldP spid="2" grpId="0"/>
+      <p:bldP spid="3" grpId="0" build="p"/>
+    </p:bldLst>
+  </p:timing>
 </p:sld>
 </file>
 
@@ -9218,7 +11703,7 @@
                 <a:latin typeface="Times New Roman" panose="02020603050405020304" pitchFamily="18" charset="0"/>
                 <a:cs typeface="Times New Roman" panose="02020603050405020304" pitchFamily="18" charset="0"/>
               </a:rPr>
-              <a:t>H</a:t>
+              <a:t>5. H</a:t>
             </a:r>
             <a:r>
               <a:rPr lang="vi-VN">
@@ -9329,6 +11814,18 @@
   <p:clrMapOvr>
     <a:masterClrMapping/>
   </p:clrMapOvr>
+  <mc:AlternateContent xmlns:mc="http://schemas.openxmlformats.org/markup-compatibility/2006">
+    <mc:Choice xmlns:p14="http://schemas.microsoft.com/office/powerpoint/2010/main" Requires="p14">
+      <p:transition spd="slow" p14:dur="3400">
+        <p14:reveal/>
+      </p:transition>
+    </mc:Choice>
+    <mc:Fallback>
+      <p:transition spd="slow">
+        <p:fade/>
+      </p:transition>
+    </mc:Fallback>
+  </mc:AlternateContent>
 </p:sld>
 </file>
 
@@ -9455,6 +11952,9 @@
   <p:clrMapOvr>
     <a:masterClrMapping/>
   </p:clrMapOvr>
+  <p:transition spd="slow">
+    <p:randomBar dir="vert"/>
+  </p:transition>
 </p:sld>
 </file>
 
@@ -9669,6 +12169,9 @@
   <p:clrMapOvr>
     <a:masterClrMapping/>
   </p:clrMapOvr>
+  <p:transition spd="med">
+    <p:pull/>
+  </p:transition>
 </p:sld>
 </file>
 
@@ -9783,6 +12286,18 @@
   <p:clrMapOvr>
     <a:masterClrMapping/>
   </p:clrMapOvr>
+  <mc:AlternateContent xmlns:mc="http://schemas.openxmlformats.org/markup-compatibility/2006">
+    <mc:Choice xmlns:p14="http://schemas.microsoft.com/office/powerpoint/2010/main" Requires="p14">
+      <p:transition spd="slow">
+        <p14:flash/>
+      </p:transition>
+    </mc:Choice>
+    <mc:Fallback>
+      <p:transition spd="slow">
+        <p:fade/>
+      </p:transition>
+    </mc:Fallback>
+  </mc:AlternateContent>
 </p:sld>
 </file>
 
